--- a/Diapositivas/Parte 05.Association Rules/05_01_Apriori.pptx
+++ b/Diapositivas/Parte 05.Association Rules/05_01_Apriori.pptx
@@ -5326,7 +5326,7 @@
           <a:p>
             <a:fld id="{6C73E373-4A5A-9F47-B78B-3F6D862D2DA4}" type="datetimeFigureOut">
               <a:rPr lang="es-CO" smtClean="0"/>
-              <a:t>28/06/2023</a:t>
+              <a:t>7/09/2023</a:t>
             </a:fld>
             <a:endParaRPr lang="es-CO"/>
           </a:p>
@@ -5616,7 +5616,7 @@
           <p:cNvPr id="7" name="Imagen 6">
             <a:extLst>
               <a:ext uri="{FF2B5EF4-FFF2-40B4-BE49-F238E27FC236}">
-                <a16:creationId xmlns:a16="http://schemas.microsoft.com/office/drawing/2014/main" xmlns="" id="{36B54177-B7DF-1DD9-8875-D4168F53E154}"/>
+                <a16:creationId xmlns="" xmlns:a16="http://schemas.microsoft.com/office/drawing/2014/main" id="{36B54177-B7DF-1DD9-8875-D4168F53E154}"/>
               </a:ext>
             </a:extLst>
           </p:cNvPr>
@@ -5646,7 +5646,7 @@
           <p:cNvPr id="2" name="Título 1">
             <a:extLst>
               <a:ext uri="{FF2B5EF4-FFF2-40B4-BE49-F238E27FC236}">
-                <a16:creationId xmlns:a16="http://schemas.microsoft.com/office/drawing/2014/main" xmlns="" id="{3029E411-989D-8CFA-0371-904E9B56BB90}"/>
+                <a16:creationId xmlns="" xmlns:a16="http://schemas.microsoft.com/office/drawing/2014/main" id="{3029E411-989D-8CFA-0371-904E9B56BB90}"/>
               </a:ext>
             </a:extLst>
           </p:cNvPr>
@@ -5687,7 +5687,7 @@
           <p:cNvPr id="3" name="Subtítulo 2">
             <a:extLst>
               <a:ext uri="{FF2B5EF4-FFF2-40B4-BE49-F238E27FC236}">
-                <a16:creationId xmlns:a16="http://schemas.microsoft.com/office/drawing/2014/main" xmlns="" id="{68801E2D-CF21-2ADE-8396-CC12B5A246AC}"/>
+                <a16:creationId xmlns="" xmlns:a16="http://schemas.microsoft.com/office/drawing/2014/main" id="{68801E2D-CF21-2ADE-8396-CC12B5A246AC}"/>
               </a:ext>
             </a:extLst>
           </p:cNvPr>
@@ -5761,7 +5761,7 @@
           <p:cNvPr id="4" name="Marcador de fecha 3">
             <a:extLst>
               <a:ext uri="{FF2B5EF4-FFF2-40B4-BE49-F238E27FC236}">
-                <a16:creationId xmlns:a16="http://schemas.microsoft.com/office/drawing/2014/main" xmlns="" id="{C7D9C27E-71A0-A8E6-7D94-D52F81CE5F69}"/>
+                <a16:creationId xmlns="" xmlns:a16="http://schemas.microsoft.com/office/drawing/2014/main" id="{C7D9C27E-71A0-A8E6-7D94-D52F81CE5F69}"/>
               </a:ext>
             </a:extLst>
           </p:cNvPr>
@@ -5788,7 +5788,7 @@
             <a:fld id="{4ED1245C-EDA9-0F49-9277-480AED948C75}" type="datetimeFigureOut">
               <a:rPr lang="es-MX" smtClean="0"/>
               <a:pPr/>
-              <a:t>28/06/2023</a:t>
+              <a:t>07/09/2023</a:t>
             </a:fld>
             <a:endParaRPr lang="es-MX"/>
           </a:p>
@@ -5799,7 +5799,7 @@
           <p:cNvPr id="5" name="Marcador de pie de página 4">
             <a:extLst>
               <a:ext uri="{FF2B5EF4-FFF2-40B4-BE49-F238E27FC236}">
-                <a16:creationId xmlns:a16="http://schemas.microsoft.com/office/drawing/2014/main" xmlns="" id="{4C83CED7-3270-999D-99EC-4B2B5F4289C9}"/>
+                <a16:creationId xmlns="" xmlns:a16="http://schemas.microsoft.com/office/drawing/2014/main" id="{4C83CED7-3270-999D-99EC-4B2B5F4289C9}"/>
               </a:ext>
             </a:extLst>
           </p:cNvPr>
@@ -5832,7 +5832,7 @@
           <p:cNvPr id="6" name="Marcador de número de diapositiva 5">
             <a:extLst>
               <a:ext uri="{FF2B5EF4-FFF2-40B4-BE49-F238E27FC236}">
-                <a16:creationId xmlns:a16="http://schemas.microsoft.com/office/drawing/2014/main" xmlns="" id="{0DC7CE21-D4CA-6449-E0EA-746968CC779A}"/>
+                <a16:creationId xmlns="" xmlns:a16="http://schemas.microsoft.com/office/drawing/2014/main" id="{0DC7CE21-D4CA-6449-E0EA-746968CC779A}"/>
               </a:ext>
             </a:extLst>
           </p:cNvPr>
@@ -5900,7 +5900,7 @@
           <p:cNvPr id="2" name="Título 1">
             <a:extLst>
               <a:ext uri="{FF2B5EF4-FFF2-40B4-BE49-F238E27FC236}">
-                <a16:creationId xmlns:a16="http://schemas.microsoft.com/office/drawing/2014/main" xmlns="" id="{C4018A1D-A95A-249C-60D7-BFEC9560650F}"/>
+                <a16:creationId xmlns="" xmlns:a16="http://schemas.microsoft.com/office/drawing/2014/main" id="{C4018A1D-A95A-249C-60D7-BFEC9560650F}"/>
               </a:ext>
             </a:extLst>
           </p:cNvPr>
@@ -5937,7 +5937,7 @@
           <p:cNvPr id="3" name="Marcador de texto 2">
             <a:extLst>
               <a:ext uri="{FF2B5EF4-FFF2-40B4-BE49-F238E27FC236}">
-                <a16:creationId xmlns:a16="http://schemas.microsoft.com/office/drawing/2014/main" xmlns="" id="{7DA112BB-1B55-D3DA-D7D7-35DE1AC52464}"/>
+                <a16:creationId xmlns="" xmlns:a16="http://schemas.microsoft.com/office/drawing/2014/main" id="{7DA112BB-1B55-D3DA-D7D7-35DE1AC52464}"/>
               </a:ext>
             </a:extLst>
           </p:cNvPr>
@@ -6062,7 +6062,7 @@
           <p:cNvPr id="4" name="Marcador de fecha 3">
             <a:extLst>
               <a:ext uri="{FF2B5EF4-FFF2-40B4-BE49-F238E27FC236}">
-                <a16:creationId xmlns:a16="http://schemas.microsoft.com/office/drawing/2014/main" xmlns="" id="{E844E3D2-E945-19C6-68D7-AA7AC54FF7A6}"/>
+                <a16:creationId xmlns="" xmlns:a16="http://schemas.microsoft.com/office/drawing/2014/main" id="{E844E3D2-E945-19C6-68D7-AA7AC54FF7A6}"/>
               </a:ext>
             </a:extLst>
           </p:cNvPr>
@@ -6080,7 +6080,7 @@
           <a:p>
             <a:fld id="{4ED1245C-EDA9-0F49-9277-480AED948C75}" type="datetimeFigureOut">
               <a:rPr lang="es-MX" smtClean="0"/>
-              <a:t>28/06/2023</a:t>
+              <a:t>07/09/2023</a:t>
             </a:fld>
             <a:endParaRPr lang="es-MX"/>
           </a:p>
@@ -6091,7 +6091,7 @@
           <p:cNvPr id="5" name="Marcador de pie de página 4">
             <a:extLst>
               <a:ext uri="{FF2B5EF4-FFF2-40B4-BE49-F238E27FC236}">
-                <a16:creationId xmlns:a16="http://schemas.microsoft.com/office/drawing/2014/main" xmlns="" id="{56FC48AC-4463-729E-ABA1-FB3D3EFA26E7}"/>
+                <a16:creationId xmlns="" xmlns:a16="http://schemas.microsoft.com/office/drawing/2014/main" id="{56FC48AC-4463-729E-ABA1-FB3D3EFA26E7}"/>
               </a:ext>
             </a:extLst>
           </p:cNvPr>
@@ -6116,7 +6116,7 @@
           <p:cNvPr id="6" name="Marcador de número de diapositiva 5">
             <a:extLst>
               <a:ext uri="{FF2B5EF4-FFF2-40B4-BE49-F238E27FC236}">
-                <a16:creationId xmlns:a16="http://schemas.microsoft.com/office/drawing/2014/main" xmlns="" id="{7FB46B77-03B3-EF69-5002-A7FF12752807}"/>
+                <a16:creationId xmlns="" xmlns:a16="http://schemas.microsoft.com/office/drawing/2014/main" id="{7FB46B77-03B3-EF69-5002-A7FF12752807}"/>
               </a:ext>
             </a:extLst>
           </p:cNvPr>
@@ -6175,7 +6175,7 @@
           <p:cNvPr id="8" name="Imagen 7">
             <a:extLst>
               <a:ext uri="{FF2B5EF4-FFF2-40B4-BE49-F238E27FC236}">
-                <a16:creationId xmlns:a16="http://schemas.microsoft.com/office/drawing/2014/main" xmlns="" id="{FDAF5A4A-1B68-98B0-A191-8BD2A6F09150}"/>
+                <a16:creationId xmlns="" xmlns:a16="http://schemas.microsoft.com/office/drawing/2014/main" id="{FDAF5A4A-1B68-98B0-A191-8BD2A6F09150}"/>
               </a:ext>
             </a:extLst>
           </p:cNvPr>
@@ -6216,7 +6216,7 @@
           <a:p>
             <a:fld id="{8B636DD7-9EC0-2343-87F4-811CC24B63A7}" type="datetimeFigureOut">
               <a:rPr lang="es-MX" smtClean="0"/>
-              <a:t>28/06/2023</a:t>
+              <a:t>07/09/2023</a:t>
             </a:fld>
             <a:endParaRPr lang="es-MX"/>
           </a:p>
@@ -6275,7 +6275,7 @@
     <a:masterClrMapping/>
   </p:clrMapOvr>
   <mc:AlternateContent xmlns:mc="http://schemas.openxmlformats.org/markup-compatibility/2006">
-    <mc:Choice xmlns:p159="http://schemas.microsoft.com/office/powerpoint/2015/09/main" xmlns="" Requires="p159">
+    <mc:Choice xmlns="" xmlns:p159="http://schemas.microsoft.com/office/powerpoint/2015/09/main" Requires="p159">
       <p:transition xmlns:p14="http://schemas.microsoft.com/office/powerpoint/2010/main" spd="slow" p14:dur="2000">
         <p159:morph option="byObject"/>
       </p:transition>
@@ -6311,7 +6311,7 @@
           <p:cNvPr id="7" name="Imagen 6">
             <a:extLst>
               <a:ext uri="{FF2B5EF4-FFF2-40B4-BE49-F238E27FC236}">
-                <a16:creationId xmlns:a16="http://schemas.microsoft.com/office/drawing/2014/main" xmlns="" id="{66AD6CAE-8F01-422E-B0BA-3045B167AEAF}"/>
+                <a16:creationId xmlns="" xmlns:a16="http://schemas.microsoft.com/office/drawing/2014/main" id="{66AD6CAE-8F01-422E-B0BA-3045B167AEAF}"/>
               </a:ext>
             </a:extLst>
           </p:cNvPr>
@@ -6446,7 +6446,7 @@
           <a:p>
             <a:fld id="{8B636DD7-9EC0-2343-87F4-811CC24B63A7}" type="datetimeFigureOut">
               <a:rPr lang="es-MX" smtClean="0"/>
-              <a:t>28/06/2023</a:t>
+              <a:t>07/09/2023</a:t>
             </a:fld>
             <a:endParaRPr lang="es-MX"/>
           </a:p>
@@ -6499,7 +6499,7 @@
           <p:cNvPr id="10" name="Imagen 9">
             <a:extLst>
               <a:ext uri="{FF2B5EF4-FFF2-40B4-BE49-F238E27FC236}">
-                <a16:creationId xmlns:a16="http://schemas.microsoft.com/office/drawing/2014/main" xmlns="" id="{11028E90-7017-3801-0152-2A4D9D428AAF}"/>
+                <a16:creationId xmlns="" xmlns:a16="http://schemas.microsoft.com/office/drawing/2014/main" id="{11028E90-7017-3801-0152-2A4D9D428AAF}"/>
               </a:ext>
             </a:extLst>
           </p:cNvPr>
@@ -6534,7 +6534,7 @@
     <a:masterClrMapping/>
   </p:clrMapOvr>
   <mc:AlternateContent xmlns:mc="http://schemas.openxmlformats.org/markup-compatibility/2006">
-    <mc:Choice xmlns:p159="http://schemas.microsoft.com/office/powerpoint/2015/09/main" xmlns="" Requires="p159">
+    <mc:Choice xmlns="" xmlns:p159="http://schemas.microsoft.com/office/powerpoint/2015/09/main" Requires="p159">
       <p:transition xmlns:p14="http://schemas.microsoft.com/office/powerpoint/2010/main" spd="slow" p14:dur="2000">
         <p159:morph option="byObject"/>
       </p:transition>
@@ -6582,7 +6582,7 @@
           <a:p>
             <a:fld id="{8B636DD7-9EC0-2343-87F4-811CC24B63A7}" type="datetimeFigureOut">
               <a:rPr lang="es-MX" smtClean="0"/>
-              <a:t>28/06/2023</a:t>
+              <a:t>07/09/2023</a:t>
             </a:fld>
             <a:endParaRPr lang="es-MX"/>
           </a:p>
@@ -6635,7 +6635,7 @@
           <p:cNvPr id="10" name="Imagen 9">
             <a:extLst>
               <a:ext uri="{FF2B5EF4-FFF2-40B4-BE49-F238E27FC236}">
-                <a16:creationId xmlns:a16="http://schemas.microsoft.com/office/drawing/2014/main" xmlns="" id="{B4AC21E6-3AB4-AA3E-EED5-BEA73B4160C8}"/>
+                <a16:creationId xmlns="" xmlns:a16="http://schemas.microsoft.com/office/drawing/2014/main" id="{B4AC21E6-3AB4-AA3E-EED5-BEA73B4160C8}"/>
               </a:ext>
             </a:extLst>
           </p:cNvPr>
@@ -6664,7 +6664,7 @@
           <p:cNvPr id="5" name="Título 1">
             <a:extLst>
               <a:ext uri="{FF2B5EF4-FFF2-40B4-BE49-F238E27FC236}">
-                <a16:creationId xmlns:a16="http://schemas.microsoft.com/office/drawing/2014/main" xmlns="" id="{74D66EB4-E928-04A5-17AC-B4C4FAF01B68}"/>
+                <a16:creationId xmlns="" xmlns:a16="http://schemas.microsoft.com/office/drawing/2014/main" id="{74D66EB4-E928-04A5-17AC-B4C4FAF01B68}"/>
               </a:ext>
             </a:extLst>
           </p:cNvPr>
@@ -6707,7 +6707,7 @@
     <a:masterClrMapping/>
   </p:clrMapOvr>
   <mc:AlternateContent xmlns:mc="http://schemas.openxmlformats.org/markup-compatibility/2006">
-    <mc:Choice xmlns:p159="http://schemas.microsoft.com/office/powerpoint/2015/09/main" xmlns="" Requires="p159">
+    <mc:Choice xmlns="" xmlns:p159="http://schemas.microsoft.com/office/powerpoint/2015/09/main" Requires="p159">
       <p:transition xmlns:p14="http://schemas.microsoft.com/office/powerpoint/2010/main" spd="slow" p14:dur="2000">
         <p159:morph option="byObject"/>
       </p:transition>
@@ -6755,7 +6755,7 @@
           <a:p>
             <a:fld id="{8B636DD7-9EC0-2343-87F4-811CC24B63A7}" type="datetimeFigureOut">
               <a:rPr lang="es-MX" smtClean="0"/>
-              <a:t>28/06/2023</a:t>
+              <a:t>07/09/2023</a:t>
             </a:fld>
             <a:endParaRPr lang="es-MX"/>
           </a:p>
@@ -6808,7 +6808,7 @@
           <p:cNvPr id="5" name="Imagen 4">
             <a:extLst>
               <a:ext uri="{FF2B5EF4-FFF2-40B4-BE49-F238E27FC236}">
-                <a16:creationId xmlns:a16="http://schemas.microsoft.com/office/drawing/2014/main" xmlns="" id="{CFD1EF8D-21B9-3C6D-CAEB-887F2C4B10FA}"/>
+                <a16:creationId xmlns="" xmlns:a16="http://schemas.microsoft.com/office/drawing/2014/main" id="{CFD1EF8D-21B9-3C6D-CAEB-887F2C4B10FA}"/>
               </a:ext>
             </a:extLst>
           </p:cNvPr>
@@ -6837,7 +6837,7 @@
           <p:cNvPr id="6" name="Título 1">
             <a:extLst>
               <a:ext uri="{FF2B5EF4-FFF2-40B4-BE49-F238E27FC236}">
-                <a16:creationId xmlns:a16="http://schemas.microsoft.com/office/drawing/2014/main" xmlns="" id="{BDA5DC36-6B14-E774-2FD3-FD49BCF6F742}"/>
+                <a16:creationId xmlns="" xmlns:a16="http://schemas.microsoft.com/office/drawing/2014/main" id="{BDA5DC36-6B14-E774-2FD3-FD49BCF6F742}"/>
               </a:ext>
             </a:extLst>
           </p:cNvPr>
@@ -6884,7 +6884,7 @@
     <a:masterClrMapping/>
   </p:clrMapOvr>
   <mc:AlternateContent xmlns:mc="http://schemas.openxmlformats.org/markup-compatibility/2006">
-    <mc:Choice xmlns:p159="http://schemas.microsoft.com/office/powerpoint/2015/09/main" xmlns="" Requires="p159">
+    <mc:Choice xmlns="" xmlns:p159="http://schemas.microsoft.com/office/powerpoint/2015/09/main" Requires="p159">
       <p:transition xmlns:p14="http://schemas.microsoft.com/office/powerpoint/2010/main" spd="slow" p14:dur="2000">
         <p159:morph option="byObject"/>
       </p:transition>
@@ -6920,7 +6920,7 @@
           <p:cNvPr id="7" name="Imagen 6">
             <a:extLst>
               <a:ext uri="{FF2B5EF4-FFF2-40B4-BE49-F238E27FC236}">
-                <a16:creationId xmlns:a16="http://schemas.microsoft.com/office/drawing/2014/main" xmlns="" id="{7E36882C-E608-66B8-8A42-26DD6B67138C}"/>
+                <a16:creationId xmlns="" xmlns:a16="http://schemas.microsoft.com/office/drawing/2014/main" id="{7E36882C-E608-66B8-8A42-26DD6B67138C}"/>
               </a:ext>
             </a:extLst>
           </p:cNvPr>
@@ -6950,7 +6950,7 @@
           <p:cNvPr id="2" name="Título 1">
             <a:extLst>
               <a:ext uri="{FF2B5EF4-FFF2-40B4-BE49-F238E27FC236}">
-                <a16:creationId xmlns:a16="http://schemas.microsoft.com/office/drawing/2014/main" xmlns="" id="{A319E2F3-3E92-F0B7-289B-ECE5123D9814}"/>
+                <a16:creationId xmlns="" xmlns:a16="http://schemas.microsoft.com/office/drawing/2014/main" id="{A319E2F3-3E92-F0B7-289B-ECE5123D9814}"/>
               </a:ext>
             </a:extLst>
           </p:cNvPr>
@@ -6986,7 +6986,7 @@
           <p:cNvPr id="3" name="Marcador de contenido 2">
             <a:extLst>
               <a:ext uri="{FF2B5EF4-FFF2-40B4-BE49-F238E27FC236}">
-                <a16:creationId xmlns:a16="http://schemas.microsoft.com/office/drawing/2014/main" xmlns="" id="{917E9B9D-3312-7614-E939-8BBA89447845}"/>
+                <a16:creationId xmlns="" xmlns:a16="http://schemas.microsoft.com/office/drawing/2014/main" id="{917E9B9D-3312-7614-E939-8BBA89447845}"/>
               </a:ext>
             </a:extLst>
           </p:cNvPr>
@@ -7043,7 +7043,7 @@
           <p:cNvPr id="4" name="Marcador de fecha 3">
             <a:extLst>
               <a:ext uri="{FF2B5EF4-FFF2-40B4-BE49-F238E27FC236}">
-                <a16:creationId xmlns:a16="http://schemas.microsoft.com/office/drawing/2014/main" xmlns="" id="{9561BD46-81DF-C525-880C-B60F549977C9}"/>
+                <a16:creationId xmlns="" xmlns:a16="http://schemas.microsoft.com/office/drawing/2014/main" id="{9561BD46-81DF-C525-880C-B60F549977C9}"/>
               </a:ext>
             </a:extLst>
           </p:cNvPr>
@@ -7061,7 +7061,7 @@
           <a:p>
             <a:fld id="{4ED1245C-EDA9-0F49-9277-480AED948C75}" type="datetimeFigureOut">
               <a:rPr lang="es-MX" smtClean="0"/>
-              <a:t>28/06/2023</a:t>
+              <a:t>07/09/2023</a:t>
             </a:fld>
             <a:endParaRPr lang="es-MX"/>
           </a:p>
@@ -7072,7 +7072,7 @@
           <p:cNvPr id="5" name="Marcador de pie de página 4">
             <a:extLst>
               <a:ext uri="{FF2B5EF4-FFF2-40B4-BE49-F238E27FC236}">
-                <a16:creationId xmlns:a16="http://schemas.microsoft.com/office/drawing/2014/main" xmlns="" id="{B48141E5-38F4-5870-C465-013B716EE584}"/>
+                <a16:creationId xmlns="" xmlns:a16="http://schemas.microsoft.com/office/drawing/2014/main" id="{B48141E5-38F4-5870-C465-013B716EE584}"/>
               </a:ext>
             </a:extLst>
           </p:cNvPr>
@@ -7097,7 +7097,7 @@
           <p:cNvPr id="6" name="Marcador de número de diapositiva 5">
             <a:extLst>
               <a:ext uri="{FF2B5EF4-FFF2-40B4-BE49-F238E27FC236}">
-                <a16:creationId xmlns:a16="http://schemas.microsoft.com/office/drawing/2014/main" xmlns="" id="{6D3EFEE5-200A-753E-B6FD-9311CB9BAAFF}"/>
+                <a16:creationId xmlns="" xmlns:a16="http://schemas.microsoft.com/office/drawing/2014/main" id="{6D3EFEE5-200A-753E-B6FD-9311CB9BAAFF}"/>
               </a:ext>
             </a:extLst>
           </p:cNvPr>
@@ -7156,7 +7156,7 @@
           <p:cNvPr id="6" name="Imagen 5">
             <a:extLst>
               <a:ext uri="{FF2B5EF4-FFF2-40B4-BE49-F238E27FC236}">
-                <a16:creationId xmlns:a16="http://schemas.microsoft.com/office/drawing/2014/main" xmlns="" id="{85B76E4B-994E-FE80-0264-CD7AEB4265E3}"/>
+                <a16:creationId xmlns="" xmlns:a16="http://schemas.microsoft.com/office/drawing/2014/main" id="{85B76E4B-994E-FE80-0264-CD7AEB4265E3}"/>
               </a:ext>
             </a:extLst>
           </p:cNvPr>
@@ -7186,7 +7186,7 @@
           <p:cNvPr id="2" name="Título 1">
             <a:extLst>
               <a:ext uri="{FF2B5EF4-FFF2-40B4-BE49-F238E27FC236}">
-                <a16:creationId xmlns:a16="http://schemas.microsoft.com/office/drawing/2014/main" xmlns="" id="{F58AE75E-BF38-0C63-F39F-95D19FDCC331}"/>
+                <a16:creationId xmlns="" xmlns:a16="http://schemas.microsoft.com/office/drawing/2014/main" id="{F58AE75E-BF38-0C63-F39F-95D19FDCC331}"/>
               </a:ext>
             </a:extLst>
           </p:cNvPr>
@@ -7218,7 +7218,7 @@
           <p:cNvPr id="3" name="Marcador de fecha 2">
             <a:extLst>
               <a:ext uri="{FF2B5EF4-FFF2-40B4-BE49-F238E27FC236}">
-                <a16:creationId xmlns:a16="http://schemas.microsoft.com/office/drawing/2014/main" xmlns="" id="{C0849DC6-910E-1212-87E9-5D91EDF04321}"/>
+                <a16:creationId xmlns="" xmlns:a16="http://schemas.microsoft.com/office/drawing/2014/main" id="{C0849DC6-910E-1212-87E9-5D91EDF04321}"/>
               </a:ext>
             </a:extLst>
           </p:cNvPr>
@@ -7236,7 +7236,7 @@
           <a:p>
             <a:fld id="{4ED1245C-EDA9-0F49-9277-480AED948C75}" type="datetimeFigureOut">
               <a:rPr lang="es-MX" smtClean="0"/>
-              <a:t>28/06/2023</a:t>
+              <a:t>07/09/2023</a:t>
             </a:fld>
             <a:endParaRPr lang="es-MX"/>
           </a:p>
@@ -7247,7 +7247,7 @@
           <p:cNvPr id="4" name="Marcador de pie de página 3">
             <a:extLst>
               <a:ext uri="{FF2B5EF4-FFF2-40B4-BE49-F238E27FC236}">
-                <a16:creationId xmlns:a16="http://schemas.microsoft.com/office/drawing/2014/main" xmlns="" id="{6AC465A2-B629-9EFC-663F-3F807AD61A95}"/>
+                <a16:creationId xmlns="" xmlns:a16="http://schemas.microsoft.com/office/drawing/2014/main" id="{6AC465A2-B629-9EFC-663F-3F807AD61A95}"/>
               </a:ext>
             </a:extLst>
           </p:cNvPr>
@@ -7272,7 +7272,7 @@
           <p:cNvPr id="5" name="Marcador de número de diapositiva 4">
             <a:extLst>
               <a:ext uri="{FF2B5EF4-FFF2-40B4-BE49-F238E27FC236}">
-                <a16:creationId xmlns:a16="http://schemas.microsoft.com/office/drawing/2014/main" xmlns="" id="{7149893F-AB4A-EA91-D670-6E8677716A99}"/>
+                <a16:creationId xmlns="" xmlns:a16="http://schemas.microsoft.com/office/drawing/2014/main" id="{7149893F-AB4A-EA91-D670-6E8677716A99}"/>
               </a:ext>
             </a:extLst>
           </p:cNvPr>
@@ -7331,7 +7331,7 @@
           <p:cNvPr id="2" name="Marcador de fecha 1">
             <a:extLst>
               <a:ext uri="{FF2B5EF4-FFF2-40B4-BE49-F238E27FC236}">
-                <a16:creationId xmlns:a16="http://schemas.microsoft.com/office/drawing/2014/main" xmlns="" id="{3D8DCD30-7661-12EB-6BF3-7D6889A8D7E7}"/>
+                <a16:creationId xmlns="" xmlns:a16="http://schemas.microsoft.com/office/drawing/2014/main" id="{3D8DCD30-7661-12EB-6BF3-7D6889A8D7E7}"/>
               </a:ext>
             </a:extLst>
           </p:cNvPr>
@@ -7349,7 +7349,7 @@
           <a:p>
             <a:fld id="{4ED1245C-EDA9-0F49-9277-480AED948C75}" type="datetimeFigureOut">
               <a:rPr lang="es-MX" smtClean="0"/>
-              <a:t>28/06/2023</a:t>
+              <a:t>07/09/2023</a:t>
             </a:fld>
             <a:endParaRPr lang="es-MX"/>
           </a:p>
@@ -7360,7 +7360,7 @@
           <p:cNvPr id="3" name="Marcador de pie de página 2">
             <a:extLst>
               <a:ext uri="{FF2B5EF4-FFF2-40B4-BE49-F238E27FC236}">
-                <a16:creationId xmlns:a16="http://schemas.microsoft.com/office/drawing/2014/main" xmlns="" id="{BCE383F0-BCD5-365A-30DE-4A37BDDD44D8}"/>
+                <a16:creationId xmlns="" xmlns:a16="http://schemas.microsoft.com/office/drawing/2014/main" id="{BCE383F0-BCD5-365A-30DE-4A37BDDD44D8}"/>
               </a:ext>
             </a:extLst>
           </p:cNvPr>
@@ -7385,7 +7385,7 @@
           <p:cNvPr id="4" name="Marcador de número de diapositiva 3">
             <a:extLst>
               <a:ext uri="{FF2B5EF4-FFF2-40B4-BE49-F238E27FC236}">
-                <a16:creationId xmlns:a16="http://schemas.microsoft.com/office/drawing/2014/main" xmlns="" id="{3062DF9B-A73E-907D-5239-FDDD3489CEF2}"/>
+                <a16:creationId xmlns="" xmlns:a16="http://schemas.microsoft.com/office/drawing/2014/main" id="{3062DF9B-A73E-907D-5239-FDDD3489CEF2}"/>
               </a:ext>
             </a:extLst>
           </p:cNvPr>
@@ -7449,7 +7449,7 @@
           <p:cNvPr id="2" name="Marcador de título 1">
             <a:extLst>
               <a:ext uri="{FF2B5EF4-FFF2-40B4-BE49-F238E27FC236}">
-                <a16:creationId xmlns:a16="http://schemas.microsoft.com/office/drawing/2014/main" xmlns="" id="{33F02CBE-7D56-9524-5799-3D4C40AEE1EF}"/>
+                <a16:creationId xmlns="" xmlns:a16="http://schemas.microsoft.com/office/drawing/2014/main" id="{33F02CBE-7D56-9524-5799-3D4C40AEE1EF}"/>
               </a:ext>
             </a:extLst>
           </p:cNvPr>
@@ -7487,7 +7487,7 @@
           <p:cNvPr id="3" name="Marcador de texto 2">
             <a:extLst>
               <a:ext uri="{FF2B5EF4-FFF2-40B4-BE49-F238E27FC236}">
-                <a16:creationId xmlns:a16="http://schemas.microsoft.com/office/drawing/2014/main" xmlns="" id="{A9053B17-0988-26D7-1416-D61D74DBE858}"/>
+                <a16:creationId xmlns="" xmlns:a16="http://schemas.microsoft.com/office/drawing/2014/main" id="{A9053B17-0988-26D7-1416-D61D74DBE858}"/>
               </a:ext>
             </a:extLst>
           </p:cNvPr>
@@ -7554,7 +7554,7 @@
           <p:cNvPr id="4" name="Marcador de fecha 3">
             <a:extLst>
               <a:ext uri="{FF2B5EF4-FFF2-40B4-BE49-F238E27FC236}">
-                <a16:creationId xmlns:a16="http://schemas.microsoft.com/office/drawing/2014/main" xmlns="" id="{3CFF87E4-E3EB-6979-BA49-637760E7BBC3}"/>
+                <a16:creationId xmlns="" xmlns:a16="http://schemas.microsoft.com/office/drawing/2014/main" id="{3CFF87E4-E3EB-6979-BA49-637760E7BBC3}"/>
               </a:ext>
             </a:extLst>
           </p:cNvPr>
@@ -7594,7 +7594,7 @@
             <a:fld id="{4ED1245C-EDA9-0F49-9277-480AED948C75}" type="datetimeFigureOut">
               <a:rPr lang="es-MX" smtClean="0"/>
               <a:pPr/>
-              <a:t>28/06/2023</a:t>
+              <a:t>07/09/2023</a:t>
             </a:fld>
             <a:endParaRPr lang="es-MX"/>
           </a:p>
@@ -7605,7 +7605,7 @@
           <p:cNvPr id="5" name="Marcador de pie de página 4">
             <a:extLst>
               <a:ext uri="{FF2B5EF4-FFF2-40B4-BE49-F238E27FC236}">
-                <a16:creationId xmlns:a16="http://schemas.microsoft.com/office/drawing/2014/main" xmlns="" id="{6143CCC9-3353-516C-3DED-6C05973EB5B8}"/>
+                <a16:creationId xmlns="" xmlns:a16="http://schemas.microsoft.com/office/drawing/2014/main" id="{6143CCC9-3353-516C-3DED-6C05973EB5B8}"/>
               </a:ext>
             </a:extLst>
           </p:cNvPr>
@@ -7651,7 +7651,7 @@
           <p:cNvPr id="6" name="Marcador de número de diapositiva 5">
             <a:extLst>
               <a:ext uri="{FF2B5EF4-FFF2-40B4-BE49-F238E27FC236}">
-                <a16:creationId xmlns:a16="http://schemas.microsoft.com/office/drawing/2014/main" xmlns="" id="{751E5BC1-66C6-23A3-45FC-6B13BC2B4A2D}"/>
+                <a16:creationId xmlns="" xmlns:a16="http://schemas.microsoft.com/office/drawing/2014/main" id="{751E5BC1-66C6-23A3-45FC-6B13BC2B4A2D}"/>
               </a:ext>
             </a:extLst>
           </p:cNvPr>
@@ -8021,7 +8021,7 @@
           <p:cNvPr id="3" name="Imagen 2">
             <a:extLst>
               <a:ext uri="{FF2B5EF4-FFF2-40B4-BE49-F238E27FC236}">
-                <a16:creationId xmlns:a16="http://schemas.microsoft.com/office/drawing/2014/main" xmlns="" id="{B7DCC1AE-CBB9-4F76-A8E3-CF73CD4FFFAE}"/>
+                <a16:creationId xmlns="" xmlns:a16="http://schemas.microsoft.com/office/drawing/2014/main" id="{B7DCC1AE-CBB9-4F76-A8E3-CF73CD4FFFAE}"/>
               </a:ext>
             </a:extLst>
           </p:cNvPr>
@@ -8050,7 +8050,7 @@
           <p:cNvPr id="15" name="Rectángulo 14">
             <a:extLst>
               <a:ext uri="{FF2B5EF4-FFF2-40B4-BE49-F238E27FC236}">
-                <a16:creationId xmlns:a16="http://schemas.microsoft.com/office/drawing/2014/main" xmlns="" id="{B0381972-7714-18E2-8087-DC6EBF8C2989}"/>
+                <a16:creationId xmlns="" xmlns:a16="http://schemas.microsoft.com/office/drawing/2014/main" id="{B0381972-7714-18E2-8087-DC6EBF8C2989}"/>
               </a:ext>
             </a:extLst>
           </p:cNvPr>
@@ -8169,7 +8169,7 @@
           <p:cNvPr id="2" name="Marcador de número de diapositiva 1">
             <a:extLst>
               <a:ext uri="{FF2B5EF4-FFF2-40B4-BE49-F238E27FC236}">
-                <a16:creationId xmlns="" xmlns:a16="http://schemas.microsoft.com/office/drawing/2014/main" id="{B59F924D-5E9F-135F-AD9F-3317A129E302}"/>
+                <a16:creationId xmlns:a16="http://schemas.microsoft.com/office/drawing/2014/main" xmlns="" id="{B59F924D-5E9F-135F-AD9F-3317A129E302}"/>
               </a:ext>
             </a:extLst>
           </p:cNvPr>
@@ -8203,7 +8203,7 @@
           <p:cNvPr id="3" name="Imagen 2">
             <a:extLst>
               <a:ext uri="{FF2B5EF4-FFF2-40B4-BE49-F238E27FC236}">
-                <a16:creationId xmlns="" xmlns:a16="http://schemas.microsoft.com/office/drawing/2014/main" id="{3E46917C-C4C0-3976-1C0F-38456FEDD5DC}"/>
+                <a16:creationId xmlns:a16="http://schemas.microsoft.com/office/drawing/2014/main" xmlns="" id="{3E46917C-C4C0-3976-1C0F-38456FEDD5DC}"/>
               </a:ext>
             </a:extLst>
           </p:cNvPr>
@@ -8233,7 +8233,7 @@
           <p:cNvPr id="4" name="Título 1">
             <a:extLst>
               <a:ext uri="{FF2B5EF4-FFF2-40B4-BE49-F238E27FC236}">
-                <a16:creationId xmlns="" xmlns:a16="http://schemas.microsoft.com/office/drawing/2014/main" id="{3A85FA2B-91CE-EC75-C3AE-F7F8C70EBBA3}"/>
+                <a16:creationId xmlns:a16="http://schemas.microsoft.com/office/drawing/2014/main" xmlns="" id="{3A85FA2B-91CE-EC75-C3AE-F7F8C70EBBA3}"/>
               </a:ext>
             </a:extLst>
           </p:cNvPr>
@@ -8303,7 +8303,7 @@
           <p:cNvPr id="5" name="Título 1">
             <a:extLst>
               <a:ext uri="{FF2B5EF4-FFF2-40B4-BE49-F238E27FC236}">
-                <a16:creationId xmlns="" xmlns:a16="http://schemas.microsoft.com/office/drawing/2014/main" id="{570386F6-29EB-76AF-10EB-AC169D26CC9E}"/>
+                <a16:creationId xmlns:a16="http://schemas.microsoft.com/office/drawing/2014/main" xmlns="" id="{570386F6-29EB-76AF-10EB-AC169D26CC9E}"/>
               </a:ext>
             </a:extLst>
           </p:cNvPr>
@@ -8372,7 +8372,7 @@
           <p:cNvPr id="7" name="Elipse 6">
             <a:extLst>
               <a:ext uri="{FF2B5EF4-FFF2-40B4-BE49-F238E27FC236}">
-                <a16:creationId xmlns="" xmlns:a16="http://schemas.microsoft.com/office/drawing/2014/main" id="{3353EE34-6C7E-AE7E-7B20-C7E440F210E7}"/>
+                <a16:creationId xmlns:a16="http://schemas.microsoft.com/office/drawing/2014/main" xmlns="" id="{3353EE34-6C7E-AE7E-7B20-C7E440F210E7}"/>
               </a:ext>
             </a:extLst>
           </p:cNvPr>
@@ -11820,7 +11820,7 @@
             <a:effectLst/>
             <a:extLst>
               <a:ext uri="{C572A759-6A51-4108-AA02-DFA0A04FC94B}">
-                <ma14:wrappingTextBoxFlag xmlns="" xmlns:m="http://schemas.openxmlformats.org/officeDocument/2006/math" xmlns:a14="http://schemas.microsoft.com/office/drawing/2010/main" xmlns:ma14="http://schemas.microsoft.com/office/mac/drawingml/2011/main" val="1"/>
+                <ma14:wrappingTextBoxFlag xmlns:ma14="http://schemas.microsoft.com/office/mac/drawingml/2011/main" xmlns:a14="http://schemas.microsoft.com/office/drawing/2010/main" xmlns:m="http://schemas.openxmlformats.org/officeDocument/2006/math" xmlns="" val="1"/>
               </a:ext>
             </a:extLst>
           </p:spPr>
@@ -11863,407 +11863,24 @@
   <p:clrMapOvr>
     <a:masterClrMapping/>
   </p:clrMapOvr>
+  <mc:AlternateContent xmlns:mc="http://schemas.openxmlformats.org/markup-compatibility/2006">
+    <mc:Choice xmlns:p14="http://schemas.microsoft.com/office/powerpoint/2010/main" Requires="p14">
+      <p:transition spd="med" p14:dur="700">
+        <p:fade/>
+      </p:transition>
+    </mc:Choice>
+    <mc:Fallback>
+      <p:transition spd="med">
+        <p:fade/>
+      </p:transition>
+    </mc:Fallback>
+  </mc:AlternateContent>
   <p:timing>
     <p:tnLst>
       <p:par>
-        <p:cTn id="1" dur="indefinite" restart="never" nodeType="tmRoot">
-          <p:childTnLst>
-            <p:seq concurrent="1" nextAc="seek">
-              <p:cTn id="2" dur="indefinite" nodeType="mainSeq">
-                <p:childTnLst>
-                  <p:par>
-                    <p:cTn id="3" fill="hold">
-                      <p:stCondLst>
-                        <p:cond delay="indefinite"/>
-                      </p:stCondLst>
-                      <p:childTnLst>
-                        <p:par>
-                          <p:cTn id="4" fill="hold">
-                            <p:stCondLst>
-                              <p:cond delay="0"/>
-                            </p:stCondLst>
-                            <p:childTnLst>
-                              <p:par>
-                                <p:cTn id="5" presetID="9" presetClass="entr" fill="hold" grpId="0" nodeType="clickEffect">
-                                  <p:stCondLst>
-                                    <p:cond delay="0"/>
-                                  </p:stCondLst>
-                                  <p:iterate>
-                                    <p:tmAbs val="0"/>
-                                  </p:iterate>
-                                  <p:childTnLst>
-                                    <p:set>
-                                      <p:cBhvr>
-                                        <p:cTn id="6" fill="hold"/>
-                                        <p:tgtEl>
-                                          <p:spTgt spid="235"/>
-                                        </p:tgtEl>
-                                        <p:attrNameLst>
-                                          <p:attrName>style.visibility</p:attrName>
-                                        </p:attrNameLst>
-                                      </p:cBhvr>
-                                      <p:to>
-                                        <p:strVal val="visible"/>
-                                      </p:to>
-                                    </p:set>
-                                    <p:animEffect transition="in" filter="dissolve">
-                                      <p:cBhvr>
-                                        <p:cTn id="7" dur="1000"/>
-                                        <p:tgtEl>
-                                          <p:spTgt spid="235"/>
-                                        </p:tgtEl>
-                                      </p:cBhvr>
-                                    </p:animEffect>
-                                  </p:childTnLst>
-                                </p:cTn>
-                              </p:par>
-                            </p:childTnLst>
-                          </p:cTn>
-                        </p:par>
-                        <p:par>
-                          <p:cTn id="8" fill="hold">
-                            <p:stCondLst>
-                              <p:cond delay="1000"/>
-                            </p:stCondLst>
-                            <p:childTnLst>
-                              <p:par>
-                                <p:cTn id="9" presetID="9" presetClass="entr" fill="hold" grpId="0" nodeType="afterEffect">
-                                  <p:stCondLst>
-                                    <p:cond delay="300"/>
-                                  </p:stCondLst>
-                                  <p:iterate>
-                                    <p:tmAbs val="0"/>
-                                  </p:iterate>
-                                  <p:childTnLst>
-                                    <p:set>
-                                      <p:cBhvr>
-                                        <p:cTn id="10" fill="hold"/>
-                                        <p:tgtEl>
-                                          <p:spTgt spid="241"/>
-                                        </p:tgtEl>
-                                        <p:attrNameLst>
-                                          <p:attrName>style.visibility</p:attrName>
-                                        </p:attrNameLst>
-                                      </p:cBhvr>
-                                      <p:to>
-                                        <p:strVal val="visible"/>
-                                      </p:to>
-                                    </p:set>
-                                    <p:animEffect transition="in" filter="dissolve">
-                                      <p:cBhvr>
-                                        <p:cTn id="11" dur="1000"/>
-                                        <p:tgtEl>
-                                          <p:spTgt spid="241"/>
-                                        </p:tgtEl>
-                                      </p:cBhvr>
-                                    </p:animEffect>
-                                  </p:childTnLst>
-                                </p:cTn>
-                              </p:par>
-                            </p:childTnLst>
-                          </p:cTn>
-                        </p:par>
-                        <p:par>
-                          <p:cTn id="12" fill="hold">
-                            <p:stCondLst>
-                              <p:cond delay="2300"/>
-                            </p:stCondLst>
-                            <p:childTnLst>
-                              <p:par>
-                                <p:cTn id="13" presetID="9" presetClass="entr" fill="hold" grpId="0" nodeType="afterEffect">
-                                  <p:stCondLst>
-                                    <p:cond delay="600"/>
-                                  </p:stCondLst>
-                                  <p:iterate>
-                                    <p:tmAbs val="0"/>
-                                  </p:iterate>
-                                  <p:childTnLst>
-                                    <p:set>
-                                      <p:cBhvr>
-                                        <p:cTn id="14" fill="hold"/>
-                                        <p:tgtEl>
-                                          <p:spTgt spid="236"/>
-                                        </p:tgtEl>
-                                        <p:attrNameLst>
-                                          <p:attrName>style.visibility</p:attrName>
-                                        </p:attrNameLst>
-                                      </p:cBhvr>
-                                      <p:to>
-                                        <p:strVal val="visible"/>
-                                      </p:to>
-                                    </p:set>
-                                    <p:animEffect transition="in" filter="dissolve">
-                                      <p:cBhvr>
-                                        <p:cTn id="15" dur="1000"/>
-                                        <p:tgtEl>
-                                          <p:spTgt spid="236"/>
-                                        </p:tgtEl>
-                                      </p:cBhvr>
-                                    </p:animEffect>
-                                  </p:childTnLst>
-                                </p:cTn>
-                              </p:par>
-                            </p:childTnLst>
-                          </p:cTn>
-                        </p:par>
-                        <p:par>
-                          <p:cTn id="16" fill="hold">
-                            <p:stCondLst>
-                              <p:cond delay="3900"/>
-                            </p:stCondLst>
-                            <p:childTnLst>
-                              <p:par>
-                                <p:cTn id="17" presetID="9" presetClass="entr" fill="hold" grpId="0" nodeType="afterEffect">
-                                  <p:stCondLst>
-                                    <p:cond delay="900"/>
-                                  </p:stCondLst>
-                                  <p:iterate>
-                                    <p:tmAbs val="0"/>
-                                  </p:iterate>
-                                  <p:childTnLst>
-                                    <p:set>
-                                      <p:cBhvr>
-                                        <p:cTn id="18" fill="hold"/>
-                                        <p:tgtEl>
-                                          <p:spTgt spid="237"/>
-                                        </p:tgtEl>
-                                        <p:attrNameLst>
-                                          <p:attrName>style.visibility</p:attrName>
-                                        </p:attrNameLst>
-                                      </p:cBhvr>
-                                      <p:to>
-                                        <p:strVal val="visible"/>
-                                      </p:to>
-                                    </p:set>
-                                    <p:animEffect transition="in" filter="dissolve">
-                                      <p:cBhvr>
-                                        <p:cTn id="19" dur="1000"/>
-                                        <p:tgtEl>
-                                          <p:spTgt spid="237"/>
-                                        </p:tgtEl>
-                                      </p:cBhvr>
-                                    </p:animEffect>
-                                  </p:childTnLst>
-                                </p:cTn>
-                              </p:par>
-                            </p:childTnLst>
-                          </p:cTn>
-                        </p:par>
-                        <p:par>
-                          <p:cTn id="20" fill="hold">
-                            <p:stCondLst>
-                              <p:cond delay="5800"/>
-                            </p:stCondLst>
-                            <p:childTnLst>
-                              <p:par>
-                                <p:cTn id="21" presetID="9" presetClass="entr" fill="hold" grpId="0" nodeType="afterEffect">
-                                  <p:stCondLst>
-                                    <p:cond delay="1200"/>
-                                  </p:stCondLst>
-                                  <p:iterate>
-                                    <p:tmAbs val="0"/>
-                                  </p:iterate>
-                                  <p:childTnLst>
-                                    <p:set>
-                                      <p:cBhvr>
-                                        <p:cTn id="22" fill="hold"/>
-                                        <p:tgtEl>
-                                          <p:spTgt spid="239"/>
-                                        </p:tgtEl>
-                                        <p:attrNameLst>
-                                          <p:attrName>style.visibility</p:attrName>
-                                        </p:attrNameLst>
-                                      </p:cBhvr>
-                                      <p:to>
-                                        <p:strVal val="visible"/>
-                                      </p:to>
-                                    </p:set>
-                                    <p:animEffect transition="in" filter="dissolve">
-                                      <p:cBhvr>
-                                        <p:cTn id="23" dur="1000"/>
-                                        <p:tgtEl>
-                                          <p:spTgt spid="239"/>
-                                        </p:tgtEl>
-                                      </p:cBhvr>
-                                    </p:animEffect>
-                                  </p:childTnLst>
-                                </p:cTn>
-                              </p:par>
-                            </p:childTnLst>
-                          </p:cTn>
-                        </p:par>
-                        <p:par>
-                          <p:cTn id="24" fill="hold">
-                            <p:stCondLst>
-                              <p:cond delay="8000"/>
-                            </p:stCondLst>
-                            <p:childTnLst>
-                              <p:par>
-                                <p:cTn id="25" presetID="9" presetClass="entr" fill="hold" grpId="0" nodeType="afterEffect">
-                                  <p:stCondLst>
-                                    <p:cond delay="1500"/>
-                                  </p:stCondLst>
-                                  <p:iterate>
-                                    <p:tmAbs val="0"/>
-                                  </p:iterate>
-                                  <p:childTnLst>
-                                    <p:set>
-                                      <p:cBhvr>
-                                        <p:cTn id="26" fill="hold"/>
-                                        <p:tgtEl>
-                                          <p:spTgt spid="240"/>
-                                        </p:tgtEl>
-                                        <p:attrNameLst>
-                                          <p:attrName>style.visibility</p:attrName>
-                                        </p:attrNameLst>
-                                      </p:cBhvr>
-                                      <p:to>
-                                        <p:strVal val="visible"/>
-                                      </p:to>
-                                    </p:set>
-                                    <p:animEffect transition="in" filter="dissolve">
-                                      <p:cBhvr>
-                                        <p:cTn id="27" dur="1000"/>
-                                        <p:tgtEl>
-                                          <p:spTgt spid="240"/>
-                                        </p:tgtEl>
-                                      </p:cBhvr>
-                                    </p:animEffect>
-                                  </p:childTnLst>
-                                </p:cTn>
-                              </p:par>
-                            </p:childTnLst>
-                          </p:cTn>
-                        </p:par>
-                        <p:par>
-                          <p:cTn id="28" fill="hold">
-                            <p:stCondLst>
-                              <p:cond delay="10500"/>
-                            </p:stCondLst>
-                            <p:childTnLst>
-                              <p:par>
-                                <p:cTn id="29" presetID="9" presetClass="entr" fill="hold" grpId="0" nodeType="afterEffect">
-                                  <p:stCondLst>
-                                    <p:cond delay="1800"/>
-                                  </p:stCondLst>
-                                  <p:iterate>
-                                    <p:tmAbs val="0"/>
-                                  </p:iterate>
-                                  <p:childTnLst>
-                                    <p:set>
-                                      <p:cBhvr>
-                                        <p:cTn id="30" fill="hold"/>
-                                        <p:tgtEl>
-                                          <p:spTgt spid="238"/>
-                                        </p:tgtEl>
-                                        <p:attrNameLst>
-                                          <p:attrName>style.visibility</p:attrName>
-                                        </p:attrNameLst>
-                                      </p:cBhvr>
-                                      <p:to>
-                                        <p:strVal val="visible"/>
-                                      </p:to>
-                                    </p:set>
-                                    <p:animEffect transition="in" filter="dissolve">
-                                      <p:cBhvr>
-                                        <p:cTn id="31" dur="1000"/>
-                                        <p:tgtEl>
-                                          <p:spTgt spid="238"/>
-                                        </p:tgtEl>
-                                      </p:cBhvr>
-                                    </p:animEffect>
-                                  </p:childTnLst>
-                                </p:cTn>
-                              </p:par>
-                            </p:childTnLst>
-                          </p:cTn>
-                        </p:par>
-                      </p:childTnLst>
-                    </p:cTn>
-                  </p:par>
-                  <p:par>
-                    <p:cTn id="32" fill="hold">
-                      <p:stCondLst>
-                        <p:cond delay="indefinite"/>
-                      </p:stCondLst>
-                      <p:childTnLst>
-                        <p:par>
-                          <p:cTn id="33" fill="hold">
-                            <p:stCondLst>
-                              <p:cond delay="0"/>
-                            </p:stCondLst>
-                            <p:childTnLst>
-                              <p:par>
-                                <p:cTn id="34" presetID="9" presetClass="entr" fill="hold" grpId="0" nodeType="clickEffect">
-                                  <p:stCondLst>
-                                    <p:cond delay="0"/>
-                                  </p:stCondLst>
-                                  <p:iterate>
-                                    <p:tmAbs val="0"/>
-                                  </p:iterate>
-                                  <p:childTnLst>
-                                    <p:set>
-                                      <p:cBhvr>
-                                        <p:cTn id="35" fill="hold"/>
-                                        <p:tgtEl>
-                                          <p:spTgt spid="242"/>
-                                        </p:tgtEl>
-                                        <p:attrNameLst>
-                                          <p:attrName>style.visibility</p:attrName>
-                                        </p:attrNameLst>
-                                      </p:cBhvr>
-                                      <p:to>
-                                        <p:strVal val="visible"/>
-                                      </p:to>
-                                    </p:set>
-                                    <p:animEffect transition="in" filter="dissolve">
-                                      <p:cBhvr>
-                                        <p:cTn id="36" dur="500"/>
-                                        <p:tgtEl>
-                                          <p:spTgt spid="242"/>
-                                        </p:tgtEl>
-                                      </p:cBhvr>
-                                    </p:animEffect>
-                                  </p:childTnLst>
-                                </p:cTn>
-                              </p:par>
-                            </p:childTnLst>
-                          </p:cTn>
-                        </p:par>
-                      </p:childTnLst>
-                    </p:cTn>
-                  </p:par>
-                </p:childTnLst>
-              </p:cTn>
-              <p:prevCondLst>
-                <p:cond evt="onPrev" delay="0">
-                  <p:tgtEl>
-                    <p:sldTgt/>
-                  </p:tgtEl>
-                </p:cond>
-              </p:prevCondLst>
-              <p:nextCondLst>
-                <p:cond evt="onNext" delay="0">
-                  <p:tgtEl>
-                    <p:sldTgt/>
-                  </p:tgtEl>
-                </p:cond>
-              </p:nextCondLst>
-            </p:seq>
-          </p:childTnLst>
-        </p:cTn>
+        <p:cTn id="1" dur="indefinite" restart="never" nodeType="tmRoot"/>
       </p:par>
     </p:tnLst>
-    <p:bldLst>
-      <p:bldP spid="235" grpId="0" animBg="1" advAuto="0"/>
-      <p:bldP spid="236" grpId="0" animBg="1" advAuto="0"/>
-      <p:bldP spid="237" grpId="0" animBg="1" advAuto="0"/>
-      <p:bldP spid="238" grpId="0" animBg="1" advAuto="0"/>
-      <p:bldP spid="239" grpId="0" animBg="1" advAuto="0"/>
-      <p:bldP spid="240" grpId="0" animBg="1" advAuto="0"/>
-      <p:bldP spid="241" grpId="0" animBg="1" advAuto="0"/>
-      <p:bldP spid="242" grpId="0" advAuto="0"/>
-    </p:bldLst>
   </p:timing>
 </p:sld>
 </file>
@@ -12290,7 +11907,7 @@
           <p:cNvPr id="2" name="Marcador de número de diapositiva 1">
             <a:extLst>
               <a:ext uri="{FF2B5EF4-FFF2-40B4-BE49-F238E27FC236}">
-                <a16:creationId xmlns="" xmlns:a16="http://schemas.microsoft.com/office/drawing/2014/main" id="{B59F924D-5E9F-135F-AD9F-3317A129E302}"/>
+                <a16:creationId xmlns:a16="http://schemas.microsoft.com/office/drawing/2014/main" xmlns="" id="{B59F924D-5E9F-135F-AD9F-3317A129E302}"/>
               </a:ext>
             </a:extLst>
           </p:cNvPr>
@@ -12324,7 +11941,7 @@
           <p:cNvPr id="3" name="Imagen 2">
             <a:extLst>
               <a:ext uri="{FF2B5EF4-FFF2-40B4-BE49-F238E27FC236}">
-                <a16:creationId xmlns="" xmlns:a16="http://schemas.microsoft.com/office/drawing/2014/main" id="{3E46917C-C4C0-3976-1C0F-38456FEDD5DC}"/>
+                <a16:creationId xmlns:a16="http://schemas.microsoft.com/office/drawing/2014/main" xmlns="" id="{3E46917C-C4C0-3976-1C0F-38456FEDD5DC}"/>
               </a:ext>
             </a:extLst>
           </p:cNvPr>
@@ -12354,7 +11971,7 @@
           <p:cNvPr id="4" name="Título 1">
             <a:extLst>
               <a:ext uri="{FF2B5EF4-FFF2-40B4-BE49-F238E27FC236}">
-                <a16:creationId xmlns="" xmlns:a16="http://schemas.microsoft.com/office/drawing/2014/main" id="{3A85FA2B-91CE-EC75-C3AE-F7F8C70EBBA3}"/>
+                <a16:creationId xmlns:a16="http://schemas.microsoft.com/office/drawing/2014/main" xmlns="" id="{3A85FA2B-91CE-EC75-C3AE-F7F8C70EBBA3}"/>
               </a:ext>
             </a:extLst>
           </p:cNvPr>
@@ -12424,7 +12041,7 @@
           <p:cNvPr id="5" name="Título 1">
             <a:extLst>
               <a:ext uri="{FF2B5EF4-FFF2-40B4-BE49-F238E27FC236}">
-                <a16:creationId xmlns="" xmlns:a16="http://schemas.microsoft.com/office/drawing/2014/main" id="{570386F6-29EB-76AF-10EB-AC169D26CC9E}"/>
+                <a16:creationId xmlns:a16="http://schemas.microsoft.com/office/drawing/2014/main" xmlns="" id="{570386F6-29EB-76AF-10EB-AC169D26CC9E}"/>
               </a:ext>
             </a:extLst>
           </p:cNvPr>
@@ -12493,7 +12110,7 @@
           <p:cNvPr id="7" name="Elipse 6">
             <a:extLst>
               <a:ext uri="{FF2B5EF4-FFF2-40B4-BE49-F238E27FC236}">
-                <a16:creationId xmlns="" xmlns:a16="http://schemas.microsoft.com/office/drawing/2014/main" id="{3353EE34-6C7E-AE7E-7B20-C7E440F210E7}"/>
+                <a16:creationId xmlns:a16="http://schemas.microsoft.com/office/drawing/2014/main" xmlns="" id="{3353EE34-6C7E-AE7E-7B20-C7E440F210E7}"/>
               </a:ext>
             </a:extLst>
           </p:cNvPr>
@@ -12554,7 +12171,7 @@
           <p:cNvPr id="9" name="Rectángulo redondeado 8">
             <a:extLst>
               <a:ext uri="{FF2B5EF4-FFF2-40B4-BE49-F238E27FC236}">
-                <a16:creationId xmlns="" xmlns:a16="http://schemas.microsoft.com/office/drawing/2014/main" id="{277BA7B5-969F-97FA-876B-9353DE62E89F}"/>
+                <a16:creationId xmlns:a16="http://schemas.microsoft.com/office/drawing/2014/main" xmlns="" id="{277BA7B5-969F-97FA-876B-9353DE62E89F}"/>
               </a:ext>
             </a:extLst>
           </p:cNvPr>
@@ -12608,7 +12225,7 @@
           <p:cNvPr id="10" name="Rectangle 68">
             <a:extLst>
               <a:ext uri="{FF2B5EF4-FFF2-40B4-BE49-F238E27FC236}">
-                <a16:creationId xmlns="" xmlns:a16="http://schemas.microsoft.com/office/drawing/2014/main" id="{2E170935-075B-E9F1-39F5-718251B4ECCC}"/>
+                <a16:creationId xmlns:a16="http://schemas.microsoft.com/office/drawing/2014/main" xmlns="" id="{2E170935-075B-E9F1-39F5-718251B4ECCC}"/>
               </a:ext>
             </a:extLst>
           </p:cNvPr>
@@ -12738,7 +12355,7 @@
             <a:effectLst/>
             <a:extLst>
               <a:ext uri="{C572A759-6A51-4108-AA02-DFA0A04FC94B}">
-                <ma14:wrappingTextBoxFlag xmlns="" xmlns:m="http://schemas.openxmlformats.org/officeDocument/2006/math" xmlns:a14="http://schemas.microsoft.com/office/drawing/2010/main" xmlns:ma14="http://schemas.microsoft.com/office/mac/drawingml/2011/main" val="1"/>
+                <ma14:wrappingTextBoxFlag xmlns:ma14="http://schemas.microsoft.com/office/mac/drawingml/2011/main" xmlns:a14="http://schemas.microsoft.com/office/drawing/2010/main" xmlns:m="http://schemas.openxmlformats.org/officeDocument/2006/math" xmlns="" val="1"/>
               </a:ext>
             </a:extLst>
           </p:spPr>
@@ -12873,7 +12490,7 @@
             <a:effectLst/>
             <a:extLst>
               <a:ext uri="{C572A759-6A51-4108-AA02-DFA0A04FC94B}">
-                <ma14:wrappingTextBoxFlag xmlns="" xmlns:m="http://schemas.openxmlformats.org/officeDocument/2006/math" xmlns:a14="http://schemas.microsoft.com/office/drawing/2010/main" xmlns:ma14="http://schemas.microsoft.com/office/mac/drawingml/2011/main" val="1"/>
+                <ma14:wrappingTextBoxFlag xmlns:ma14="http://schemas.microsoft.com/office/mac/drawingml/2011/main" xmlns:a14="http://schemas.microsoft.com/office/drawing/2010/main" xmlns:m="http://schemas.openxmlformats.org/officeDocument/2006/math" xmlns="" val="1"/>
               </a:ext>
             </a:extLst>
           </p:spPr>
@@ -12982,7 +12599,7 @@
           <p:cNvPr id="35" name="Rectangle 68">
             <a:extLst>
               <a:ext uri="{FF2B5EF4-FFF2-40B4-BE49-F238E27FC236}">
-                <a16:creationId xmlns="" xmlns:a16="http://schemas.microsoft.com/office/drawing/2014/main" id="{2E170935-075B-E9F1-39F5-718251B4ECCC}"/>
+                <a16:creationId xmlns:a16="http://schemas.microsoft.com/office/drawing/2014/main" xmlns="" id="{2E170935-075B-E9F1-39F5-718251B4ECCC}"/>
               </a:ext>
             </a:extLst>
           </p:cNvPr>
@@ -13041,139 +12658,24 @@
   <p:clrMapOvr>
     <a:masterClrMapping/>
   </p:clrMapOvr>
+  <mc:AlternateContent xmlns:mc="http://schemas.openxmlformats.org/markup-compatibility/2006">
+    <mc:Choice xmlns:p14="http://schemas.microsoft.com/office/powerpoint/2010/main" Requires="p14">
+      <p:transition spd="med" p14:dur="700">
+        <p:fade/>
+      </p:transition>
+    </mc:Choice>
+    <mc:Fallback>
+      <p:transition spd="med">
+        <p:fade/>
+      </p:transition>
+    </mc:Fallback>
+  </mc:AlternateContent>
   <p:timing>
     <p:tnLst>
       <p:par>
-        <p:cTn id="1" dur="indefinite" restart="never" nodeType="tmRoot">
-          <p:childTnLst>
-            <p:seq concurrent="1" nextAc="seek">
-              <p:cTn id="2" dur="indefinite" nodeType="mainSeq">
-                <p:childTnLst>
-                  <p:par>
-                    <p:cTn id="3" fill="hold">
-                      <p:stCondLst>
-                        <p:cond delay="indefinite"/>
-                        <p:cond evt="onBegin" delay="0">
-                          <p:tn val="2"/>
-                        </p:cond>
-                      </p:stCondLst>
-                      <p:childTnLst>
-                        <p:par>
-                          <p:cTn id="4" fill="hold">
-                            <p:stCondLst>
-                              <p:cond delay="0"/>
-                            </p:stCondLst>
-                            <p:childTnLst>
-                              <p:par>
-                                <p:cTn id="5" presetID="22" presetClass="entr" presetSubtype="8" fill="hold" grpId="0" nodeType="afterEffect">
-                                  <p:stCondLst>
-                                    <p:cond delay="0"/>
-                                  </p:stCondLst>
-                                  <p:childTnLst>
-                                    <p:set>
-                                      <p:cBhvr>
-                                        <p:cTn id="6" dur="1" fill="hold">
-                                          <p:stCondLst>
-                                            <p:cond delay="0"/>
-                                          </p:stCondLst>
-                                        </p:cTn>
-                                        <p:tgtEl>
-                                          <p:spTgt spid="10"/>
-                                        </p:tgtEl>
-                                        <p:attrNameLst>
-                                          <p:attrName>style.visibility</p:attrName>
-                                        </p:attrNameLst>
-                                      </p:cBhvr>
-                                      <p:to>
-                                        <p:strVal val="visible"/>
-                                      </p:to>
-                                    </p:set>
-                                    <p:animEffect transition="in" filter="wipe(left)">
-                                      <p:cBhvr>
-                                        <p:cTn id="7" dur="500"/>
-                                        <p:tgtEl>
-                                          <p:spTgt spid="10"/>
-                                        </p:tgtEl>
-                                      </p:cBhvr>
-                                    </p:animEffect>
-                                  </p:childTnLst>
-                                </p:cTn>
-                              </p:par>
-                            </p:childTnLst>
-                          </p:cTn>
-                        </p:par>
-                        <p:par>
-                          <p:cTn id="8" fill="hold">
-                            <p:stCondLst>
-                              <p:cond delay="500"/>
-                            </p:stCondLst>
-                            <p:childTnLst>
-                              <p:par>
-                                <p:cTn id="9" presetID="22" presetClass="entr" presetSubtype="8" fill="hold" grpId="0" nodeType="afterEffect">
-                                  <p:stCondLst>
-                                    <p:cond delay="0"/>
-                                  </p:stCondLst>
-                                  <p:childTnLst>
-                                    <p:set>
-                                      <p:cBhvr>
-                                        <p:cTn id="10" dur="1" fill="hold">
-                                          <p:stCondLst>
-                                            <p:cond delay="0"/>
-                                          </p:stCondLst>
-                                        </p:cTn>
-                                        <p:tgtEl>
-                                          <p:spTgt spid="35"/>
-                                        </p:tgtEl>
-                                        <p:attrNameLst>
-                                          <p:attrName>style.visibility</p:attrName>
-                                        </p:attrNameLst>
-                                      </p:cBhvr>
-                                      <p:to>
-                                        <p:strVal val="visible"/>
-                                      </p:to>
-                                    </p:set>
-                                    <p:animEffect transition="in" filter="wipe(left)">
-                                      <p:cBhvr>
-                                        <p:cTn id="11" dur="500"/>
-                                        <p:tgtEl>
-                                          <p:spTgt spid="35"/>
-                                        </p:tgtEl>
-                                      </p:cBhvr>
-                                    </p:animEffect>
-                                  </p:childTnLst>
-                                </p:cTn>
-                              </p:par>
-                            </p:childTnLst>
-                          </p:cTn>
-                        </p:par>
-                      </p:childTnLst>
-                    </p:cTn>
-                  </p:par>
-                </p:childTnLst>
-              </p:cTn>
-              <p:prevCondLst>
-                <p:cond evt="onPrev" delay="0">
-                  <p:tgtEl>
-                    <p:sldTgt/>
-                  </p:tgtEl>
-                </p:cond>
-              </p:prevCondLst>
-              <p:nextCondLst>
-                <p:cond evt="onNext" delay="0">
-                  <p:tgtEl>
-                    <p:sldTgt/>
-                  </p:tgtEl>
-                </p:cond>
-              </p:nextCondLst>
-            </p:seq>
-          </p:childTnLst>
-        </p:cTn>
+        <p:cTn id="1" dur="indefinite" restart="never" nodeType="tmRoot"/>
       </p:par>
     </p:tnLst>
-    <p:bldLst>
-      <p:bldP spid="10" grpId="0"/>
-      <p:bldP spid="35" grpId="0"/>
-    </p:bldLst>
   </p:timing>
 </p:sld>
 </file>
@@ -13200,7 +12702,7 @@
           <p:cNvPr id="2" name="Marcador de número de diapositiva 1">
             <a:extLst>
               <a:ext uri="{FF2B5EF4-FFF2-40B4-BE49-F238E27FC236}">
-                <a16:creationId xmlns="" xmlns:a16="http://schemas.microsoft.com/office/drawing/2014/main" id="{B59F924D-5E9F-135F-AD9F-3317A129E302}"/>
+                <a16:creationId xmlns:a16="http://schemas.microsoft.com/office/drawing/2014/main" xmlns="" id="{B59F924D-5E9F-135F-AD9F-3317A129E302}"/>
               </a:ext>
             </a:extLst>
           </p:cNvPr>
@@ -13234,7 +12736,7 @@
           <p:cNvPr id="3" name="Imagen 2">
             <a:extLst>
               <a:ext uri="{FF2B5EF4-FFF2-40B4-BE49-F238E27FC236}">
-                <a16:creationId xmlns="" xmlns:a16="http://schemas.microsoft.com/office/drawing/2014/main" id="{3E46917C-C4C0-3976-1C0F-38456FEDD5DC}"/>
+                <a16:creationId xmlns:a16="http://schemas.microsoft.com/office/drawing/2014/main" xmlns="" id="{3E46917C-C4C0-3976-1C0F-38456FEDD5DC}"/>
               </a:ext>
             </a:extLst>
           </p:cNvPr>
@@ -13264,7 +12766,7 @@
           <p:cNvPr id="4" name="Título 1">
             <a:extLst>
               <a:ext uri="{FF2B5EF4-FFF2-40B4-BE49-F238E27FC236}">
-                <a16:creationId xmlns="" xmlns:a16="http://schemas.microsoft.com/office/drawing/2014/main" id="{3A85FA2B-91CE-EC75-C3AE-F7F8C70EBBA3}"/>
+                <a16:creationId xmlns:a16="http://schemas.microsoft.com/office/drawing/2014/main" xmlns="" id="{3A85FA2B-91CE-EC75-C3AE-F7F8C70EBBA3}"/>
               </a:ext>
             </a:extLst>
           </p:cNvPr>
@@ -13334,7 +12836,7 @@
           <p:cNvPr id="5" name="Título 1">
             <a:extLst>
               <a:ext uri="{FF2B5EF4-FFF2-40B4-BE49-F238E27FC236}">
-                <a16:creationId xmlns="" xmlns:a16="http://schemas.microsoft.com/office/drawing/2014/main" id="{570386F6-29EB-76AF-10EB-AC169D26CC9E}"/>
+                <a16:creationId xmlns:a16="http://schemas.microsoft.com/office/drawing/2014/main" xmlns="" id="{570386F6-29EB-76AF-10EB-AC169D26CC9E}"/>
               </a:ext>
             </a:extLst>
           </p:cNvPr>
@@ -13403,7 +12905,7 @@
           <p:cNvPr id="7" name="Elipse 6">
             <a:extLst>
               <a:ext uri="{FF2B5EF4-FFF2-40B4-BE49-F238E27FC236}">
-                <a16:creationId xmlns="" xmlns:a16="http://schemas.microsoft.com/office/drawing/2014/main" id="{3353EE34-6C7E-AE7E-7B20-C7E440F210E7}"/>
+                <a16:creationId xmlns:a16="http://schemas.microsoft.com/office/drawing/2014/main" xmlns="" id="{3353EE34-6C7E-AE7E-7B20-C7E440F210E7}"/>
               </a:ext>
             </a:extLst>
           </p:cNvPr>
@@ -16979,7 +16481,7 @@
             <a:effectLst/>
             <a:extLst>
               <a:ext uri="{C572A759-6A51-4108-AA02-DFA0A04FC94B}">
-                <ma14:wrappingTextBoxFlag xmlns="" xmlns:m="http://schemas.openxmlformats.org/officeDocument/2006/math" xmlns:a14="http://schemas.microsoft.com/office/drawing/2010/main" xmlns:ma14="http://schemas.microsoft.com/office/mac/drawingml/2011/main" val="1"/>
+                <ma14:wrappingTextBoxFlag xmlns:ma14="http://schemas.microsoft.com/office/mac/drawingml/2011/main" xmlns:a14="http://schemas.microsoft.com/office/drawing/2010/main" xmlns:m="http://schemas.openxmlformats.org/officeDocument/2006/math" xmlns="" val="1"/>
               </a:ext>
             </a:extLst>
           </p:spPr>
@@ -17022,539 +16524,24 @@
   <p:clrMapOvr>
     <a:masterClrMapping/>
   </p:clrMapOvr>
+  <mc:AlternateContent xmlns:mc="http://schemas.openxmlformats.org/markup-compatibility/2006">
+    <mc:Choice xmlns:p14="http://schemas.microsoft.com/office/powerpoint/2010/main" Requires="p14">
+      <p:transition spd="med" p14:dur="700">
+        <p:fade/>
+      </p:transition>
+    </mc:Choice>
+    <mc:Fallback>
+      <p:transition spd="med">
+        <p:fade/>
+      </p:transition>
+    </mc:Fallback>
+  </mc:AlternateContent>
   <p:timing>
     <p:tnLst>
       <p:par>
-        <p:cTn id="1" dur="indefinite" restart="never" nodeType="tmRoot">
-          <p:childTnLst>
-            <p:seq concurrent="1" nextAc="seek">
-              <p:cTn id="2" dur="indefinite" nodeType="mainSeq">
-                <p:childTnLst>
-                  <p:par>
-                    <p:cTn id="3" fill="hold">
-                      <p:stCondLst>
-                        <p:cond delay="indefinite"/>
-                      </p:stCondLst>
-                      <p:childTnLst>
-                        <p:par>
-                          <p:cTn id="4" fill="hold">
-                            <p:stCondLst>
-                              <p:cond delay="0"/>
-                            </p:stCondLst>
-                            <p:childTnLst>
-                              <p:par>
-                                <p:cTn id="5" presetID="9" presetClass="entr" fill="hold" grpId="0" nodeType="clickEffect">
-                                  <p:stCondLst>
-                                    <p:cond delay="0"/>
-                                  </p:stCondLst>
-                                  <p:iterate>
-                                    <p:tmAbs val="0"/>
-                                  </p:iterate>
-                                  <p:childTnLst>
-                                    <p:set>
-                                      <p:cBhvr>
-                                        <p:cTn id="6" fill="hold"/>
-                                        <p:tgtEl>
-                                          <p:spTgt spid="336"/>
-                                        </p:tgtEl>
-                                        <p:attrNameLst>
-                                          <p:attrName>style.visibility</p:attrName>
-                                        </p:attrNameLst>
-                                      </p:cBhvr>
-                                      <p:to>
-                                        <p:strVal val="visible"/>
-                                      </p:to>
-                                    </p:set>
-                                    <p:animEffect transition="in" filter="dissolve">
-                                      <p:cBhvr>
-                                        <p:cTn id="7" dur="500"/>
-                                        <p:tgtEl>
-                                          <p:spTgt spid="336"/>
-                                        </p:tgtEl>
-                                      </p:cBhvr>
-                                    </p:animEffect>
-                                  </p:childTnLst>
-                                </p:cTn>
-                              </p:par>
-                            </p:childTnLst>
-                          </p:cTn>
-                        </p:par>
-                        <p:par>
-                          <p:cTn id="8" fill="hold">
-                            <p:stCondLst>
-                              <p:cond delay="500"/>
-                            </p:stCondLst>
-                            <p:childTnLst>
-                              <p:par>
-                                <p:cTn id="9" presetID="9" presetClass="entr" fill="hold" grpId="0" nodeType="afterEffect">
-                                  <p:stCondLst>
-                                    <p:cond delay="0"/>
-                                  </p:stCondLst>
-                                  <p:iterate>
-                                    <p:tmAbs val="0"/>
-                                  </p:iterate>
-                                  <p:childTnLst>
-                                    <p:set>
-                                      <p:cBhvr>
-                                        <p:cTn id="10" fill="hold"/>
-                                        <p:tgtEl>
-                                          <p:spTgt spid="334"/>
-                                        </p:tgtEl>
-                                        <p:attrNameLst>
-                                          <p:attrName>style.visibility</p:attrName>
-                                        </p:attrNameLst>
-                                      </p:cBhvr>
-                                      <p:to>
-                                        <p:strVal val="visible"/>
-                                      </p:to>
-                                    </p:set>
-                                    <p:animEffect transition="in" filter="dissolve">
-                                      <p:cBhvr>
-                                        <p:cTn id="11" dur="500"/>
-                                        <p:tgtEl>
-                                          <p:spTgt spid="334"/>
-                                        </p:tgtEl>
-                                      </p:cBhvr>
-                                    </p:animEffect>
-                                  </p:childTnLst>
-                                </p:cTn>
-                              </p:par>
-                            </p:childTnLst>
-                          </p:cTn>
-                        </p:par>
-                        <p:par>
-                          <p:cTn id="12" fill="hold">
-                            <p:stCondLst>
-                              <p:cond delay="1000"/>
-                            </p:stCondLst>
-                            <p:childTnLst>
-                              <p:par>
-                                <p:cTn id="13" presetID="9" presetClass="entr" fill="hold" grpId="0" nodeType="afterEffect">
-                                  <p:stCondLst>
-                                    <p:cond delay="0"/>
-                                  </p:stCondLst>
-                                  <p:iterate>
-                                    <p:tmAbs val="0"/>
-                                  </p:iterate>
-                                  <p:childTnLst>
-                                    <p:set>
-                                      <p:cBhvr>
-                                        <p:cTn id="14" fill="hold"/>
-                                        <p:tgtEl>
-                                          <p:spTgt spid="335"/>
-                                        </p:tgtEl>
-                                        <p:attrNameLst>
-                                          <p:attrName>style.visibility</p:attrName>
-                                        </p:attrNameLst>
-                                      </p:cBhvr>
-                                      <p:to>
-                                        <p:strVal val="visible"/>
-                                      </p:to>
-                                    </p:set>
-                                    <p:animEffect transition="in" filter="dissolve">
-                                      <p:cBhvr>
-                                        <p:cTn id="15" dur="500"/>
-                                        <p:tgtEl>
-                                          <p:spTgt spid="335"/>
-                                        </p:tgtEl>
-                                      </p:cBhvr>
-                                    </p:animEffect>
-                                  </p:childTnLst>
-                                </p:cTn>
-                              </p:par>
-                            </p:childTnLst>
-                          </p:cTn>
-                        </p:par>
-                        <p:par>
-                          <p:cTn id="16" fill="hold">
-                            <p:stCondLst>
-                              <p:cond delay="1500"/>
-                            </p:stCondLst>
-                            <p:childTnLst>
-                              <p:par>
-                                <p:cTn id="17" presetID="9" presetClass="entr" fill="hold" grpId="0" nodeType="afterEffect">
-                                  <p:stCondLst>
-                                    <p:cond delay="0"/>
-                                  </p:stCondLst>
-                                  <p:iterate>
-                                    <p:tmAbs val="0"/>
-                                  </p:iterate>
-                                  <p:childTnLst>
-                                    <p:set>
-                                      <p:cBhvr>
-                                        <p:cTn id="18" fill="hold"/>
-                                        <p:tgtEl>
-                                          <p:spTgt spid="327"/>
-                                        </p:tgtEl>
-                                        <p:attrNameLst>
-                                          <p:attrName>style.visibility</p:attrName>
-                                        </p:attrNameLst>
-                                      </p:cBhvr>
-                                      <p:to>
-                                        <p:strVal val="visible"/>
-                                      </p:to>
-                                    </p:set>
-                                    <p:animEffect transition="in" filter="dissolve">
-                                      <p:cBhvr>
-                                        <p:cTn id="19" dur="500"/>
-                                        <p:tgtEl>
-                                          <p:spTgt spid="327"/>
-                                        </p:tgtEl>
-                                      </p:cBhvr>
-                                    </p:animEffect>
-                                  </p:childTnLst>
-                                </p:cTn>
-                              </p:par>
-                            </p:childTnLst>
-                          </p:cTn>
-                        </p:par>
-                        <p:par>
-                          <p:cTn id="20" fill="hold">
-                            <p:stCondLst>
-                              <p:cond delay="2000"/>
-                            </p:stCondLst>
-                            <p:childTnLst>
-                              <p:par>
-                                <p:cTn id="21" presetID="9" presetClass="entr" fill="hold" grpId="0" nodeType="afterEffect">
-                                  <p:stCondLst>
-                                    <p:cond delay="0"/>
-                                  </p:stCondLst>
-                                  <p:iterate>
-                                    <p:tmAbs val="0"/>
-                                  </p:iterate>
-                                  <p:childTnLst>
-                                    <p:set>
-                                      <p:cBhvr>
-                                        <p:cTn id="22" fill="hold"/>
-                                        <p:tgtEl>
-                                          <p:spTgt spid="328"/>
-                                        </p:tgtEl>
-                                        <p:attrNameLst>
-                                          <p:attrName>style.visibility</p:attrName>
-                                        </p:attrNameLst>
-                                      </p:cBhvr>
-                                      <p:to>
-                                        <p:strVal val="visible"/>
-                                      </p:to>
-                                    </p:set>
-                                    <p:animEffect transition="in" filter="dissolve">
-                                      <p:cBhvr>
-                                        <p:cTn id="23" dur="500"/>
-                                        <p:tgtEl>
-                                          <p:spTgt spid="328"/>
-                                        </p:tgtEl>
-                                      </p:cBhvr>
-                                    </p:animEffect>
-                                  </p:childTnLst>
-                                </p:cTn>
-                              </p:par>
-                            </p:childTnLst>
-                          </p:cTn>
-                        </p:par>
-                        <p:par>
-                          <p:cTn id="24" fill="hold">
-                            <p:stCondLst>
-                              <p:cond delay="2500"/>
-                            </p:stCondLst>
-                            <p:childTnLst>
-                              <p:par>
-                                <p:cTn id="25" presetID="9" presetClass="entr" fill="hold" grpId="0" nodeType="afterEffect">
-                                  <p:stCondLst>
-                                    <p:cond delay="0"/>
-                                  </p:stCondLst>
-                                  <p:iterate>
-                                    <p:tmAbs val="0"/>
-                                  </p:iterate>
-                                  <p:childTnLst>
-                                    <p:set>
-                                      <p:cBhvr>
-                                        <p:cTn id="26" fill="hold"/>
-                                        <p:tgtEl>
-                                          <p:spTgt spid="330"/>
-                                        </p:tgtEl>
-                                        <p:attrNameLst>
-                                          <p:attrName>style.visibility</p:attrName>
-                                        </p:attrNameLst>
-                                      </p:cBhvr>
-                                      <p:to>
-                                        <p:strVal val="visible"/>
-                                      </p:to>
-                                    </p:set>
-                                    <p:animEffect transition="in" filter="dissolve">
-                                      <p:cBhvr>
-                                        <p:cTn id="27" dur="500"/>
-                                        <p:tgtEl>
-                                          <p:spTgt spid="330"/>
-                                        </p:tgtEl>
-                                      </p:cBhvr>
-                                    </p:animEffect>
-                                  </p:childTnLst>
-                                </p:cTn>
-                              </p:par>
-                            </p:childTnLst>
-                          </p:cTn>
-                        </p:par>
-                        <p:par>
-                          <p:cTn id="28" fill="hold">
-                            <p:stCondLst>
-                              <p:cond delay="3000"/>
-                            </p:stCondLst>
-                            <p:childTnLst>
-                              <p:par>
-                                <p:cTn id="29" presetID="9" presetClass="entr" fill="hold" grpId="0" nodeType="afterEffect">
-                                  <p:stCondLst>
-                                    <p:cond delay="0"/>
-                                  </p:stCondLst>
-                                  <p:iterate>
-                                    <p:tmAbs val="0"/>
-                                  </p:iterate>
-                                  <p:childTnLst>
-                                    <p:set>
-                                      <p:cBhvr>
-                                        <p:cTn id="30" fill="hold"/>
-                                        <p:tgtEl>
-                                          <p:spTgt spid="332"/>
-                                        </p:tgtEl>
-                                        <p:attrNameLst>
-                                          <p:attrName>style.visibility</p:attrName>
-                                        </p:attrNameLst>
-                                      </p:cBhvr>
-                                      <p:to>
-                                        <p:strVal val="visible"/>
-                                      </p:to>
-                                    </p:set>
-                                    <p:animEffect transition="in" filter="dissolve">
-                                      <p:cBhvr>
-                                        <p:cTn id="31" dur="500"/>
-                                        <p:tgtEl>
-                                          <p:spTgt spid="332"/>
-                                        </p:tgtEl>
-                                      </p:cBhvr>
-                                    </p:animEffect>
-                                  </p:childTnLst>
-                                </p:cTn>
-                              </p:par>
-                            </p:childTnLst>
-                          </p:cTn>
-                        </p:par>
-                        <p:par>
-                          <p:cTn id="32" fill="hold">
-                            <p:stCondLst>
-                              <p:cond delay="3500"/>
-                            </p:stCondLst>
-                            <p:childTnLst>
-                              <p:par>
-                                <p:cTn id="33" presetID="9" presetClass="entr" fill="hold" grpId="0" nodeType="afterEffect">
-                                  <p:stCondLst>
-                                    <p:cond delay="0"/>
-                                  </p:stCondLst>
-                                  <p:iterate>
-                                    <p:tmAbs val="0"/>
-                                  </p:iterate>
-                                  <p:childTnLst>
-                                    <p:set>
-                                      <p:cBhvr>
-                                        <p:cTn id="34" fill="hold"/>
-                                        <p:tgtEl>
-                                          <p:spTgt spid="331"/>
-                                        </p:tgtEl>
-                                        <p:attrNameLst>
-                                          <p:attrName>style.visibility</p:attrName>
-                                        </p:attrNameLst>
-                                      </p:cBhvr>
-                                      <p:to>
-                                        <p:strVal val="visible"/>
-                                      </p:to>
-                                    </p:set>
-                                    <p:animEffect transition="in" filter="dissolve">
-                                      <p:cBhvr>
-                                        <p:cTn id="35" dur="500"/>
-                                        <p:tgtEl>
-                                          <p:spTgt spid="331"/>
-                                        </p:tgtEl>
-                                      </p:cBhvr>
-                                    </p:animEffect>
-                                  </p:childTnLst>
-                                </p:cTn>
-                              </p:par>
-                            </p:childTnLst>
-                          </p:cTn>
-                        </p:par>
-                        <p:par>
-                          <p:cTn id="36" fill="hold">
-                            <p:stCondLst>
-                              <p:cond delay="4000"/>
-                            </p:stCondLst>
-                            <p:childTnLst>
-                              <p:par>
-                                <p:cTn id="37" presetID="9" presetClass="entr" fill="hold" grpId="0" nodeType="afterEffect">
-                                  <p:stCondLst>
-                                    <p:cond delay="0"/>
-                                  </p:stCondLst>
-                                  <p:iterate>
-                                    <p:tmAbs val="0"/>
-                                  </p:iterate>
-                                  <p:childTnLst>
-                                    <p:set>
-                                      <p:cBhvr>
-                                        <p:cTn id="38" fill="hold"/>
-                                        <p:tgtEl>
-                                          <p:spTgt spid="333"/>
-                                        </p:tgtEl>
-                                        <p:attrNameLst>
-                                          <p:attrName>style.visibility</p:attrName>
-                                        </p:attrNameLst>
-                                      </p:cBhvr>
-                                      <p:to>
-                                        <p:strVal val="visible"/>
-                                      </p:to>
-                                    </p:set>
-                                    <p:animEffect transition="in" filter="dissolve">
-                                      <p:cBhvr>
-                                        <p:cTn id="39" dur="500"/>
-                                        <p:tgtEl>
-                                          <p:spTgt spid="333"/>
-                                        </p:tgtEl>
-                                      </p:cBhvr>
-                                    </p:animEffect>
-                                  </p:childTnLst>
-                                </p:cTn>
-                              </p:par>
-                            </p:childTnLst>
-                          </p:cTn>
-                        </p:par>
-                        <p:par>
-                          <p:cTn id="40" fill="hold">
-                            <p:stCondLst>
-                              <p:cond delay="4500"/>
-                            </p:stCondLst>
-                            <p:childTnLst>
-                              <p:par>
-                                <p:cTn id="41" presetID="9" presetClass="entr" fill="hold" grpId="0" nodeType="afterEffect">
-                                  <p:stCondLst>
-                                    <p:cond delay="0"/>
-                                  </p:stCondLst>
-                                  <p:iterate>
-                                    <p:tmAbs val="0"/>
-                                  </p:iterate>
-                                  <p:childTnLst>
-                                    <p:set>
-                                      <p:cBhvr>
-                                        <p:cTn id="42" fill="hold"/>
-                                        <p:tgtEl>
-                                          <p:spTgt spid="329"/>
-                                        </p:tgtEl>
-                                        <p:attrNameLst>
-                                          <p:attrName>style.visibility</p:attrName>
-                                        </p:attrNameLst>
-                                      </p:cBhvr>
-                                      <p:to>
-                                        <p:strVal val="visible"/>
-                                      </p:to>
-                                    </p:set>
-                                    <p:animEffect transition="in" filter="dissolve">
-                                      <p:cBhvr>
-                                        <p:cTn id="43" dur="500"/>
-                                        <p:tgtEl>
-                                          <p:spTgt spid="329"/>
-                                        </p:tgtEl>
-                                      </p:cBhvr>
-                                    </p:animEffect>
-                                  </p:childTnLst>
-                                </p:cTn>
-                              </p:par>
-                            </p:childTnLst>
-                          </p:cTn>
-                        </p:par>
-                      </p:childTnLst>
-                    </p:cTn>
-                  </p:par>
-                  <p:par>
-                    <p:cTn id="44" fill="hold">
-                      <p:stCondLst>
-                        <p:cond delay="indefinite"/>
-                      </p:stCondLst>
-                      <p:childTnLst>
-                        <p:par>
-                          <p:cTn id="45" fill="hold">
-                            <p:stCondLst>
-                              <p:cond delay="0"/>
-                            </p:stCondLst>
-                            <p:childTnLst>
-                              <p:par>
-                                <p:cTn id="46" presetID="9" presetClass="entr" fill="hold" grpId="0" nodeType="clickEffect">
-                                  <p:stCondLst>
-                                    <p:cond delay="0"/>
-                                  </p:stCondLst>
-                                  <p:iterate>
-                                    <p:tmAbs val="0"/>
-                                  </p:iterate>
-                                  <p:childTnLst>
-                                    <p:set>
-                                      <p:cBhvr>
-                                        <p:cTn id="47" fill="hold"/>
-                                        <p:tgtEl>
-                                          <p:spTgt spid="337"/>
-                                        </p:tgtEl>
-                                        <p:attrNameLst>
-                                          <p:attrName>style.visibility</p:attrName>
-                                        </p:attrNameLst>
-                                      </p:cBhvr>
-                                      <p:to>
-                                        <p:strVal val="visible"/>
-                                      </p:to>
-                                    </p:set>
-                                    <p:animEffect transition="in" filter="dissolve">
-                                      <p:cBhvr>
-                                        <p:cTn id="48" dur="500"/>
-                                        <p:tgtEl>
-                                          <p:spTgt spid="337"/>
-                                        </p:tgtEl>
-                                      </p:cBhvr>
-                                    </p:animEffect>
-                                  </p:childTnLst>
-                                </p:cTn>
-                              </p:par>
-                            </p:childTnLst>
-                          </p:cTn>
-                        </p:par>
-                      </p:childTnLst>
-                    </p:cTn>
-                  </p:par>
-                </p:childTnLst>
-              </p:cTn>
-              <p:prevCondLst>
-                <p:cond evt="onPrev" delay="0">
-                  <p:tgtEl>
-                    <p:sldTgt/>
-                  </p:tgtEl>
-                </p:cond>
-              </p:prevCondLst>
-              <p:nextCondLst>
-                <p:cond evt="onNext" delay="0">
-                  <p:tgtEl>
-                    <p:sldTgt/>
-                  </p:tgtEl>
-                </p:cond>
-              </p:nextCondLst>
-            </p:seq>
-          </p:childTnLst>
-        </p:cTn>
+        <p:cTn id="1" dur="indefinite" restart="never" nodeType="tmRoot"/>
       </p:par>
     </p:tnLst>
-    <p:bldLst>
-      <p:bldP spid="327" grpId="0" animBg="1" advAuto="0"/>
-      <p:bldP spid="328" grpId="0" animBg="1" advAuto="0"/>
-      <p:bldP spid="329" grpId="0" animBg="1" advAuto="0"/>
-      <p:bldP spid="330" grpId="0" animBg="1" advAuto="0"/>
-      <p:bldP spid="331" grpId="0" animBg="1" advAuto="0"/>
-      <p:bldP spid="332" grpId="0" animBg="1" advAuto="0"/>
-      <p:bldP spid="333" grpId="0" animBg="1" advAuto="0"/>
-      <p:bldP spid="334" grpId="0" animBg="1" advAuto="0"/>
-      <p:bldP spid="335" grpId="0" animBg="1" advAuto="0"/>
-      <p:bldP spid="336" grpId="0" animBg="1" advAuto="0"/>
-      <p:bldP spid="337" grpId="0" animBg="1" advAuto="0"/>
-    </p:bldLst>
   </p:timing>
 </p:sld>
 </file>
@@ -17581,7 +16568,7 @@
           <p:cNvPr id="16" name="Título 1">
             <a:extLst>
               <a:ext uri="{FF2B5EF4-FFF2-40B4-BE49-F238E27FC236}">
-                <a16:creationId xmlns:a16="http://schemas.microsoft.com/office/drawing/2014/main" xmlns="" id="{D5FD1066-7FA1-9BF9-22F0-F52B6DDCD8D0}"/>
+                <a16:creationId xmlns="" xmlns:a16="http://schemas.microsoft.com/office/drawing/2014/main" id="{D5FD1066-7FA1-9BF9-22F0-F52B6DDCD8D0}"/>
               </a:ext>
             </a:extLst>
           </p:cNvPr>
@@ -17716,7 +16703,7 @@
             <a:effectLst/>
             <a:extLst>
               <a:ext uri="{C572A759-6A51-4108-AA02-DFA0A04FC94B}">
-                <ma14:wrappingTextBoxFlag xmlns="" xmlns:m="http://schemas.openxmlformats.org/officeDocument/2006/math" xmlns:a14="http://schemas.microsoft.com/office/drawing/2010/main" xmlns:ma14="http://schemas.microsoft.com/office/mac/drawingml/2011/main" val="1"/>
+                <ma14:wrappingTextBoxFlag xmlns:ma14="http://schemas.microsoft.com/office/mac/drawingml/2011/main" xmlns:a14="http://schemas.microsoft.com/office/drawing/2010/main" xmlns:m="http://schemas.openxmlformats.org/officeDocument/2006/math" xmlns="" val="1"/>
               </a:ext>
             </a:extLst>
           </p:spPr>
@@ -17888,7 +16875,7 @@
             <a:effectLst/>
             <a:extLst>
               <a:ext uri="{C572A759-6A51-4108-AA02-DFA0A04FC94B}">
-                <ma14:wrappingTextBoxFlag xmlns="" xmlns:m="http://schemas.openxmlformats.org/officeDocument/2006/math" xmlns:a14="http://schemas.microsoft.com/office/drawing/2010/main" xmlns:ma14="http://schemas.microsoft.com/office/mac/drawingml/2011/main" val="1"/>
+                <ma14:wrappingTextBoxFlag xmlns:ma14="http://schemas.microsoft.com/office/mac/drawingml/2011/main" xmlns:a14="http://schemas.microsoft.com/office/drawing/2010/main" xmlns:m="http://schemas.openxmlformats.org/officeDocument/2006/math" xmlns="" val="1"/>
               </a:ext>
             </a:extLst>
           </p:spPr>
@@ -18007,7 +16994,7 @@
             <a:effectLst/>
             <a:extLst>
               <a:ext uri="{C572A759-6A51-4108-AA02-DFA0A04FC94B}">
-                <ma14:wrappingTextBoxFlag xmlns="" xmlns:m="http://schemas.openxmlformats.org/officeDocument/2006/math" xmlns:a14="http://schemas.microsoft.com/office/drawing/2010/main" xmlns:ma14="http://schemas.microsoft.com/office/mac/drawingml/2011/main" val="1"/>
+                <ma14:wrappingTextBoxFlag xmlns:ma14="http://schemas.microsoft.com/office/mac/drawingml/2011/main" xmlns:a14="http://schemas.microsoft.com/office/drawing/2010/main" xmlns:m="http://schemas.openxmlformats.org/officeDocument/2006/math" xmlns="" val="1"/>
               </a:ext>
             </a:extLst>
           </p:spPr>
@@ -18232,7 +17219,7 @@
             <a:effectLst/>
             <a:extLst>
               <a:ext uri="{C572A759-6A51-4108-AA02-DFA0A04FC94B}">
-                <ma14:wrappingTextBoxFlag xmlns="" xmlns:m="http://schemas.openxmlformats.org/officeDocument/2006/math" xmlns:a14="http://schemas.microsoft.com/office/drawing/2010/main" xmlns:ma14="http://schemas.microsoft.com/office/mac/drawingml/2011/main" val="1"/>
+                <ma14:wrappingTextBoxFlag xmlns:ma14="http://schemas.microsoft.com/office/mac/drawingml/2011/main" xmlns:a14="http://schemas.microsoft.com/office/drawing/2010/main" xmlns:m="http://schemas.openxmlformats.org/officeDocument/2006/math" xmlns="" val="1"/>
               </a:ext>
             </a:extLst>
           </p:spPr>
@@ -18273,7 +17260,7 @@
     <a:masterClrMapping/>
   </p:clrMapOvr>
   <mc:AlternateContent xmlns:mc="http://schemas.openxmlformats.org/markup-compatibility/2006">
-    <mc:Choice xmlns:p159="http://schemas.microsoft.com/office/powerpoint/2015/09/main" xmlns="" Requires="p159">
+    <mc:Choice xmlns="" xmlns:p159="http://schemas.microsoft.com/office/powerpoint/2015/09/main" Requires="p159">
       <p:transition xmlns:p14="http://schemas.microsoft.com/office/powerpoint/2010/main" spd="slow" p14:dur="2000">
         <p159:morph option="byObject"/>
       </p:transition>
@@ -18316,7 +17303,7 @@
           <p:cNvPr id="16" name="Título 1">
             <a:extLst>
               <a:ext uri="{FF2B5EF4-FFF2-40B4-BE49-F238E27FC236}">
-                <a16:creationId xmlns:a16="http://schemas.microsoft.com/office/drawing/2014/main" xmlns="" id="{D5FD1066-7FA1-9BF9-22F0-F52B6DDCD8D0}"/>
+                <a16:creationId xmlns="" xmlns:a16="http://schemas.microsoft.com/office/drawing/2014/main" id="{D5FD1066-7FA1-9BF9-22F0-F52B6DDCD8D0}"/>
               </a:ext>
             </a:extLst>
           </p:cNvPr>
@@ -18385,7 +17372,7 @@
           <p:cNvPr id="20" name="Table 3">
             <a:extLst>
               <a:ext uri="{FF2B5EF4-FFF2-40B4-BE49-F238E27FC236}">
-                <a16:creationId xmlns="" xmlns:a16="http://schemas.microsoft.com/office/drawing/2014/main" id="{422A8208-A563-A55B-5344-09BD741BE766}"/>
+                <a16:creationId xmlns:a16="http://schemas.microsoft.com/office/drawing/2014/main" xmlns="" id="{422A8208-A563-A55B-5344-09BD741BE766}"/>
               </a:ext>
             </a:extLst>
           </p:cNvPr>
@@ -18414,14 +17401,14 @@
                 <a:gridCol w="4517033">
                   <a:extLst>
                     <a:ext uri="{9D8B030D-6E8A-4147-A177-3AD203B41FA5}">
-                      <a16:colId xmlns="" xmlns:a16="http://schemas.microsoft.com/office/drawing/2014/main" val="3102874728"/>
+                      <a16:colId xmlns:a16="http://schemas.microsoft.com/office/drawing/2014/main" xmlns="" val="3102874728"/>
                     </a:ext>
                   </a:extLst>
                 </a:gridCol>
                 <a:gridCol w="4517033">
                   <a:extLst>
                     <a:ext uri="{9D8B030D-6E8A-4147-A177-3AD203B41FA5}">
-                      <a16:colId xmlns="" xmlns:a16="http://schemas.microsoft.com/office/drawing/2014/main" val="3824228278"/>
+                      <a16:colId xmlns:a16="http://schemas.microsoft.com/office/drawing/2014/main" xmlns="" val="3824228278"/>
                     </a:ext>
                   </a:extLst>
                 </a:gridCol>
@@ -18567,7 +17554,7 @@
                 </a:tc>
                 <a:extLst>
                   <a:ext uri="{0D108BD9-81ED-4DB2-BD59-A6C34878D82A}">
-                    <a16:rowId xmlns="" xmlns:a16="http://schemas.microsoft.com/office/drawing/2014/main" val="4006425940"/>
+                    <a16:rowId xmlns:a16="http://schemas.microsoft.com/office/drawing/2014/main" xmlns="" val="4006425940"/>
                   </a:ext>
                 </a:extLst>
               </a:tr>
@@ -18740,7 +17727,7 @@
                 </a:tc>
                 <a:extLst>
                   <a:ext uri="{0D108BD9-81ED-4DB2-BD59-A6C34878D82A}">
-                    <a16:rowId xmlns="" xmlns:a16="http://schemas.microsoft.com/office/drawing/2014/main" val="2195307831"/>
+                    <a16:rowId xmlns:a16="http://schemas.microsoft.com/office/drawing/2014/main" xmlns="" val="2195307831"/>
                   </a:ext>
                 </a:extLst>
               </a:tr>
@@ -19090,7 +18077,7 @@
                 </a:tc>
                 <a:extLst>
                   <a:ext uri="{0D108BD9-81ED-4DB2-BD59-A6C34878D82A}">
-                    <a16:rowId xmlns="" xmlns:a16="http://schemas.microsoft.com/office/drawing/2014/main" val="4228649827"/>
+                    <a16:rowId xmlns:a16="http://schemas.microsoft.com/office/drawing/2014/main" xmlns="" val="4228649827"/>
                   </a:ext>
                 </a:extLst>
               </a:tr>
@@ -19263,7 +18250,7 @@
                 </a:tc>
                 <a:extLst>
                   <a:ext uri="{0D108BD9-81ED-4DB2-BD59-A6C34878D82A}">
-                    <a16:rowId xmlns="" xmlns:a16="http://schemas.microsoft.com/office/drawing/2014/main" val="2880154858"/>
+                    <a16:rowId xmlns:a16="http://schemas.microsoft.com/office/drawing/2014/main" xmlns="" val="2880154858"/>
                   </a:ext>
                 </a:extLst>
               </a:tr>
@@ -19436,7 +18423,7 @@
                 </a:tc>
                 <a:extLst>
                   <a:ext uri="{0D108BD9-81ED-4DB2-BD59-A6C34878D82A}">
-                    <a16:rowId xmlns="" xmlns:a16="http://schemas.microsoft.com/office/drawing/2014/main" val="941017362"/>
+                    <a16:rowId xmlns:a16="http://schemas.microsoft.com/office/drawing/2014/main" xmlns="" val="941017362"/>
                   </a:ext>
                 </a:extLst>
               </a:tr>
@@ -19609,7 +18596,7 @@
                 </a:tc>
                 <a:extLst>
                   <a:ext uri="{0D108BD9-81ED-4DB2-BD59-A6C34878D82A}">
-                    <a16:rowId xmlns="" xmlns:a16="http://schemas.microsoft.com/office/drawing/2014/main" val="762319770"/>
+                    <a16:rowId xmlns:a16="http://schemas.microsoft.com/office/drawing/2014/main" xmlns="" val="762319770"/>
                   </a:ext>
                 </a:extLst>
               </a:tr>
@@ -19622,7 +18609,7 @@
           <p:cNvPr id="28" name="Rectángulo redondeado 8">
             <a:extLst>
               <a:ext uri="{FF2B5EF4-FFF2-40B4-BE49-F238E27FC236}">
-                <a16:creationId xmlns="" xmlns:a16="http://schemas.microsoft.com/office/drawing/2014/main" id="{277BA7B5-969F-97FA-876B-9353DE62E89F}"/>
+                <a16:creationId xmlns:a16="http://schemas.microsoft.com/office/drawing/2014/main" xmlns="" id="{277BA7B5-969F-97FA-876B-9353DE62E89F}"/>
               </a:ext>
             </a:extLst>
           </p:cNvPr>
@@ -19676,7 +18663,7 @@
           <p:cNvPr id="30" name="Rectangle 68">
             <a:extLst>
               <a:ext uri="{FF2B5EF4-FFF2-40B4-BE49-F238E27FC236}">
-                <a16:creationId xmlns="" xmlns:a16="http://schemas.microsoft.com/office/drawing/2014/main" id="{2E170935-075B-E9F1-39F5-718251B4ECCC}"/>
+                <a16:creationId xmlns:a16="http://schemas.microsoft.com/office/drawing/2014/main" xmlns="" id="{2E170935-075B-E9F1-39F5-718251B4ECCC}"/>
               </a:ext>
             </a:extLst>
           </p:cNvPr>
@@ -19740,7 +18727,7 @@
           <p:cNvPr id="34" name="Rectangle 68">
             <a:extLst>
               <a:ext uri="{FF2B5EF4-FFF2-40B4-BE49-F238E27FC236}">
-                <a16:creationId xmlns="" xmlns:a16="http://schemas.microsoft.com/office/drawing/2014/main" id="{2E170935-075B-E9F1-39F5-718251B4ECCC}"/>
+                <a16:creationId xmlns:a16="http://schemas.microsoft.com/office/drawing/2014/main" xmlns="" id="{2E170935-075B-E9F1-39F5-718251B4ECCC}"/>
               </a:ext>
             </a:extLst>
           </p:cNvPr>
@@ -19800,7 +18787,7 @@
     <a:masterClrMapping/>
   </p:clrMapOvr>
   <mc:AlternateContent xmlns:mc="http://schemas.openxmlformats.org/markup-compatibility/2006">
-    <mc:Choice xmlns:p159="http://schemas.microsoft.com/office/powerpoint/2015/09/main" xmlns="" Requires="p159">
+    <mc:Choice xmlns="" xmlns:p159="http://schemas.microsoft.com/office/powerpoint/2015/09/main" Requires="p159">
       <p:transition xmlns:p14="http://schemas.microsoft.com/office/powerpoint/2010/main" spd="slow" p14:dur="2000">
         <p159:morph option="byObject"/>
       </p:transition>
@@ -19814,136 +18801,9 @@
   <p:timing>
     <p:tnLst>
       <p:par>
-        <p:cTn id="1" dur="indefinite" restart="never" nodeType="tmRoot">
-          <p:childTnLst>
-            <p:seq concurrent="1" nextAc="seek">
-              <p:cTn id="2" dur="indefinite" nodeType="mainSeq">
-                <p:childTnLst>
-                  <p:par>
-                    <p:cTn id="3" fill="hold">
-                      <p:stCondLst>
-                        <p:cond delay="indefinite"/>
-                        <p:cond evt="onBegin" delay="0">
-                          <p:tn val="2"/>
-                        </p:cond>
-                      </p:stCondLst>
-                      <p:childTnLst>
-                        <p:par>
-                          <p:cTn id="4" fill="hold">
-                            <p:stCondLst>
-                              <p:cond delay="0"/>
-                            </p:stCondLst>
-                            <p:childTnLst>
-                              <p:par>
-                                <p:cTn id="5" presetID="22" presetClass="entr" presetSubtype="8" fill="hold" grpId="0" nodeType="afterEffect">
-                                  <p:stCondLst>
-                                    <p:cond delay="0"/>
-                                  </p:stCondLst>
-                                  <p:childTnLst>
-                                    <p:set>
-                                      <p:cBhvr>
-                                        <p:cTn id="6" dur="1" fill="hold">
-                                          <p:stCondLst>
-                                            <p:cond delay="0"/>
-                                          </p:stCondLst>
-                                        </p:cTn>
-                                        <p:tgtEl>
-                                          <p:spTgt spid="30"/>
-                                        </p:tgtEl>
-                                        <p:attrNameLst>
-                                          <p:attrName>style.visibility</p:attrName>
-                                        </p:attrNameLst>
-                                      </p:cBhvr>
-                                      <p:to>
-                                        <p:strVal val="visible"/>
-                                      </p:to>
-                                    </p:set>
-                                    <p:animEffect transition="in" filter="wipe(left)">
-                                      <p:cBhvr>
-                                        <p:cTn id="7" dur="500"/>
-                                        <p:tgtEl>
-                                          <p:spTgt spid="30"/>
-                                        </p:tgtEl>
-                                      </p:cBhvr>
-                                    </p:animEffect>
-                                  </p:childTnLst>
-                                </p:cTn>
-                              </p:par>
-                            </p:childTnLst>
-                          </p:cTn>
-                        </p:par>
-                        <p:par>
-                          <p:cTn id="8" fill="hold">
-                            <p:stCondLst>
-                              <p:cond delay="500"/>
-                            </p:stCondLst>
-                            <p:childTnLst>
-                              <p:par>
-                                <p:cTn id="9" presetID="22" presetClass="entr" presetSubtype="8" fill="hold" grpId="0" nodeType="afterEffect">
-                                  <p:stCondLst>
-                                    <p:cond delay="0"/>
-                                  </p:stCondLst>
-                                  <p:childTnLst>
-                                    <p:set>
-                                      <p:cBhvr>
-                                        <p:cTn id="10" dur="1" fill="hold">
-                                          <p:stCondLst>
-                                            <p:cond delay="0"/>
-                                          </p:stCondLst>
-                                        </p:cTn>
-                                        <p:tgtEl>
-                                          <p:spTgt spid="34"/>
-                                        </p:tgtEl>
-                                        <p:attrNameLst>
-                                          <p:attrName>style.visibility</p:attrName>
-                                        </p:attrNameLst>
-                                      </p:cBhvr>
-                                      <p:to>
-                                        <p:strVal val="visible"/>
-                                      </p:to>
-                                    </p:set>
-                                    <p:animEffect transition="in" filter="wipe(left)">
-                                      <p:cBhvr>
-                                        <p:cTn id="11" dur="500"/>
-                                        <p:tgtEl>
-                                          <p:spTgt spid="34"/>
-                                        </p:tgtEl>
-                                      </p:cBhvr>
-                                    </p:animEffect>
-                                  </p:childTnLst>
-                                </p:cTn>
-                              </p:par>
-                            </p:childTnLst>
-                          </p:cTn>
-                        </p:par>
-                      </p:childTnLst>
-                    </p:cTn>
-                  </p:par>
-                </p:childTnLst>
-              </p:cTn>
-              <p:prevCondLst>
-                <p:cond evt="onPrev" delay="0">
-                  <p:tgtEl>
-                    <p:sldTgt/>
-                  </p:tgtEl>
-                </p:cond>
-              </p:prevCondLst>
-              <p:nextCondLst>
-                <p:cond evt="onNext" delay="0">
-                  <p:tgtEl>
-                    <p:sldTgt/>
-                  </p:tgtEl>
-                </p:cond>
-              </p:nextCondLst>
-            </p:seq>
-          </p:childTnLst>
-        </p:cTn>
+        <p:cTn id="1" dur="indefinite" restart="never" nodeType="tmRoot"/>
       </p:par>
     </p:tnLst>
-    <p:bldLst>
-      <p:bldP spid="30" grpId="0"/>
-      <p:bldP spid="34" grpId="0"/>
-    </p:bldLst>
   </p:timing>
 </p:sld>
 </file>
@@ -19970,7 +18830,7 @@
           <p:cNvPr id="16" name="Título 1">
             <a:extLst>
               <a:ext uri="{FF2B5EF4-FFF2-40B4-BE49-F238E27FC236}">
-                <a16:creationId xmlns:a16="http://schemas.microsoft.com/office/drawing/2014/main" xmlns="" id="{D5FD1066-7FA1-9BF9-22F0-F52B6DDCD8D0}"/>
+                <a16:creationId xmlns="" xmlns:a16="http://schemas.microsoft.com/office/drawing/2014/main" id="{D5FD1066-7FA1-9BF9-22F0-F52B6DDCD8D0}"/>
               </a:ext>
             </a:extLst>
           </p:cNvPr>
@@ -20050,7 +18910,7 @@
           <p:cNvPr id="28" name="Rectángulo redondeado 8">
             <a:extLst>
               <a:ext uri="{FF2B5EF4-FFF2-40B4-BE49-F238E27FC236}">
-                <a16:creationId xmlns="" xmlns:a16="http://schemas.microsoft.com/office/drawing/2014/main" id="{277BA7B5-969F-97FA-876B-9353DE62E89F}"/>
+                <a16:creationId xmlns:a16="http://schemas.microsoft.com/office/drawing/2014/main" xmlns="" id="{277BA7B5-969F-97FA-876B-9353DE62E89F}"/>
               </a:ext>
             </a:extLst>
           </p:cNvPr>
@@ -20104,7 +18964,7 @@
           <p:cNvPr id="30" name="Rectangle 68">
             <a:extLst>
               <a:ext uri="{FF2B5EF4-FFF2-40B4-BE49-F238E27FC236}">
-                <a16:creationId xmlns="" xmlns:a16="http://schemas.microsoft.com/office/drawing/2014/main" id="{2E170935-075B-E9F1-39F5-718251B4ECCC}"/>
+                <a16:creationId xmlns:a16="http://schemas.microsoft.com/office/drawing/2014/main" xmlns="" id="{2E170935-075B-E9F1-39F5-718251B4ECCC}"/>
               </a:ext>
             </a:extLst>
           </p:cNvPr>
@@ -20201,7 +19061,7 @@
           <p:cNvPr id="7" name="Table 3">
             <a:extLst>
               <a:ext uri="{FF2B5EF4-FFF2-40B4-BE49-F238E27FC236}">
-                <a16:creationId xmlns="" xmlns:a16="http://schemas.microsoft.com/office/drawing/2014/main" id="{422A8208-A563-A55B-5344-09BD741BE766}"/>
+                <a16:creationId xmlns:a16="http://schemas.microsoft.com/office/drawing/2014/main" xmlns="" id="{422A8208-A563-A55B-5344-09BD741BE766}"/>
               </a:ext>
             </a:extLst>
           </p:cNvPr>
@@ -20230,14 +19090,14 @@
                 <a:gridCol w="4517033">
                   <a:extLst>
                     <a:ext uri="{9D8B030D-6E8A-4147-A177-3AD203B41FA5}">
-                      <a16:colId xmlns="" xmlns:a16="http://schemas.microsoft.com/office/drawing/2014/main" val="3102874728"/>
+                      <a16:colId xmlns:a16="http://schemas.microsoft.com/office/drawing/2014/main" xmlns="" val="3102874728"/>
                     </a:ext>
                   </a:extLst>
                 </a:gridCol>
                 <a:gridCol w="4517033">
                   <a:extLst>
                     <a:ext uri="{9D8B030D-6E8A-4147-A177-3AD203B41FA5}">
-                      <a16:colId xmlns="" xmlns:a16="http://schemas.microsoft.com/office/drawing/2014/main" val="3824228278"/>
+                      <a16:colId xmlns:a16="http://schemas.microsoft.com/office/drawing/2014/main" xmlns="" val="3824228278"/>
                     </a:ext>
                   </a:extLst>
                 </a:gridCol>
@@ -20394,7 +19254,7 @@
                 </a:tc>
                 <a:extLst>
                   <a:ext uri="{0D108BD9-81ED-4DB2-BD59-A6C34878D82A}">
-                    <a16:rowId xmlns="" xmlns:a16="http://schemas.microsoft.com/office/drawing/2014/main" val="4006425940"/>
+                    <a16:rowId xmlns:a16="http://schemas.microsoft.com/office/drawing/2014/main" xmlns="" val="4006425940"/>
                   </a:ext>
                 </a:extLst>
               </a:tr>
@@ -20567,7 +19427,7 @@
                 </a:tc>
                 <a:extLst>
                   <a:ext uri="{0D108BD9-81ED-4DB2-BD59-A6C34878D82A}">
-                    <a16:rowId xmlns="" xmlns:a16="http://schemas.microsoft.com/office/drawing/2014/main" val="2195307831"/>
+                    <a16:rowId xmlns:a16="http://schemas.microsoft.com/office/drawing/2014/main" xmlns="" val="2195307831"/>
                   </a:ext>
                 </a:extLst>
               </a:tr>
@@ -20917,7 +19777,7 @@
                 </a:tc>
                 <a:extLst>
                   <a:ext uri="{0D108BD9-81ED-4DB2-BD59-A6C34878D82A}">
-                    <a16:rowId xmlns="" xmlns:a16="http://schemas.microsoft.com/office/drawing/2014/main" val="4228649827"/>
+                    <a16:rowId xmlns:a16="http://schemas.microsoft.com/office/drawing/2014/main" xmlns="" val="4228649827"/>
                   </a:ext>
                 </a:extLst>
               </a:tr>
@@ -21099,7 +19959,7 @@
                 </a:tc>
                 <a:extLst>
                   <a:ext uri="{0D108BD9-81ED-4DB2-BD59-A6C34878D82A}">
-                    <a16:rowId xmlns="" xmlns:a16="http://schemas.microsoft.com/office/drawing/2014/main" val="2880154858"/>
+                    <a16:rowId xmlns:a16="http://schemas.microsoft.com/office/drawing/2014/main" xmlns="" val="2880154858"/>
                   </a:ext>
                 </a:extLst>
               </a:tr>
@@ -21272,7 +20132,7 @@
                 </a:tc>
                 <a:extLst>
                   <a:ext uri="{0D108BD9-81ED-4DB2-BD59-A6C34878D82A}">
-                    <a16:rowId xmlns="" xmlns:a16="http://schemas.microsoft.com/office/drawing/2014/main" val="941017362"/>
+                    <a16:rowId xmlns:a16="http://schemas.microsoft.com/office/drawing/2014/main" xmlns="" val="941017362"/>
                   </a:ext>
                 </a:extLst>
               </a:tr>
@@ -21291,7 +20151,7 @@
     <a:masterClrMapping/>
   </p:clrMapOvr>
   <mc:AlternateContent xmlns:mc="http://schemas.openxmlformats.org/markup-compatibility/2006">
-    <mc:Choice xmlns:p159="http://schemas.microsoft.com/office/powerpoint/2015/09/main" xmlns="" Requires="p159">
+    <mc:Choice xmlns="" xmlns:p159="http://schemas.microsoft.com/office/powerpoint/2015/09/main" Requires="p159">
       <p:transition xmlns:p14="http://schemas.microsoft.com/office/powerpoint/2010/main" spd="slow" p14:dur="2000">
         <p159:morph option="byObject"/>
       </p:transition>
@@ -21305,91 +20165,9 @@
   <p:timing>
     <p:tnLst>
       <p:par>
-        <p:cTn id="1" dur="indefinite" restart="never" nodeType="tmRoot">
-          <p:childTnLst>
-            <p:seq concurrent="1" nextAc="seek">
-              <p:cTn id="2" dur="indefinite" nodeType="mainSeq">
-                <p:childTnLst>
-                  <p:par>
-                    <p:cTn id="3" fill="hold">
-                      <p:stCondLst>
-                        <p:cond delay="indefinite"/>
-                        <p:cond evt="onBegin" delay="0">
-                          <p:tn val="2"/>
-                        </p:cond>
-                      </p:stCondLst>
-                      <p:childTnLst>
-                        <p:par>
-                          <p:cTn id="4" fill="hold">
-                            <p:stCondLst>
-                              <p:cond delay="0"/>
-                            </p:stCondLst>
-                            <p:childTnLst>
-                              <p:par>
-                                <p:cTn id="5" presetID="22" presetClass="entr" presetSubtype="8" fill="hold" grpId="0" nodeType="afterEffect">
-                                  <p:stCondLst>
-                                    <p:cond delay="0"/>
-                                  </p:stCondLst>
-                                  <p:childTnLst>
-                                    <p:set>
-                                      <p:cBhvr>
-                                        <p:cTn id="6" dur="1" fill="hold">
-                                          <p:stCondLst>
-                                            <p:cond delay="0"/>
-                                          </p:stCondLst>
-                                        </p:cTn>
-                                        <p:tgtEl>
-                                          <p:spTgt spid="30"/>
-                                        </p:tgtEl>
-                                        <p:attrNameLst>
-                                          <p:attrName>style.visibility</p:attrName>
-                                        </p:attrNameLst>
-                                      </p:cBhvr>
-                                      <p:to>
-                                        <p:strVal val="visible"/>
-                                      </p:to>
-                                    </p:set>
-                                    <p:animEffect transition="in" filter="wipe(left)">
-                                      <p:cBhvr>
-                                        <p:cTn id="7" dur="500"/>
-                                        <p:tgtEl>
-                                          <p:spTgt spid="30"/>
-                                        </p:tgtEl>
-                                      </p:cBhvr>
-                                    </p:animEffect>
-                                  </p:childTnLst>
-                                </p:cTn>
-                              </p:par>
-                            </p:childTnLst>
-                          </p:cTn>
-                        </p:par>
-                      </p:childTnLst>
-                    </p:cTn>
-                  </p:par>
-                </p:childTnLst>
-              </p:cTn>
-              <p:prevCondLst>
-                <p:cond evt="onPrev" delay="0">
-                  <p:tgtEl>
-                    <p:sldTgt/>
-                  </p:tgtEl>
-                </p:cond>
-              </p:prevCondLst>
-              <p:nextCondLst>
-                <p:cond evt="onNext" delay="0">
-                  <p:tgtEl>
-                    <p:sldTgt/>
-                  </p:tgtEl>
-                </p:cond>
-              </p:nextCondLst>
-            </p:seq>
-          </p:childTnLst>
-        </p:cTn>
+        <p:cTn id="1" dur="indefinite" restart="never" nodeType="tmRoot"/>
       </p:par>
     </p:tnLst>
-    <p:bldLst>
-      <p:bldP spid="30" grpId="0"/>
-    </p:bldLst>
   </p:timing>
 </p:sld>
 </file>
@@ -21416,7 +20194,7 @@
           <p:cNvPr id="16" name="Título 1">
             <a:extLst>
               <a:ext uri="{FF2B5EF4-FFF2-40B4-BE49-F238E27FC236}">
-                <a16:creationId xmlns:a16="http://schemas.microsoft.com/office/drawing/2014/main" xmlns="" id="{D5FD1066-7FA1-9BF9-22F0-F52B6DDCD8D0}"/>
+                <a16:creationId xmlns="" xmlns:a16="http://schemas.microsoft.com/office/drawing/2014/main" id="{D5FD1066-7FA1-9BF9-22F0-F52B6DDCD8D0}"/>
               </a:ext>
             </a:extLst>
           </p:cNvPr>
@@ -21496,7 +20274,7 @@
           <p:cNvPr id="28" name="Rectángulo redondeado 8">
             <a:extLst>
               <a:ext uri="{FF2B5EF4-FFF2-40B4-BE49-F238E27FC236}">
-                <a16:creationId xmlns="" xmlns:a16="http://schemas.microsoft.com/office/drawing/2014/main" id="{277BA7B5-969F-97FA-876B-9353DE62E89F}"/>
+                <a16:creationId xmlns:a16="http://schemas.microsoft.com/office/drawing/2014/main" xmlns="" id="{277BA7B5-969F-97FA-876B-9353DE62E89F}"/>
               </a:ext>
             </a:extLst>
           </p:cNvPr>
@@ -21550,7 +20328,7 @@
           <p:cNvPr id="30" name="Rectangle 68">
             <a:extLst>
               <a:ext uri="{FF2B5EF4-FFF2-40B4-BE49-F238E27FC236}">
-                <a16:creationId xmlns="" xmlns:a16="http://schemas.microsoft.com/office/drawing/2014/main" id="{2E170935-075B-E9F1-39F5-718251B4ECCC}"/>
+                <a16:creationId xmlns:a16="http://schemas.microsoft.com/office/drawing/2014/main" xmlns="" id="{2E170935-075B-E9F1-39F5-718251B4ECCC}"/>
               </a:ext>
             </a:extLst>
           </p:cNvPr>
@@ -21647,7 +20425,7 @@
           <p:cNvPr id="7" name="Table 3">
             <a:extLst>
               <a:ext uri="{FF2B5EF4-FFF2-40B4-BE49-F238E27FC236}">
-                <a16:creationId xmlns="" xmlns:a16="http://schemas.microsoft.com/office/drawing/2014/main" id="{422A8208-A563-A55B-5344-09BD741BE766}"/>
+                <a16:creationId xmlns:a16="http://schemas.microsoft.com/office/drawing/2014/main" xmlns="" id="{422A8208-A563-A55B-5344-09BD741BE766}"/>
               </a:ext>
             </a:extLst>
           </p:cNvPr>
@@ -21676,14 +20454,14 @@
                 <a:gridCol w="4517033">
                   <a:extLst>
                     <a:ext uri="{9D8B030D-6E8A-4147-A177-3AD203B41FA5}">
-                      <a16:colId xmlns="" xmlns:a16="http://schemas.microsoft.com/office/drawing/2014/main" val="3102874728"/>
+                      <a16:colId xmlns:a16="http://schemas.microsoft.com/office/drawing/2014/main" xmlns="" val="3102874728"/>
                     </a:ext>
                   </a:extLst>
                 </a:gridCol>
                 <a:gridCol w="4517033">
                   <a:extLst>
                     <a:ext uri="{9D8B030D-6E8A-4147-A177-3AD203B41FA5}">
-                      <a16:colId xmlns="" xmlns:a16="http://schemas.microsoft.com/office/drawing/2014/main" val="3824228278"/>
+                      <a16:colId xmlns:a16="http://schemas.microsoft.com/office/drawing/2014/main" xmlns="" val="3824228278"/>
                     </a:ext>
                   </a:extLst>
                 </a:gridCol>
@@ -21829,7 +20607,7 @@
                 </a:tc>
                 <a:extLst>
                   <a:ext uri="{0D108BD9-81ED-4DB2-BD59-A6C34878D82A}">
-                    <a16:rowId xmlns="" xmlns:a16="http://schemas.microsoft.com/office/drawing/2014/main" val="4006425940"/>
+                    <a16:rowId xmlns:a16="http://schemas.microsoft.com/office/drawing/2014/main" xmlns="" val="4006425940"/>
                   </a:ext>
                 </a:extLst>
               </a:tr>
@@ -22002,7 +20780,7 @@
                 </a:tc>
                 <a:extLst>
                   <a:ext uri="{0D108BD9-81ED-4DB2-BD59-A6C34878D82A}">
-                    <a16:rowId xmlns="" xmlns:a16="http://schemas.microsoft.com/office/drawing/2014/main" val="2195307831"/>
+                    <a16:rowId xmlns:a16="http://schemas.microsoft.com/office/drawing/2014/main" xmlns="" val="2195307831"/>
                   </a:ext>
                 </a:extLst>
               </a:tr>
@@ -22114,16 +20892,7 @@
                           <a:cs typeface="Montserrat Light"/>
                           <a:sym typeface="Montserrat Light"/>
                         </a:rPr>
-                        <a:t> = </a:t>
-                      </a:r>
-                      <a:r>
-                        <a:rPr lang="es-MX" sz="1600" baseline="0" smtClean="0">
-                          <a:latin typeface="Verdana" panose="020B0604030504040204" pitchFamily="34" charset="0"/>
-                          <a:ea typeface="Verdana" panose="020B0604030504040204" pitchFamily="34" charset="0"/>
-                          <a:cs typeface="Montserrat Light"/>
-                          <a:sym typeface="Montserrat Light"/>
-                        </a:rPr>
-                        <a:t>5</a:t>
+                        <a:t> = 5</a:t>
                       </a:r>
                       <a:endParaRPr sz="1600">
                         <a:latin typeface="Verdana" panose="020B0604030504040204" pitchFamily="34" charset="0"/>
@@ -22361,7 +21130,7 @@
                 </a:tc>
                 <a:extLst>
                   <a:ext uri="{0D108BD9-81ED-4DB2-BD59-A6C34878D82A}">
-                    <a16:rowId xmlns="" xmlns:a16="http://schemas.microsoft.com/office/drawing/2014/main" val="4228649827"/>
+                    <a16:rowId xmlns:a16="http://schemas.microsoft.com/office/drawing/2014/main" xmlns="" val="4228649827"/>
                   </a:ext>
                 </a:extLst>
               </a:tr>
@@ -22539,7 +21308,7 @@
                 </a:tc>
                 <a:extLst>
                   <a:ext uri="{0D108BD9-81ED-4DB2-BD59-A6C34878D82A}">
-                    <a16:rowId xmlns="" xmlns:a16="http://schemas.microsoft.com/office/drawing/2014/main" val="2880154858"/>
+                    <a16:rowId xmlns:a16="http://schemas.microsoft.com/office/drawing/2014/main" xmlns="" val="2880154858"/>
                   </a:ext>
                 </a:extLst>
               </a:tr>
@@ -22642,34 +21411,7 @@
                           <a:cs typeface="Montserrat Light"/>
                           <a:sym typeface="Montserrat Light"/>
                         </a:rPr>
-                        <a:t>(T3, </a:t>
-                      </a:r>
-                      <a:r>
-                        <a:rPr lang="es-MX" sz="1600" smtClean="0">
-                          <a:latin typeface="Verdana" panose="020B0604030504040204" pitchFamily="34" charset="0"/>
-                          <a:ea typeface="Verdana" panose="020B0604030504040204" pitchFamily="34" charset="0"/>
-                          <a:cs typeface="Montserrat Light"/>
-                          <a:sym typeface="Montserrat Light"/>
-                        </a:rPr>
-                        <a:t>T5) </a:t>
-                      </a:r>
-                      <a:r>
-                        <a:rPr lang="es-MX" sz="1600" smtClean="0">
-                          <a:latin typeface="Verdana" panose="020B0604030504040204" pitchFamily="34" charset="0"/>
-                          <a:ea typeface="Verdana" panose="020B0604030504040204" pitchFamily="34" charset="0"/>
-                          <a:cs typeface="Montserrat Light"/>
-                          <a:sym typeface="Montserrat Light"/>
-                        </a:rPr>
-                        <a:t>= </a:t>
-                      </a:r>
-                      <a:r>
-                        <a:rPr lang="es-MX" sz="1600" smtClean="0">
-                          <a:latin typeface="Verdana" panose="020B0604030504040204" pitchFamily="34" charset="0"/>
-                          <a:ea typeface="Verdana" panose="020B0604030504040204" pitchFamily="34" charset="0"/>
-                          <a:cs typeface="Montserrat Light"/>
-                          <a:sym typeface="Montserrat Light"/>
-                        </a:rPr>
-                        <a:t>2</a:t>
+                        <a:t>(T3, T5) = 2</a:t>
                       </a:r>
                       <a:endParaRPr sz="1600">
                         <a:latin typeface="Verdana" panose="020B0604030504040204" pitchFamily="34" charset="0"/>
@@ -22739,7 +21481,7 @@
                 </a:tc>
                 <a:extLst>
                   <a:ext uri="{0D108BD9-81ED-4DB2-BD59-A6C34878D82A}">
-                    <a16:rowId xmlns="" xmlns:a16="http://schemas.microsoft.com/office/drawing/2014/main" val="941017362"/>
+                    <a16:rowId xmlns:a16="http://schemas.microsoft.com/office/drawing/2014/main" xmlns="" val="941017362"/>
                   </a:ext>
                 </a:extLst>
               </a:tr>
@@ -22758,7 +21500,7 @@
     <a:masterClrMapping/>
   </p:clrMapOvr>
   <mc:AlternateContent xmlns:mc="http://schemas.openxmlformats.org/markup-compatibility/2006">
-    <mc:Choice xmlns:p159="http://schemas.microsoft.com/office/powerpoint/2015/09/main" xmlns="" Requires="p159">
+    <mc:Choice xmlns="" xmlns:p159="http://schemas.microsoft.com/office/powerpoint/2015/09/main" Requires="p159">
       <p:transition xmlns:p14="http://schemas.microsoft.com/office/powerpoint/2010/main" spd="slow" p14:dur="2000">
         <p159:morph option="byObject"/>
       </p:transition>
@@ -22772,91 +21514,9 @@
   <p:timing>
     <p:tnLst>
       <p:par>
-        <p:cTn id="1" dur="indefinite" restart="never" nodeType="tmRoot">
-          <p:childTnLst>
-            <p:seq concurrent="1" nextAc="seek">
-              <p:cTn id="2" dur="indefinite" nodeType="mainSeq">
-                <p:childTnLst>
-                  <p:par>
-                    <p:cTn id="3" fill="hold">
-                      <p:stCondLst>
-                        <p:cond delay="indefinite"/>
-                        <p:cond evt="onBegin" delay="0">
-                          <p:tn val="2"/>
-                        </p:cond>
-                      </p:stCondLst>
-                      <p:childTnLst>
-                        <p:par>
-                          <p:cTn id="4" fill="hold">
-                            <p:stCondLst>
-                              <p:cond delay="0"/>
-                            </p:stCondLst>
-                            <p:childTnLst>
-                              <p:par>
-                                <p:cTn id="5" presetID="22" presetClass="entr" presetSubtype="8" fill="hold" grpId="0" nodeType="afterEffect">
-                                  <p:stCondLst>
-                                    <p:cond delay="0"/>
-                                  </p:stCondLst>
-                                  <p:childTnLst>
-                                    <p:set>
-                                      <p:cBhvr>
-                                        <p:cTn id="6" dur="1" fill="hold">
-                                          <p:stCondLst>
-                                            <p:cond delay="0"/>
-                                          </p:stCondLst>
-                                        </p:cTn>
-                                        <p:tgtEl>
-                                          <p:spTgt spid="30"/>
-                                        </p:tgtEl>
-                                        <p:attrNameLst>
-                                          <p:attrName>style.visibility</p:attrName>
-                                        </p:attrNameLst>
-                                      </p:cBhvr>
-                                      <p:to>
-                                        <p:strVal val="visible"/>
-                                      </p:to>
-                                    </p:set>
-                                    <p:animEffect transition="in" filter="wipe(left)">
-                                      <p:cBhvr>
-                                        <p:cTn id="7" dur="500"/>
-                                        <p:tgtEl>
-                                          <p:spTgt spid="30"/>
-                                        </p:tgtEl>
-                                      </p:cBhvr>
-                                    </p:animEffect>
-                                  </p:childTnLst>
-                                </p:cTn>
-                              </p:par>
-                            </p:childTnLst>
-                          </p:cTn>
-                        </p:par>
-                      </p:childTnLst>
-                    </p:cTn>
-                  </p:par>
-                </p:childTnLst>
-              </p:cTn>
-              <p:prevCondLst>
-                <p:cond evt="onPrev" delay="0">
-                  <p:tgtEl>
-                    <p:sldTgt/>
-                  </p:tgtEl>
-                </p:cond>
-              </p:prevCondLst>
-              <p:nextCondLst>
-                <p:cond evt="onNext" delay="0">
-                  <p:tgtEl>
-                    <p:sldTgt/>
-                  </p:tgtEl>
-                </p:cond>
-              </p:nextCondLst>
-            </p:seq>
-          </p:childTnLst>
-        </p:cTn>
+        <p:cTn id="1" dur="indefinite" restart="never" nodeType="tmRoot"/>
       </p:par>
     </p:tnLst>
-    <p:bldLst>
-      <p:bldP spid="30" grpId="0"/>
-    </p:bldLst>
   </p:timing>
 </p:sld>
 </file>
@@ -22883,7 +21543,7 @@
           <p:cNvPr id="16" name="Título 1">
             <a:extLst>
               <a:ext uri="{FF2B5EF4-FFF2-40B4-BE49-F238E27FC236}">
-                <a16:creationId xmlns:a16="http://schemas.microsoft.com/office/drawing/2014/main" xmlns="" id="{D5FD1066-7FA1-9BF9-22F0-F52B6DDCD8D0}"/>
+                <a16:creationId xmlns="" xmlns:a16="http://schemas.microsoft.com/office/drawing/2014/main" id="{D5FD1066-7FA1-9BF9-22F0-F52B6DDCD8D0}"/>
               </a:ext>
             </a:extLst>
           </p:cNvPr>
@@ -22963,7 +21623,7 @@
           <p:cNvPr id="28" name="Rectángulo redondeado 8">
             <a:extLst>
               <a:ext uri="{FF2B5EF4-FFF2-40B4-BE49-F238E27FC236}">
-                <a16:creationId xmlns="" xmlns:a16="http://schemas.microsoft.com/office/drawing/2014/main" id="{277BA7B5-969F-97FA-876B-9353DE62E89F}"/>
+                <a16:creationId xmlns:a16="http://schemas.microsoft.com/office/drawing/2014/main" xmlns="" id="{277BA7B5-969F-97FA-876B-9353DE62E89F}"/>
               </a:ext>
             </a:extLst>
           </p:cNvPr>
@@ -23017,7 +21677,7 @@
           <p:cNvPr id="30" name="Rectangle 68">
             <a:extLst>
               <a:ext uri="{FF2B5EF4-FFF2-40B4-BE49-F238E27FC236}">
-                <a16:creationId xmlns="" xmlns:a16="http://schemas.microsoft.com/office/drawing/2014/main" id="{2E170935-075B-E9F1-39F5-718251B4ECCC}"/>
+                <a16:creationId xmlns:a16="http://schemas.microsoft.com/office/drawing/2014/main" xmlns="" id="{2E170935-075B-E9F1-39F5-718251B4ECCC}"/>
               </a:ext>
             </a:extLst>
           </p:cNvPr>
@@ -23114,7 +21774,7 @@
           <p:cNvPr id="7" name="Table 3">
             <a:extLst>
               <a:ext uri="{FF2B5EF4-FFF2-40B4-BE49-F238E27FC236}">
-                <a16:creationId xmlns="" xmlns:a16="http://schemas.microsoft.com/office/drawing/2014/main" id="{422A8208-A563-A55B-5344-09BD741BE766}"/>
+                <a16:creationId xmlns:a16="http://schemas.microsoft.com/office/drawing/2014/main" xmlns="" id="{422A8208-A563-A55B-5344-09BD741BE766}"/>
               </a:ext>
             </a:extLst>
           </p:cNvPr>
@@ -23143,14 +21803,14 @@
                 <a:gridCol w="4517033">
                   <a:extLst>
                     <a:ext uri="{9D8B030D-6E8A-4147-A177-3AD203B41FA5}">
-                      <a16:colId xmlns="" xmlns:a16="http://schemas.microsoft.com/office/drawing/2014/main" val="3102874728"/>
+                      <a16:colId xmlns:a16="http://schemas.microsoft.com/office/drawing/2014/main" xmlns="" val="3102874728"/>
                     </a:ext>
                   </a:extLst>
                 </a:gridCol>
                 <a:gridCol w="4517033">
                   <a:extLst>
                     <a:ext uri="{9D8B030D-6E8A-4147-A177-3AD203B41FA5}">
-                      <a16:colId xmlns="" xmlns:a16="http://schemas.microsoft.com/office/drawing/2014/main" val="3824228278"/>
+                      <a16:colId xmlns:a16="http://schemas.microsoft.com/office/drawing/2014/main" xmlns="" val="3824228278"/>
                     </a:ext>
                   </a:extLst>
                 </a:gridCol>
@@ -23296,7 +21956,7 @@
                 </a:tc>
                 <a:extLst>
                   <a:ext uri="{0D108BD9-81ED-4DB2-BD59-A6C34878D82A}">
-                    <a16:rowId xmlns="" xmlns:a16="http://schemas.microsoft.com/office/drawing/2014/main" val="4006425940"/>
+                    <a16:rowId xmlns:a16="http://schemas.microsoft.com/office/drawing/2014/main" xmlns="" val="4006425940"/>
                   </a:ext>
                 </a:extLst>
               </a:tr>
@@ -23469,7 +22129,7 @@
                 </a:tc>
                 <a:extLst>
                   <a:ext uri="{0D108BD9-81ED-4DB2-BD59-A6C34878D82A}">
-                    <a16:rowId xmlns="" xmlns:a16="http://schemas.microsoft.com/office/drawing/2014/main" val="2195307831"/>
+                    <a16:rowId xmlns:a16="http://schemas.microsoft.com/office/drawing/2014/main" xmlns="" val="2195307831"/>
                   </a:ext>
                 </a:extLst>
               </a:tr>
@@ -23819,7 +22479,7 @@
                 </a:tc>
                 <a:extLst>
                   <a:ext uri="{0D108BD9-81ED-4DB2-BD59-A6C34878D82A}">
-                    <a16:rowId xmlns="" xmlns:a16="http://schemas.microsoft.com/office/drawing/2014/main" val="4228649827"/>
+                    <a16:rowId xmlns:a16="http://schemas.microsoft.com/office/drawing/2014/main" xmlns="" val="4228649827"/>
                   </a:ext>
                 </a:extLst>
               </a:tr>
@@ -24001,7 +22661,7 @@
                 </a:tc>
                 <a:extLst>
                   <a:ext uri="{0D108BD9-81ED-4DB2-BD59-A6C34878D82A}">
-                    <a16:rowId xmlns="" xmlns:a16="http://schemas.microsoft.com/office/drawing/2014/main" val="941017362"/>
+                    <a16:rowId xmlns:a16="http://schemas.microsoft.com/office/drawing/2014/main" xmlns="" val="941017362"/>
                   </a:ext>
                 </a:extLst>
               </a:tr>
@@ -24020,7 +22680,7 @@
     <a:masterClrMapping/>
   </p:clrMapOvr>
   <mc:AlternateContent xmlns:mc="http://schemas.openxmlformats.org/markup-compatibility/2006">
-    <mc:Choice xmlns:p159="http://schemas.microsoft.com/office/powerpoint/2015/09/main" xmlns="" Requires="p159">
+    <mc:Choice xmlns="" xmlns:p159="http://schemas.microsoft.com/office/powerpoint/2015/09/main" Requires="p159">
       <p:transition xmlns:p14="http://schemas.microsoft.com/office/powerpoint/2010/main" spd="slow" p14:dur="2000">
         <p159:morph option="byObject"/>
       </p:transition>
@@ -24034,91 +22694,9 @@
   <p:timing>
     <p:tnLst>
       <p:par>
-        <p:cTn id="1" dur="indefinite" restart="never" nodeType="tmRoot">
-          <p:childTnLst>
-            <p:seq concurrent="1" nextAc="seek">
-              <p:cTn id="2" dur="indefinite" nodeType="mainSeq">
-                <p:childTnLst>
-                  <p:par>
-                    <p:cTn id="3" fill="hold">
-                      <p:stCondLst>
-                        <p:cond delay="indefinite"/>
-                        <p:cond evt="onBegin" delay="0">
-                          <p:tn val="2"/>
-                        </p:cond>
-                      </p:stCondLst>
-                      <p:childTnLst>
-                        <p:par>
-                          <p:cTn id="4" fill="hold">
-                            <p:stCondLst>
-                              <p:cond delay="0"/>
-                            </p:stCondLst>
-                            <p:childTnLst>
-                              <p:par>
-                                <p:cTn id="5" presetID="22" presetClass="entr" presetSubtype="8" fill="hold" grpId="0" nodeType="afterEffect">
-                                  <p:stCondLst>
-                                    <p:cond delay="0"/>
-                                  </p:stCondLst>
-                                  <p:childTnLst>
-                                    <p:set>
-                                      <p:cBhvr>
-                                        <p:cTn id="6" dur="1" fill="hold">
-                                          <p:stCondLst>
-                                            <p:cond delay="0"/>
-                                          </p:stCondLst>
-                                        </p:cTn>
-                                        <p:tgtEl>
-                                          <p:spTgt spid="30"/>
-                                        </p:tgtEl>
-                                        <p:attrNameLst>
-                                          <p:attrName>style.visibility</p:attrName>
-                                        </p:attrNameLst>
-                                      </p:cBhvr>
-                                      <p:to>
-                                        <p:strVal val="visible"/>
-                                      </p:to>
-                                    </p:set>
-                                    <p:animEffect transition="in" filter="wipe(left)">
-                                      <p:cBhvr>
-                                        <p:cTn id="7" dur="500"/>
-                                        <p:tgtEl>
-                                          <p:spTgt spid="30"/>
-                                        </p:tgtEl>
-                                      </p:cBhvr>
-                                    </p:animEffect>
-                                  </p:childTnLst>
-                                </p:cTn>
-                              </p:par>
-                            </p:childTnLst>
-                          </p:cTn>
-                        </p:par>
-                      </p:childTnLst>
-                    </p:cTn>
-                  </p:par>
-                </p:childTnLst>
-              </p:cTn>
-              <p:prevCondLst>
-                <p:cond evt="onPrev" delay="0">
-                  <p:tgtEl>
-                    <p:sldTgt/>
-                  </p:tgtEl>
-                </p:cond>
-              </p:prevCondLst>
-              <p:nextCondLst>
-                <p:cond evt="onNext" delay="0">
-                  <p:tgtEl>
-                    <p:sldTgt/>
-                  </p:tgtEl>
-                </p:cond>
-              </p:nextCondLst>
-            </p:seq>
-          </p:childTnLst>
-        </p:cTn>
+        <p:cTn id="1" dur="indefinite" restart="never" nodeType="tmRoot"/>
       </p:par>
     </p:tnLst>
-    <p:bldLst>
-      <p:bldP spid="30" grpId="0"/>
-    </p:bldLst>
   </p:timing>
 </p:sld>
 </file>
@@ -24145,7 +22723,7 @@
           <p:cNvPr id="16" name="Título 1">
             <a:extLst>
               <a:ext uri="{FF2B5EF4-FFF2-40B4-BE49-F238E27FC236}">
-                <a16:creationId xmlns:a16="http://schemas.microsoft.com/office/drawing/2014/main" xmlns="" id="{D5FD1066-7FA1-9BF9-22F0-F52B6DDCD8D0}"/>
+                <a16:creationId xmlns="" xmlns:a16="http://schemas.microsoft.com/office/drawing/2014/main" id="{D5FD1066-7FA1-9BF9-22F0-F52B6DDCD8D0}"/>
               </a:ext>
             </a:extLst>
           </p:cNvPr>
@@ -24225,7 +22803,7 @@
           <p:cNvPr id="28" name="Rectángulo redondeado 8">
             <a:extLst>
               <a:ext uri="{FF2B5EF4-FFF2-40B4-BE49-F238E27FC236}">
-                <a16:creationId xmlns="" xmlns:a16="http://schemas.microsoft.com/office/drawing/2014/main" id="{277BA7B5-969F-97FA-876B-9353DE62E89F}"/>
+                <a16:creationId xmlns:a16="http://schemas.microsoft.com/office/drawing/2014/main" xmlns="" id="{277BA7B5-969F-97FA-876B-9353DE62E89F}"/>
               </a:ext>
             </a:extLst>
           </p:cNvPr>
@@ -24279,7 +22857,7 @@
           <p:cNvPr id="30" name="Rectangle 68">
             <a:extLst>
               <a:ext uri="{FF2B5EF4-FFF2-40B4-BE49-F238E27FC236}">
-                <a16:creationId xmlns="" xmlns:a16="http://schemas.microsoft.com/office/drawing/2014/main" id="{2E170935-075B-E9F1-39F5-718251B4ECCC}"/>
+                <a16:creationId xmlns:a16="http://schemas.microsoft.com/office/drawing/2014/main" xmlns="" id="{2E170935-075B-E9F1-39F5-718251B4ECCC}"/>
               </a:ext>
             </a:extLst>
           </p:cNvPr>
@@ -24376,7 +22954,7 @@
           <p:cNvPr id="9" name="Table 3">
             <a:extLst>
               <a:ext uri="{FF2B5EF4-FFF2-40B4-BE49-F238E27FC236}">
-                <a16:creationId xmlns="" xmlns:a16="http://schemas.microsoft.com/office/drawing/2014/main" id="{422A8208-A563-A55B-5344-09BD741BE766}"/>
+                <a16:creationId xmlns:a16="http://schemas.microsoft.com/office/drawing/2014/main" xmlns="" id="{422A8208-A563-A55B-5344-09BD741BE766}"/>
               </a:ext>
             </a:extLst>
           </p:cNvPr>
@@ -24405,14 +22983,14 @@
                 <a:gridCol w="4517033">
                   <a:extLst>
                     <a:ext uri="{9D8B030D-6E8A-4147-A177-3AD203B41FA5}">
-                      <a16:colId xmlns="" xmlns:a16="http://schemas.microsoft.com/office/drawing/2014/main" val="3102874728"/>
+                      <a16:colId xmlns:a16="http://schemas.microsoft.com/office/drawing/2014/main" xmlns="" val="3102874728"/>
                     </a:ext>
                   </a:extLst>
                 </a:gridCol>
                 <a:gridCol w="4517033">
                   <a:extLst>
                     <a:ext uri="{9D8B030D-6E8A-4147-A177-3AD203B41FA5}">
-                      <a16:colId xmlns="" xmlns:a16="http://schemas.microsoft.com/office/drawing/2014/main" val="3824228278"/>
+                      <a16:colId xmlns:a16="http://schemas.microsoft.com/office/drawing/2014/main" xmlns="" val="3824228278"/>
                     </a:ext>
                   </a:extLst>
                 </a:gridCol>
@@ -24558,7 +23136,7 @@
                 </a:tc>
                 <a:extLst>
                   <a:ext uri="{0D108BD9-81ED-4DB2-BD59-A6C34878D82A}">
-                    <a16:rowId xmlns="" xmlns:a16="http://schemas.microsoft.com/office/drawing/2014/main" val="4006425940"/>
+                    <a16:rowId xmlns:a16="http://schemas.microsoft.com/office/drawing/2014/main" xmlns="" val="4006425940"/>
                   </a:ext>
                 </a:extLst>
               </a:tr>
@@ -24740,7 +23318,7 @@
                 </a:tc>
                 <a:extLst>
                   <a:ext uri="{0D108BD9-81ED-4DB2-BD59-A6C34878D82A}">
-                    <a16:rowId xmlns="" xmlns:a16="http://schemas.microsoft.com/office/drawing/2014/main" val="2195307831"/>
+                    <a16:rowId xmlns:a16="http://schemas.microsoft.com/office/drawing/2014/main" xmlns="" val="2195307831"/>
                   </a:ext>
                 </a:extLst>
               </a:tr>
@@ -25090,7 +23668,7 @@
                 </a:tc>
                 <a:extLst>
                   <a:ext uri="{0D108BD9-81ED-4DB2-BD59-A6C34878D82A}">
-                    <a16:rowId xmlns="" xmlns:a16="http://schemas.microsoft.com/office/drawing/2014/main" val="4228649827"/>
+                    <a16:rowId xmlns:a16="http://schemas.microsoft.com/office/drawing/2014/main" xmlns="" val="4228649827"/>
                   </a:ext>
                 </a:extLst>
               </a:tr>
@@ -25272,7 +23850,7 @@
                 </a:tc>
                 <a:extLst>
                   <a:ext uri="{0D108BD9-81ED-4DB2-BD59-A6C34878D82A}">
-                    <a16:rowId xmlns="" xmlns:a16="http://schemas.microsoft.com/office/drawing/2014/main" val="941017362"/>
+                    <a16:rowId xmlns:a16="http://schemas.microsoft.com/office/drawing/2014/main" xmlns="" val="941017362"/>
                   </a:ext>
                 </a:extLst>
               </a:tr>
@@ -25621,7 +24199,7 @@
           <p:cNvPr id="8" name="Rectangle 68">
             <a:extLst>
               <a:ext uri="{FF2B5EF4-FFF2-40B4-BE49-F238E27FC236}">
-                <a16:creationId xmlns="" xmlns:a16="http://schemas.microsoft.com/office/drawing/2014/main" id="{2E170935-075B-E9F1-39F5-718251B4ECCC}"/>
+                <a16:creationId xmlns:a16="http://schemas.microsoft.com/office/drawing/2014/main" xmlns="" id="{2E170935-075B-E9F1-39F5-718251B4ECCC}"/>
               </a:ext>
             </a:extLst>
           </p:cNvPr>
@@ -25681,7 +24259,7 @@
     <a:masterClrMapping/>
   </p:clrMapOvr>
   <mc:AlternateContent xmlns:mc="http://schemas.openxmlformats.org/markup-compatibility/2006">
-    <mc:Choice xmlns:p159="http://schemas.microsoft.com/office/powerpoint/2015/09/main" xmlns="" Requires="p159">
+    <mc:Choice xmlns="" xmlns:p159="http://schemas.microsoft.com/office/powerpoint/2015/09/main" Requires="p159">
       <p:transition xmlns:p14="http://schemas.microsoft.com/office/powerpoint/2010/main" spd="slow" p14:dur="2000">
         <p159:morph option="byObject"/>
       </p:transition>
@@ -25695,136 +24273,9 @@
   <p:timing>
     <p:tnLst>
       <p:par>
-        <p:cTn id="1" dur="indefinite" restart="never" nodeType="tmRoot">
-          <p:childTnLst>
-            <p:seq concurrent="1" nextAc="seek">
-              <p:cTn id="2" dur="indefinite" nodeType="mainSeq">
-                <p:childTnLst>
-                  <p:par>
-                    <p:cTn id="3" fill="hold">
-                      <p:stCondLst>
-                        <p:cond delay="indefinite"/>
-                        <p:cond evt="onBegin" delay="0">
-                          <p:tn val="2"/>
-                        </p:cond>
-                      </p:stCondLst>
-                      <p:childTnLst>
-                        <p:par>
-                          <p:cTn id="4" fill="hold">
-                            <p:stCondLst>
-                              <p:cond delay="0"/>
-                            </p:stCondLst>
-                            <p:childTnLst>
-                              <p:par>
-                                <p:cTn id="5" presetID="22" presetClass="entr" presetSubtype="8" fill="hold" grpId="0" nodeType="afterEffect">
-                                  <p:stCondLst>
-                                    <p:cond delay="0"/>
-                                  </p:stCondLst>
-                                  <p:childTnLst>
-                                    <p:set>
-                                      <p:cBhvr>
-                                        <p:cTn id="6" dur="1" fill="hold">
-                                          <p:stCondLst>
-                                            <p:cond delay="0"/>
-                                          </p:stCondLst>
-                                        </p:cTn>
-                                        <p:tgtEl>
-                                          <p:spTgt spid="30"/>
-                                        </p:tgtEl>
-                                        <p:attrNameLst>
-                                          <p:attrName>style.visibility</p:attrName>
-                                        </p:attrNameLst>
-                                      </p:cBhvr>
-                                      <p:to>
-                                        <p:strVal val="visible"/>
-                                      </p:to>
-                                    </p:set>
-                                    <p:animEffect transition="in" filter="wipe(left)">
-                                      <p:cBhvr>
-                                        <p:cTn id="7" dur="500"/>
-                                        <p:tgtEl>
-                                          <p:spTgt spid="30"/>
-                                        </p:tgtEl>
-                                      </p:cBhvr>
-                                    </p:animEffect>
-                                  </p:childTnLst>
-                                </p:cTn>
-                              </p:par>
-                            </p:childTnLst>
-                          </p:cTn>
-                        </p:par>
-                        <p:par>
-                          <p:cTn id="8" fill="hold">
-                            <p:stCondLst>
-                              <p:cond delay="500"/>
-                            </p:stCondLst>
-                            <p:childTnLst>
-                              <p:par>
-                                <p:cTn id="9" presetID="22" presetClass="entr" presetSubtype="8" fill="hold" grpId="0" nodeType="afterEffect">
-                                  <p:stCondLst>
-                                    <p:cond delay="0"/>
-                                  </p:stCondLst>
-                                  <p:childTnLst>
-                                    <p:set>
-                                      <p:cBhvr>
-                                        <p:cTn id="10" dur="1" fill="hold">
-                                          <p:stCondLst>
-                                            <p:cond delay="0"/>
-                                          </p:stCondLst>
-                                        </p:cTn>
-                                        <p:tgtEl>
-                                          <p:spTgt spid="8"/>
-                                        </p:tgtEl>
-                                        <p:attrNameLst>
-                                          <p:attrName>style.visibility</p:attrName>
-                                        </p:attrNameLst>
-                                      </p:cBhvr>
-                                      <p:to>
-                                        <p:strVal val="visible"/>
-                                      </p:to>
-                                    </p:set>
-                                    <p:animEffect transition="in" filter="wipe(left)">
-                                      <p:cBhvr>
-                                        <p:cTn id="11" dur="500"/>
-                                        <p:tgtEl>
-                                          <p:spTgt spid="8"/>
-                                        </p:tgtEl>
-                                      </p:cBhvr>
-                                    </p:animEffect>
-                                  </p:childTnLst>
-                                </p:cTn>
-                              </p:par>
-                            </p:childTnLst>
-                          </p:cTn>
-                        </p:par>
-                      </p:childTnLst>
-                    </p:cTn>
-                  </p:par>
-                </p:childTnLst>
-              </p:cTn>
-              <p:prevCondLst>
-                <p:cond evt="onPrev" delay="0">
-                  <p:tgtEl>
-                    <p:sldTgt/>
-                  </p:tgtEl>
-                </p:cond>
-              </p:prevCondLst>
-              <p:nextCondLst>
-                <p:cond evt="onNext" delay="0">
-                  <p:tgtEl>
-                    <p:sldTgt/>
-                  </p:tgtEl>
-                </p:cond>
-              </p:nextCondLst>
-            </p:seq>
-          </p:childTnLst>
-        </p:cTn>
+        <p:cTn id="1" dur="indefinite" restart="never" nodeType="tmRoot"/>
       </p:par>
     </p:tnLst>
-    <p:bldLst>
-      <p:bldP spid="30" grpId="0"/>
-      <p:bldP spid="8" grpId="0"/>
-    </p:bldLst>
   </p:timing>
 </p:sld>
 </file>
@@ -25851,7 +24302,7 @@
           <p:cNvPr id="16" name="Título 1">
             <a:extLst>
               <a:ext uri="{FF2B5EF4-FFF2-40B4-BE49-F238E27FC236}">
-                <a16:creationId xmlns:a16="http://schemas.microsoft.com/office/drawing/2014/main" xmlns="" id="{D5FD1066-7FA1-9BF9-22F0-F52B6DDCD8D0}"/>
+                <a16:creationId xmlns="" xmlns:a16="http://schemas.microsoft.com/office/drawing/2014/main" id="{D5FD1066-7FA1-9BF9-22F0-F52B6DDCD8D0}"/>
               </a:ext>
             </a:extLst>
           </p:cNvPr>
@@ -25931,7 +24382,7 @@
           <p:cNvPr id="28" name="Rectángulo redondeado 8">
             <a:extLst>
               <a:ext uri="{FF2B5EF4-FFF2-40B4-BE49-F238E27FC236}">
-                <a16:creationId xmlns="" xmlns:a16="http://schemas.microsoft.com/office/drawing/2014/main" id="{277BA7B5-969F-97FA-876B-9353DE62E89F}"/>
+                <a16:creationId xmlns:a16="http://schemas.microsoft.com/office/drawing/2014/main" xmlns="" id="{277BA7B5-969F-97FA-876B-9353DE62E89F}"/>
               </a:ext>
             </a:extLst>
           </p:cNvPr>
@@ -25985,7 +24436,7 @@
           <p:cNvPr id="30" name="Rectangle 68">
             <a:extLst>
               <a:ext uri="{FF2B5EF4-FFF2-40B4-BE49-F238E27FC236}">
-                <a16:creationId xmlns="" xmlns:a16="http://schemas.microsoft.com/office/drawing/2014/main" id="{2E170935-075B-E9F1-39F5-718251B4ECCC}"/>
+                <a16:creationId xmlns:a16="http://schemas.microsoft.com/office/drawing/2014/main" xmlns="" id="{2E170935-075B-E9F1-39F5-718251B4ECCC}"/>
               </a:ext>
             </a:extLst>
           </p:cNvPr>
@@ -26082,7 +24533,7 @@
           <p:cNvPr id="10" name="Table 3">
             <a:extLst>
               <a:ext uri="{FF2B5EF4-FFF2-40B4-BE49-F238E27FC236}">
-                <a16:creationId xmlns="" xmlns:a16="http://schemas.microsoft.com/office/drawing/2014/main" id="{422A8208-A563-A55B-5344-09BD741BE766}"/>
+                <a16:creationId xmlns:a16="http://schemas.microsoft.com/office/drawing/2014/main" xmlns="" id="{422A8208-A563-A55B-5344-09BD741BE766}"/>
               </a:ext>
             </a:extLst>
           </p:cNvPr>
@@ -26111,14 +24562,14 @@
                 <a:gridCol w="4517033">
                   <a:extLst>
                     <a:ext uri="{9D8B030D-6E8A-4147-A177-3AD203B41FA5}">
-                      <a16:colId xmlns="" xmlns:a16="http://schemas.microsoft.com/office/drawing/2014/main" val="3102874728"/>
+                      <a16:colId xmlns:a16="http://schemas.microsoft.com/office/drawing/2014/main" xmlns="" val="3102874728"/>
                     </a:ext>
                   </a:extLst>
                 </a:gridCol>
                 <a:gridCol w="4517033">
                   <a:extLst>
                     <a:ext uri="{9D8B030D-6E8A-4147-A177-3AD203B41FA5}">
-                      <a16:colId xmlns="" xmlns:a16="http://schemas.microsoft.com/office/drawing/2014/main" val="3824228278"/>
+                      <a16:colId xmlns:a16="http://schemas.microsoft.com/office/drawing/2014/main" xmlns="" val="3824228278"/>
                     </a:ext>
                   </a:extLst>
                 </a:gridCol>
@@ -26264,7 +24715,7 @@
                 </a:tc>
                 <a:extLst>
                   <a:ext uri="{0D108BD9-81ED-4DB2-BD59-A6C34878D82A}">
-                    <a16:rowId xmlns="" xmlns:a16="http://schemas.microsoft.com/office/drawing/2014/main" val="4006425940"/>
+                    <a16:rowId xmlns:a16="http://schemas.microsoft.com/office/drawing/2014/main" xmlns="" val="4006425940"/>
                   </a:ext>
                 </a:extLst>
               </a:tr>
@@ -26446,7 +24897,7 @@
                 </a:tc>
                 <a:extLst>
                   <a:ext uri="{0D108BD9-81ED-4DB2-BD59-A6C34878D82A}">
-                    <a16:rowId xmlns="" xmlns:a16="http://schemas.microsoft.com/office/drawing/2014/main" val="2195307831"/>
+                    <a16:rowId xmlns:a16="http://schemas.microsoft.com/office/drawing/2014/main" xmlns="" val="2195307831"/>
                   </a:ext>
                 </a:extLst>
               </a:tr>
@@ -26796,7 +25247,7 @@
                 </a:tc>
                 <a:extLst>
                   <a:ext uri="{0D108BD9-81ED-4DB2-BD59-A6C34878D82A}">
-                    <a16:rowId xmlns="" xmlns:a16="http://schemas.microsoft.com/office/drawing/2014/main" val="4228649827"/>
+                    <a16:rowId xmlns:a16="http://schemas.microsoft.com/office/drawing/2014/main" xmlns="" val="4228649827"/>
                   </a:ext>
                 </a:extLst>
               </a:tr>
@@ -26978,7 +25429,7 @@
                 </a:tc>
                 <a:extLst>
                   <a:ext uri="{0D108BD9-81ED-4DB2-BD59-A6C34878D82A}">
-                    <a16:rowId xmlns="" xmlns:a16="http://schemas.microsoft.com/office/drawing/2014/main" val="941017362"/>
+                    <a16:rowId xmlns:a16="http://schemas.microsoft.com/office/drawing/2014/main" xmlns="" val="941017362"/>
                   </a:ext>
                 </a:extLst>
               </a:tr>
@@ -27333,7 +25784,7 @@
     <a:masterClrMapping/>
   </p:clrMapOvr>
   <mc:AlternateContent xmlns:mc="http://schemas.openxmlformats.org/markup-compatibility/2006">
-    <mc:Choice xmlns:p159="http://schemas.microsoft.com/office/powerpoint/2015/09/main" xmlns="" Requires="p159">
+    <mc:Choice xmlns="" xmlns:p159="http://schemas.microsoft.com/office/powerpoint/2015/09/main" Requires="p159">
       <p:transition xmlns:p14="http://schemas.microsoft.com/office/powerpoint/2010/main" spd="slow" p14:dur="2000">
         <p159:morph option="byObject"/>
       </p:transition>
@@ -27347,91 +25798,9 @@
   <p:timing>
     <p:tnLst>
       <p:par>
-        <p:cTn id="1" dur="indefinite" restart="never" nodeType="tmRoot">
-          <p:childTnLst>
-            <p:seq concurrent="1" nextAc="seek">
-              <p:cTn id="2" dur="indefinite" nodeType="mainSeq">
-                <p:childTnLst>
-                  <p:par>
-                    <p:cTn id="3" fill="hold">
-                      <p:stCondLst>
-                        <p:cond delay="indefinite"/>
-                        <p:cond evt="onBegin" delay="0">
-                          <p:tn val="2"/>
-                        </p:cond>
-                      </p:stCondLst>
-                      <p:childTnLst>
-                        <p:par>
-                          <p:cTn id="4" fill="hold">
-                            <p:stCondLst>
-                              <p:cond delay="0"/>
-                            </p:stCondLst>
-                            <p:childTnLst>
-                              <p:par>
-                                <p:cTn id="5" presetID="22" presetClass="entr" presetSubtype="8" fill="hold" grpId="0" nodeType="afterEffect">
-                                  <p:stCondLst>
-                                    <p:cond delay="0"/>
-                                  </p:stCondLst>
-                                  <p:childTnLst>
-                                    <p:set>
-                                      <p:cBhvr>
-                                        <p:cTn id="6" dur="1" fill="hold">
-                                          <p:stCondLst>
-                                            <p:cond delay="0"/>
-                                          </p:stCondLst>
-                                        </p:cTn>
-                                        <p:tgtEl>
-                                          <p:spTgt spid="30"/>
-                                        </p:tgtEl>
-                                        <p:attrNameLst>
-                                          <p:attrName>style.visibility</p:attrName>
-                                        </p:attrNameLst>
-                                      </p:cBhvr>
-                                      <p:to>
-                                        <p:strVal val="visible"/>
-                                      </p:to>
-                                    </p:set>
-                                    <p:animEffect transition="in" filter="wipe(left)">
-                                      <p:cBhvr>
-                                        <p:cTn id="7" dur="500"/>
-                                        <p:tgtEl>
-                                          <p:spTgt spid="30"/>
-                                        </p:tgtEl>
-                                      </p:cBhvr>
-                                    </p:animEffect>
-                                  </p:childTnLst>
-                                </p:cTn>
-                              </p:par>
-                            </p:childTnLst>
-                          </p:cTn>
-                        </p:par>
-                      </p:childTnLst>
-                    </p:cTn>
-                  </p:par>
-                </p:childTnLst>
-              </p:cTn>
-              <p:prevCondLst>
-                <p:cond evt="onPrev" delay="0">
-                  <p:tgtEl>
-                    <p:sldTgt/>
-                  </p:tgtEl>
-                </p:cond>
-              </p:prevCondLst>
-              <p:nextCondLst>
-                <p:cond evt="onNext" delay="0">
-                  <p:tgtEl>
-                    <p:sldTgt/>
-                  </p:tgtEl>
-                </p:cond>
-              </p:nextCondLst>
-            </p:seq>
-          </p:childTnLst>
-        </p:cTn>
+        <p:cTn id="1" dur="indefinite" restart="never" nodeType="tmRoot"/>
       </p:par>
     </p:tnLst>
-    <p:bldLst>
-      <p:bldP spid="30" grpId="0"/>
-    </p:bldLst>
   </p:timing>
 </p:sld>
 </file>
@@ -27458,7 +25827,7 @@
           <p:cNvPr id="16" name="Título 1">
             <a:extLst>
               <a:ext uri="{FF2B5EF4-FFF2-40B4-BE49-F238E27FC236}">
-                <a16:creationId xmlns:a16="http://schemas.microsoft.com/office/drawing/2014/main" xmlns="" id="{D5FD1066-7FA1-9BF9-22F0-F52B6DDCD8D0}"/>
+                <a16:creationId xmlns="" xmlns:a16="http://schemas.microsoft.com/office/drawing/2014/main" id="{D5FD1066-7FA1-9BF9-22F0-F52B6DDCD8D0}"/>
               </a:ext>
             </a:extLst>
           </p:cNvPr>
@@ -27506,7 +25875,7 @@
           <p:cNvPr id="21" name="Subtítulo 2">
             <a:extLst>
               <a:ext uri="{FF2B5EF4-FFF2-40B4-BE49-F238E27FC236}">
-                <a16:creationId xmlns:a16="http://schemas.microsoft.com/office/drawing/2014/main" xmlns="" id="{3DFC87B0-799A-C4EE-D680-F89FA1274BED}"/>
+                <a16:creationId xmlns="" xmlns:a16="http://schemas.microsoft.com/office/drawing/2014/main" id="{3DFC87B0-799A-C4EE-D680-F89FA1274BED}"/>
               </a:ext>
             </a:extLst>
           </p:cNvPr>
@@ -27786,7 +26155,7 @@
     <a:masterClrMapping/>
   </p:clrMapOvr>
   <mc:AlternateContent xmlns:mc="http://schemas.openxmlformats.org/markup-compatibility/2006">
-    <mc:Choice xmlns:p159="http://schemas.microsoft.com/office/powerpoint/2015/09/main" xmlns="" Requires="p159">
+    <mc:Choice xmlns="" xmlns:p159="http://schemas.microsoft.com/office/powerpoint/2015/09/main" Requires="p159">
       <p:transition xmlns:p14="http://schemas.microsoft.com/office/powerpoint/2010/main" spd="slow" p14:dur="2000">
         <p159:morph option="byObject"/>
       </p:transition>
@@ -27829,7 +26198,7 @@
           <p:cNvPr id="16" name="Título 1">
             <a:extLst>
               <a:ext uri="{FF2B5EF4-FFF2-40B4-BE49-F238E27FC236}">
-                <a16:creationId xmlns:a16="http://schemas.microsoft.com/office/drawing/2014/main" xmlns="" id="{D5FD1066-7FA1-9BF9-22F0-F52B6DDCD8D0}"/>
+                <a16:creationId xmlns="" xmlns:a16="http://schemas.microsoft.com/office/drawing/2014/main" id="{D5FD1066-7FA1-9BF9-22F0-F52B6DDCD8D0}"/>
               </a:ext>
             </a:extLst>
           </p:cNvPr>
@@ -27909,7 +26278,7 @@
           <p:cNvPr id="28" name="Rectángulo redondeado 8">
             <a:extLst>
               <a:ext uri="{FF2B5EF4-FFF2-40B4-BE49-F238E27FC236}">
-                <a16:creationId xmlns="" xmlns:a16="http://schemas.microsoft.com/office/drawing/2014/main" id="{277BA7B5-969F-97FA-876B-9353DE62E89F}"/>
+                <a16:creationId xmlns:a16="http://schemas.microsoft.com/office/drawing/2014/main" xmlns="" id="{277BA7B5-969F-97FA-876B-9353DE62E89F}"/>
               </a:ext>
             </a:extLst>
           </p:cNvPr>
@@ -27963,7 +26332,7 @@
           <p:cNvPr id="30" name="Rectangle 68">
             <a:extLst>
               <a:ext uri="{FF2B5EF4-FFF2-40B4-BE49-F238E27FC236}">
-                <a16:creationId xmlns="" xmlns:a16="http://schemas.microsoft.com/office/drawing/2014/main" id="{2E170935-075B-E9F1-39F5-718251B4ECCC}"/>
+                <a16:creationId xmlns:a16="http://schemas.microsoft.com/office/drawing/2014/main" xmlns="" id="{2E170935-075B-E9F1-39F5-718251B4ECCC}"/>
               </a:ext>
             </a:extLst>
           </p:cNvPr>
@@ -28060,7 +26429,7 @@
           <p:cNvPr id="10" name="Table 3">
             <a:extLst>
               <a:ext uri="{FF2B5EF4-FFF2-40B4-BE49-F238E27FC236}">
-                <a16:creationId xmlns="" xmlns:a16="http://schemas.microsoft.com/office/drawing/2014/main" id="{422A8208-A563-A55B-5344-09BD741BE766}"/>
+                <a16:creationId xmlns:a16="http://schemas.microsoft.com/office/drawing/2014/main" xmlns="" id="{422A8208-A563-A55B-5344-09BD741BE766}"/>
               </a:ext>
             </a:extLst>
           </p:cNvPr>
@@ -28089,14 +26458,14 @@
                 <a:gridCol w="4517033">
                   <a:extLst>
                     <a:ext uri="{9D8B030D-6E8A-4147-A177-3AD203B41FA5}">
-                      <a16:colId xmlns="" xmlns:a16="http://schemas.microsoft.com/office/drawing/2014/main" val="3102874728"/>
+                      <a16:colId xmlns:a16="http://schemas.microsoft.com/office/drawing/2014/main" xmlns="" val="3102874728"/>
                     </a:ext>
                   </a:extLst>
                 </a:gridCol>
                 <a:gridCol w="4517033">
                   <a:extLst>
                     <a:ext uri="{9D8B030D-6E8A-4147-A177-3AD203B41FA5}">
-                      <a16:colId xmlns="" xmlns:a16="http://schemas.microsoft.com/office/drawing/2014/main" val="3824228278"/>
+                      <a16:colId xmlns:a16="http://schemas.microsoft.com/office/drawing/2014/main" xmlns="" val="3824228278"/>
                     </a:ext>
                   </a:extLst>
                 </a:gridCol>
@@ -28242,7 +26611,7 @@
                 </a:tc>
                 <a:extLst>
                   <a:ext uri="{0D108BD9-81ED-4DB2-BD59-A6C34878D82A}">
-                    <a16:rowId xmlns="" xmlns:a16="http://schemas.microsoft.com/office/drawing/2014/main" val="4006425940"/>
+                    <a16:rowId xmlns:a16="http://schemas.microsoft.com/office/drawing/2014/main" xmlns="" val="4006425940"/>
                   </a:ext>
                 </a:extLst>
               </a:tr>
@@ -28424,7 +26793,7 @@
                 </a:tc>
                 <a:extLst>
                   <a:ext uri="{0D108BD9-81ED-4DB2-BD59-A6C34878D82A}">
-                    <a16:rowId xmlns="" xmlns:a16="http://schemas.microsoft.com/office/drawing/2014/main" val="2195307831"/>
+                    <a16:rowId xmlns:a16="http://schemas.microsoft.com/office/drawing/2014/main" xmlns="" val="2195307831"/>
                   </a:ext>
                 </a:extLst>
               </a:tr>
@@ -28774,7 +27143,7 @@
                 </a:tc>
                 <a:extLst>
                   <a:ext uri="{0D108BD9-81ED-4DB2-BD59-A6C34878D82A}">
-                    <a16:rowId xmlns="" xmlns:a16="http://schemas.microsoft.com/office/drawing/2014/main" val="941017362"/>
+                    <a16:rowId xmlns:a16="http://schemas.microsoft.com/office/drawing/2014/main" xmlns="" val="941017362"/>
                   </a:ext>
                 </a:extLst>
               </a:tr>
@@ -28961,7 +27330,7 @@
     <a:masterClrMapping/>
   </p:clrMapOvr>
   <mc:AlternateContent xmlns:mc="http://schemas.openxmlformats.org/markup-compatibility/2006">
-    <mc:Choice xmlns:p159="http://schemas.microsoft.com/office/powerpoint/2015/09/main" xmlns="" Requires="p159">
+    <mc:Choice xmlns="" xmlns:p159="http://schemas.microsoft.com/office/powerpoint/2015/09/main" Requires="p159">
       <p:transition xmlns:p14="http://schemas.microsoft.com/office/powerpoint/2010/main" spd="slow" p14:dur="2000">
         <p159:morph option="byObject"/>
       </p:transition>
@@ -28975,91 +27344,9 @@
   <p:timing>
     <p:tnLst>
       <p:par>
-        <p:cTn id="1" dur="indefinite" restart="never" nodeType="tmRoot">
-          <p:childTnLst>
-            <p:seq concurrent="1" nextAc="seek">
-              <p:cTn id="2" dur="indefinite" nodeType="mainSeq">
-                <p:childTnLst>
-                  <p:par>
-                    <p:cTn id="3" fill="hold">
-                      <p:stCondLst>
-                        <p:cond delay="indefinite"/>
-                        <p:cond evt="onBegin" delay="0">
-                          <p:tn val="2"/>
-                        </p:cond>
-                      </p:stCondLst>
-                      <p:childTnLst>
-                        <p:par>
-                          <p:cTn id="4" fill="hold">
-                            <p:stCondLst>
-                              <p:cond delay="0"/>
-                            </p:stCondLst>
-                            <p:childTnLst>
-                              <p:par>
-                                <p:cTn id="5" presetID="22" presetClass="entr" presetSubtype="8" fill="hold" grpId="0" nodeType="afterEffect">
-                                  <p:stCondLst>
-                                    <p:cond delay="0"/>
-                                  </p:stCondLst>
-                                  <p:childTnLst>
-                                    <p:set>
-                                      <p:cBhvr>
-                                        <p:cTn id="6" dur="1" fill="hold">
-                                          <p:stCondLst>
-                                            <p:cond delay="0"/>
-                                          </p:stCondLst>
-                                        </p:cTn>
-                                        <p:tgtEl>
-                                          <p:spTgt spid="30"/>
-                                        </p:tgtEl>
-                                        <p:attrNameLst>
-                                          <p:attrName>style.visibility</p:attrName>
-                                        </p:attrNameLst>
-                                      </p:cBhvr>
-                                      <p:to>
-                                        <p:strVal val="visible"/>
-                                      </p:to>
-                                    </p:set>
-                                    <p:animEffect transition="in" filter="wipe(left)">
-                                      <p:cBhvr>
-                                        <p:cTn id="7" dur="500"/>
-                                        <p:tgtEl>
-                                          <p:spTgt spid="30"/>
-                                        </p:tgtEl>
-                                      </p:cBhvr>
-                                    </p:animEffect>
-                                  </p:childTnLst>
-                                </p:cTn>
-                              </p:par>
-                            </p:childTnLst>
-                          </p:cTn>
-                        </p:par>
-                      </p:childTnLst>
-                    </p:cTn>
-                  </p:par>
-                </p:childTnLst>
-              </p:cTn>
-              <p:prevCondLst>
-                <p:cond evt="onPrev" delay="0">
-                  <p:tgtEl>
-                    <p:sldTgt/>
-                  </p:tgtEl>
-                </p:cond>
-              </p:prevCondLst>
-              <p:nextCondLst>
-                <p:cond evt="onNext" delay="0">
-                  <p:tgtEl>
-                    <p:sldTgt/>
-                  </p:tgtEl>
-                </p:cond>
-              </p:nextCondLst>
-            </p:seq>
-          </p:childTnLst>
-        </p:cTn>
+        <p:cTn id="1" dur="indefinite" restart="never" nodeType="tmRoot"/>
       </p:par>
     </p:tnLst>
-    <p:bldLst>
-      <p:bldP spid="30" grpId="0"/>
-    </p:bldLst>
   </p:timing>
 </p:sld>
 </file>
@@ -29086,7 +27373,7 @@
           <p:cNvPr id="16" name="Título 1">
             <a:extLst>
               <a:ext uri="{FF2B5EF4-FFF2-40B4-BE49-F238E27FC236}">
-                <a16:creationId xmlns:a16="http://schemas.microsoft.com/office/drawing/2014/main" xmlns="" id="{D5FD1066-7FA1-9BF9-22F0-F52B6DDCD8D0}"/>
+                <a16:creationId xmlns="" xmlns:a16="http://schemas.microsoft.com/office/drawing/2014/main" id="{D5FD1066-7FA1-9BF9-22F0-F52B6DDCD8D0}"/>
               </a:ext>
             </a:extLst>
           </p:cNvPr>
@@ -29166,7 +27453,7 @@
           <p:cNvPr id="28" name="Rectángulo redondeado 8">
             <a:extLst>
               <a:ext uri="{FF2B5EF4-FFF2-40B4-BE49-F238E27FC236}">
-                <a16:creationId xmlns="" xmlns:a16="http://schemas.microsoft.com/office/drawing/2014/main" id="{277BA7B5-969F-97FA-876B-9353DE62E89F}"/>
+                <a16:creationId xmlns:a16="http://schemas.microsoft.com/office/drawing/2014/main" xmlns="" id="{277BA7B5-969F-97FA-876B-9353DE62E89F}"/>
               </a:ext>
             </a:extLst>
           </p:cNvPr>
@@ -29220,7 +27507,7 @@
           <p:cNvPr id="30" name="Rectangle 68">
             <a:extLst>
               <a:ext uri="{FF2B5EF4-FFF2-40B4-BE49-F238E27FC236}">
-                <a16:creationId xmlns="" xmlns:a16="http://schemas.microsoft.com/office/drawing/2014/main" id="{2E170935-075B-E9F1-39F5-718251B4ECCC}"/>
+                <a16:creationId xmlns:a16="http://schemas.microsoft.com/office/drawing/2014/main" xmlns="" id="{2E170935-075B-E9F1-39F5-718251B4ECCC}"/>
               </a:ext>
             </a:extLst>
           </p:cNvPr>
@@ -29317,7 +27604,7 @@
           <p:cNvPr id="9" name="Table 3">
             <a:extLst>
               <a:ext uri="{FF2B5EF4-FFF2-40B4-BE49-F238E27FC236}">
-                <a16:creationId xmlns="" xmlns:a16="http://schemas.microsoft.com/office/drawing/2014/main" id="{422A8208-A563-A55B-5344-09BD741BE766}"/>
+                <a16:creationId xmlns:a16="http://schemas.microsoft.com/office/drawing/2014/main" xmlns="" id="{422A8208-A563-A55B-5344-09BD741BE766}"/>
               </a:ext>
             </a:extLst>
           </p:cNvPr>
@@ -29346,14 +27633,14 @@
                 <a:gridCol w="4517033">
                   <a:extLst>
                     <a:ext uri="{9D8B030D-6E8A-4147-A177-3AD203B41FA5}">
-                      <a16:colId xmlns="" xmlns:a16="http://schemas.microsoft.com/office/drawing/2014/main" val="3102874728"/>
+                      <a16:colId xmlns:a16="http://schemas.microsoft.com/office/drawing/2014/main" xmlns="" val="3102874728"/>
                     </a:ext>
                   </a:extLst>
                 </a:gridCol>
                 <a:gridCol w="4517033">
                   <a:extLst>
                     <a:ext uri="{9D8B030D-6E8A-4147-A177-3AD203B41FA5}">
-                      <a16:colId xmlns="" xmlns:a16="http://schemas.microsoft.com/office/drawing/2014/main" val="3824228278"/>
+                      <a16:colId xmlns:a16="http://schemas.microsoft.com/office/drawing/2014/main" xmlns="" val="3824228278"/>
                     </a:ext>
                   </a:extLst>
                 </a:gridCol>
@@ -29499,7 +27786,7 @@
                 </a:tc>
                 <a:extLst>
                   <a:ext uri="{0D108BD9-81ED-4DB2-BD59-A6C34878D82A}">
-                    <a16:rowId xmlns="" xmlns:a16="http://schemas.microsoft.com/office/drawing/2014/main" val="4006425940"/>
+                    <a16:rowId xmlns:a16="http://schemas.microsoft.com/office/drawing/2014/main" xmlns="" val="4006425940"/>
                   </a:ext>
                 </a:extLst>
               </a:tr>
@@ -29672,7 +27959,7 @@
                 </a:tc>
                 <a:extLst>
                   <a:ext uri="{0D108BD9-81ED-4DB2-BD59-A6C34878D82A}">
-                    <a16:rowId xmlns="" xmlns:a16="http://schemas.microsoft.com/office/drawing/2014/main" val="2195307831"/>
+                    <a16:rowId xmlns:a16="http://schemas.microsoft.com/office/drawing/2014/main" xmlns="" val="2195307831"/>
                   </a:ext>
                 </a:extLst>
               </a:tr>
@@ -30013,7 +28300,7 @@
                 </a:tc>
                 <a:extLst>
                   <a:ext uri="{0D108BD9-81ED-4DB2-BD59-A6C34878D82A}">
-                    <a16:rowId xmlns="" xmlns:a16="http://schemas.microsoft.com/office/drawing/2014/main" val="2880154858"/>
+                    <a16:rowId xmlns:a16="http://schemas.microsoft.com/office/drawing/2014/main" xmlns="" val="2880154858"/>
                   </a:ext>
                 </a:extLst>
               </a:tr>
@@ -30186,7 +28473,7 @@
                 </a:tc>
                 <a:extLst>
                   <a:ext uri="{0D108BD9-81ED-4DB2-BD59-A6C34878D82A}">
-                    <a16:rowId xmlns="" xmlns:a16="http://schemas.microsoft.com/office/drawing/2014/main" val="941017362"/>
+                    <a16:rowId xmlns:a16="http://schemas.microsoft.com/office/drawing/2014/main" xmlns="" val="941017362"/>
                   </a:ext>
                 </a:extLst>
               </a:tr>
@@ -30199,7 +28486,7 @@
           <p:cNvPr id="10" name="Rectangle 68">
             <a:extLst>
               <a:ext uri="{FF2B5EF4-FFF2-40B4-BE49-F238E27FC236}">
-                <a16:creationId xmlns="" xmlns:a16="http://schemas.microsoft.com/office/drawing/2014/main" id="{2E170935-075B-E9F1-39F5-718251B4ECCC}"/>
+                <a16:creationId xmlns:a16="http://schemas.microsoft.com/office/drawing/2014/main" xmlns="" id="{2E170935-075B-E9F1-39F5-718251B4ECCC}"/>
               </a:ext>
             </a:extLst>
           </p:cNvPr>
@@ -30259,7 +28546,7 @@
     <a:masterClrMapping/>
   </p:clrMapOvr>
   <mc:AlternateContent xmlns:mc="http://schemas.openxmlformats.org/markup-compatibility/2006">
-    <mc:Choice xmlns:p159="http://schemas.microsoft.com/office/powerpoint/2015/09/main" xmlns="" Requires="p159">
+    <mc:Choice xmlns="" xmlns:p159="http://schemas.microsoft.com/office/powerpoint/2015/09/main" Requires="p159">
       <p:transition xmlns:p14="http://schemas.microsoft.com/office/powerpoint/2010/main" spd="slow" p14:dur="2000">
         <p159:morph option="byObject"/>
       </p:transition>
@@ -30273,136 +28560,9 @@
   <p:timing>
     <p:tnLst>
       <p:par>
-        <p:cTn id="1" dur="indefinite" restart="never" nodeType="tmRoot">
-          <p:childTnLst>
-            <p:seq concurrent="1" nextAc="seek">
-              <p:cTn id="2" dur="indefinite" nodeType="mainSeq">
-                <p:childTnLst>
-                  <p:par>
-                    <p:cTn id="3" fill="hold">
-                      <p:stCondLst>
-                        <p:cond delay="indefinite"/>
-                        <p:cond evt="onBegin" delay="0">
-                          <p:tn val="2"/>
-                        </p:cond>
-                      </p:stCondLst>
-                      <p:childTnLst>
-                        <p:par>
-                          <p:cTn id="4" fill="hold">
-                            <p:stCondLst>
-                              <p:cond delay="0"/>
-                            </p:stCondLst>
-                            <p:childTnLst>
-                              <p:par>
-                                <p:cTn id="5" presetID="22" presetClass="entr" presetSubtype="8" fill="hold" grpId="0" nodeType="afterEffect">
-                                  <p:stCondLst>
-                                    <p:cond delay="0"/>
-                                  </p:stCondLst>
-                                  <p:childTnLst>
-                                    <p:set>
-                                      <p:cBhvr>
-                                        <p:cTn id="6" dur="1" fill="hold">
-                                          <p:stCondLst>
-                                            <p:cond delay="0"/>
-                                          </p:stCondLst>
-                                        </p:cTn>
-                                        <p:tgtEl>
-                                          <p:spTgt spid="30"/>
-                                        </p:tgtEl>
-                                        <p:attrNameLst>
-                                          <p:attrName>style.visibility</p:attrName>
-                                        </p:attrNameLst>
-                                      </p:cBhvr>
-                                      <p:to>
-                                        <p:strVal val="visible"/>
-                                      </p:to>
-                                    </p:set>
-                                    <p:animEffect transition="in" filter="wipe(left)">
-                                      <p:cBhvr>
-                                        <p:cTn id="7" dur="500"/>
-                                        <p:tgtEl>
-                                          <p:spTgt spid="30"/>
-                                        </p:tgtEl>
-                                      </p:cBhvr>
-                                    </p:animEffect>
-                                  </p:childTnLst>
-                                </p:cTn>
-                              </p:par>
-                            </p:childTnLst>
-                          </p:cTn>
-                        </p:par>
-                        <p:par>
-                          <p:cTn id="8" fill="hold">
-                            <p:stCondLst>
-                              <p:cond delay="500"/>
-                            </p:stCondLst>
-                            <p:childTnLst>
-                              <p:par>
-                                <p:cTn id="9" presetID="22" presetClass="entr" presetSubtype="8" fill="hold" grpId="0" nodeType="afterEffect">
-                                  <p:stCondLst>
-                                    <p:cond delay="0"/>
-                                  </p:stCondLst>
-                                  <p:childTnLst>
-                                    <p:set>
-                                      <p:cBhvr>
-                                        <p:cTn id="10" dur="1" fill="hold">
-                                          <p:stCondLst>
-                                            <p:cond delay="0"/>
-                                          </p:stCondLst>
-                                        </p:cTn>
-                                        <p:tgtEl>
-                                          <p:spTgt spid="10"/>
-                                        </p:tgtEl>
-                                        <p:attrNameLst>
-                                          <p:attrName>style.visibility</p:attrName>
-                                        </p:attrNameLst>
-                                      </p:cBhvr>
-                                      <p:to>
-                                        <p:strVal val="visible"/>
-                                      </p:to>
-                                    </p:set>
-                                    <p:animEffect transition="in" filter="wipe(left)">
-                                      <p:cBhvr>
-                                        <p:cTn id="11" dur="500"/>
-                                        <p:tgtEl>
-                                          <p:spTgt spid="10"/>
-                                        </p:tgtEl>
-                                      </p:cBhvr>
-                                    </p:animEffect>
-                                  </p:childTnLst>
-                                </p:cTn>
-                              </p:par>
-                            </p:childTnLst>
-                          </p:cTn>
-                        </p:par>
-                      </p:childTnLst>
-                    </p:cTn>
-                  </p:par>
-                </p:childTnLst>
-              </p:cTn>
-              <p:prevCondLst>
-                <p:cond evt="onPrev" delay="0">
-                  <p:tgtEl>
-                    <p:sldTgt/>
-                  </p:tgtEl>
-                </p:cond>
-              </p:prevCondLst>
-              <p:nextCondLst>
-                <p:cond evt="onNext" delay="0">
-                  <p:tgtEl>
-                    <p:sldTgt/>
-                  </p:tgtEl>
-                </p:cond>
-              </p:nextCondLst>
-            </p:seq>
-          </p:childTnLst>
-        </p:cTn>
+        <p:cTn id="1" dur="indefinite" restart="never" nodeType="tmRoot"/>
       </p:par>
     </p:tnLst>
-    <p:bldLst>
-      <p:bldP spid="30" grpId="0"/>
-      <p:bldP spid="10" grpId="0"/>
-    </p:bldLst>
   </p:timing>
 </p:sld>
 </file>
@@ -30429,7 +28589,7 @@
           <p:cNvPr id="16" name="Título 1">
             <a:extLst>
               <a:ext uri="{FF2B5EF4-FFF2-40B4-BE49-F238E27FC236}">
-                <a16:creationId xmlns:a16="http://schemas.microsoft.com/office/drawing/2014/main" xmlns="" id="{D5FD1066-7FA1-9BF9-22F0-F52B6DDCD8D0}"/>
+                <a16:creationId xmlns="" xmlns:a16="http://schemas.microsoft.com/office/drawing/2014/main" id="{D5FD1066-7FA1-9BF9-22F0-F52B6DDCD8D0}"/>
               </a:ext>
             </a:extLst>
           </p:cNvPr>
@@ -30490,15 +28650,7 @@
                   <a:srgbClr val="C228B4"/>
                 </a:solidFill>
               </a:rPr>
-              <a:t>Depuración de </a:t>
-            </a:r>
-            <a:r>
-              <a:rPr lang="es-MX">
-                <a:solidFill>
-                  <a:srgbClr val="C228B4"/>
-                </a:solidFill>
-              </a:rPr>
-              <a:t>Artículos </a:t>
+              <a:t>Depuración de Artículos </a:t>
             </a:r>
             <a:r>
               <a:rPr lang="es-MX" smtClean="0">
@@ -30524,7 +28676,7 @@
           <p:cNvPr id="28" name="Rectángulo redondeado 8">
             <a:extLst>
               <a:ext uri="{FF2B5EF4-FFF2-40B4-BE49-F238E27FC236}">
-                <a16:creationId xmlns="" xmlns:a16="http://schemas.microsoft.com/office/drawing/2014/main" id="{277BA7B5-969F-97FA-876B-9353DE62E89F}"/>
+                <a16:creationId xmlns:a16="http://schemas.microsoft.com/office/drawing/2014/main" xmlns="" id="{277BA7B5-969F-97FA-876B-9353DE62E89F}"/>
               </a:ext>
             </a:extLst>
           </p:cNvPr>
@@ -30578,7 +28730,7 @@
           <p:cNvPr id="30" name="Rectangle 68">
             <a:extLst>
               <a:ext uri="{FF2B5EF4-FFF2-40B4-BE49-F238E27FC236}">
-                <a16:creationId xmlns="" xmlns:a16="http://schemas.microsoft.com/office/drawing/2014/main" id="{2E170935-075B-E9F1-39F5-718251B4ECCC}"/>
+                <a16:creationId xmlns:a16="http://schemas.microsoft.com/office/drawing/2014/main" xmlns="" id="{2E170935-075B-E9F1-39F5-718251B4ECCC}"/>
               </a:ext>
             </a:extLst>
           </p:cNvPr>
@@ -30675,7 +28827,7 @@
           <p:cNvPr id="8" name="Table 3">
             <a:extLst>
               <a:ext uri="{FF2B5EF4-FFF2-40B4-BE49-F238E27FC236}">
-                <a16:creationId xmlns="" xmlns:a16="http://schemas.microsoft.com/office/drawing/2014/main" id="{422A8208-A563-A55B-5344-09BD741BE766}"/>
+                <a16:creationId xmlns:a16="http://schemas.microsoft.com/office/drawing/2014/main" xmlns="" id="{422A8208-A563-A55B-5344-09BD741BE766}"/>
               </a:ext>
             </a:extLst>
           </p:cNvPr>
@@ -30704,14 +28856,14 @@
                 <a:gridCol w="4517033">
                   <a:extLst>
                     <a:ext uri="{9D8B030D-6E8A-4147-A177-3AD203B41FA5}">
-                      <a16:colId xmlns="" xmlns:a16="http://schemas.microsoft.com/office/drawing/2014/main" val="3102874728"/>
+                      <a16:colId xmlns:a16="http://schemas.microsoft.com/office/drawing/2014/main" xmlns="" val="3102874728"/>
                     </a:ext>
                   </a:extLst>
                 </a:gridCol>
                 <a:gridCol w="4517033">
                   <a:extLst>
                     <a:ext uri="{9D8B030D-6E8A-4147-A177-3AD203B41FA5}">
-                      <a16:colId xmlns="" xmlns:a16="http://schemas.microsoft.com/office/drawing/2014/main" val="3824228278"/>
+                      <a16:colId xmlns:a16="http://schemas.microsoft.com/office/drawing/2014/main" xmlns="" val="3824228278"/>
                     </a:ext>
                   </a:extLst>
                 </a:gridCol>
@@ -30857,7 +29009,7 @@
                 </a:tc>
                 <a:extLst>
                   <a:ext uri="{0D108BD9-81ED-4DB2-BD59-A6C34878D82A}">
-                    <a16:rowId xmlns="" xmlns:a16="http://schemas.microsoft.com/office/drawing/2014/main" val="4006425940"/>
+                    <a16:rowId xmlns:a16="http://schemas.microsoft.com/office/drawing/2014/main" xmlns="" val="4006425940"/>
                   </a:ext>
                 </a:extLst>
               </a:tr>
@@ -31030,7 +29182,7 @@
                 </a:tc>
                 <a:extLst>
                   <a:ext uri="{0D108BD9-81ED-4DB2-BD59-A6C34878D82A}">
-                    <a16:rowId xmlns="" xmlns:a16="http://schemas.microsoft.com/office/drawing/2014/main" val="2195307831"/>
+                    <a16:rowId xmlns:a16="http://schemas.microsoft.com/office/drawing/2014/main" xmlns="" val="2195307831"/>
                   </a:ext>
                 </a:extLst>
               </a:tr>
@@ -31371,7 +29523,7 @@
                 </a:tc>
                 <a:extLst>
                   <a:ext uri="{0D108BD9-81ED-4DB2-BD59-A6C34878D82A}">
-                    <a16:rowId xmlns="" xmlns:a16="http://schemas.microsoft.com/office/drawing/2014/main" val="2880154858"/>
+                    <a16:rowId xmlns:a16="http://schemas.microsoft.com/office/drawing/2014/main" xmlns="" val="2880154858"/>
                   </a:ext>
                 </a:extLst>
               </a:tr>
@@ -31544,7 +29696,7 @@
                 </a:tc>
                 <a:extLst>
                   <a:ext uri="{0D108BD9-81ED-4DB2-BD59-A6C34878D82A}">
-                    <a16:rowId xmlns="" xmlns:a16="http://schemas.microsoft.com/office/drawing/2014/main" val="941017362"/>
+                    <a16:rowId xmlns:a16="http://schemas.microsoft.com/office/drawing/2014/main" xmlns="" val="941017362"/>
                   </a:ext>
                 </a:extLst>
               </a:tr>
@@ -31563,7 +29715,7 @@
     <a:masterClrMapping/>
   </p:clrMapOvr>
   <mc:AlternateContent xmlns:mc="http://schemas.openxmlformats.org/markup-compatibility/2006">
-    <mc:Choice xmlns:p159="http://schemas.microsoft.com/office/powerpoint/2015/09/main" xmlns="" Requires="p159">
+    <mc:Choice xmlns="" xmlns:p159="http://schemas.microsoft.com/office/powerpoint/2015/09/main" Requires="p159">
       <p:transition xmlns:p14="http://schemas.microsoft.com/office/powerpoint/2010/main" spd="slow" p14:dur="2000">
         <p159:morph option="byObject"/>
       </p:transition>
@@ -31577,91 +29729,9 @@
   <p:timing>
     <p:tnLst>
       <p:par>
-        <p:cTn id="1" dur="indefinite" restart="never" nodeType="tmRoot">
-          <p:childTnLst>
-            <p:seq concurrent="1" nextAc="seek">
-              <p:cTn id="2" dur="indefinite" nodeType="mainSeq">
-                <p:childTnLst>
-                  <p:par>
-                    <p:cTn id="3" fill="hold">
-                      <p:stCondLst>
-                        <p:cond delay="indefinite"/>
-                        <p:cond evt="onBegin" delay="0">
-                          <p:tn val="2"/>
-                        </p:cond>
-                      </p:stCondLst>
-                      <p:childTnLst>
-                        <p:par>
-                          <p:cTn id="4" fill="hold">
-                            <p:stCondLst>
-                              <p:cond delay="0"/>
-                            </p:stCondLst>
-                            <p:childTnLst>
-                              <p:par>
-                                <p:cTn id="5" presetID="22" presetClass="entr" presetSubtype="8" fill="hold" grpId="0" nodeType="afterEffect">
-                                  <p:stCondLst>
-                                    <p:cond delay="0"/>
-                                  </p:stCondLst>
-                                  <p:childTnLst>
-                                    <p:set>
-                                      <p:cBhvr>
-                                        <p:cTn id="6" dur="1" fill="hold">
-                                          <p:stCondLst>
-                                            <p:cond delay="0"/>
-                                          </p:stCondLst>
-                                        </p:cTn>
-                                        <p:tgtEl>
-                                          <p:spTgt spid="30"/>
-                                        </p:tgtEl>
-                                        <p:attrNameLst>
-                                          <p:attrName>style.visibility</p:attrName>
-                                        </p:attrNameLst>
-                                      </p:cBhvr>
-                                      <p:to>
-                                        <p:strVal val="visible"/>
-                                      </p:to>
-                                    </p:set>
-                                    <p:animEffect transition="in" filter="wipe(left)">
-                                      <p:cBhvr>
-                                        <p:cTn id="7" dur="500"/>
-                                        <p:tgtEl>
-                                          <p:spTgt spid="30"/>
-                                        </p:tgtEl>
-                                      </p:cBhvr>
-                                    </p:animEffect>
-                                  </p:childTnLst>
-                                </p:cTn>
-                              </p:par>
-                            </p:childTnLst>
-                          </p:cTn>
-                        </p:par>
-                      </p:childTnLst>
-                    </p:cTn>
-                  </p:par>
-                </p:childTnLst>
-              </p:cTn>
-              <p:prevCondLst>
-                <p:cond evt="onPrev" delay="0">
-                  <p:tgtEl>
-                    <p:sldTgt/>
-                  </p:tgtEl>
-                </p:cond>
-              </p:prevCondLst>
-              <p:nextCondLst>
-                <p:cond evt="onNext" delay="0">
-                  <p:tgtEl>
-                    <p:sldTgt/>
-                  </p:tgtEl>
-                </p:cond>
-              </p:nextCondLst>
-            </p:seq>
-          </p:childTnLst>
-        </p:cTn>
+        <p:cTn id="1" dur="indefinite" restart="never" nodeType="tmRoot"/>
       </p:par>
     </p:tnLst>
-    <p:bldLst>
-      <p:bldP spid="30" grpId="0"/>
-    </p:bldLst>
   </p:timing>
 </p:sld>
 </file>
@@ -31688,7 +29758,7 @@
           <p:cNvPr id="16" name="Título 1">
             <a:extLst>
               <a:ext uri="{FF2B5EF4-FFF2-40B4-BE49-F238E27FC236}">
-                <a16:creationId xmlns:a16="http://schemas.microsoft.com/office/drawing/2014/main" xmlns="" id="{D5FD1066-7FA1-9BF9-22F0-F52B6DDCD8D0}"/>
+                <a16:creationId xmlns="" xmlns:a16="http://schemas.microsoft.com/office/drawing/2014/main" id="{D5FD1066-7FA1-9BF9-22F0-F52B6DDCD8D0}"/>
               </a:ext>
             </a:extLst>
           </p:cNvPr>
@@ -31749,15 +29819,7 @@
                   <a:srgbClr val="C228B4"/>
                 </a:solidFill>
               </a:rPr>
-              <a:t>Depuración de </a:t>
-            </a:r>
-            <a:r>
-              <a:rPr lang="es-MX">
-                <a:solidFill>
-                  <a:srgbClr val="C228B4"/>
-                </a:solidFill>
-              </a:rPr>
-              <a:t>Artículos </a:t>
+              <a:t>Depuración de Artículos </a:t>
             </a:r>
             <a:r>
               <a:rPr lang="es-MX" smtClean="0">
@@ -31783,7 +29845,7 @@
           <p:cNvPr id="28" name="Rectángulo redondeado 8">
             <a:extLst>
               <a:ext uri="{FF2B5EF4-FFF2-40B4-BE49-F238E27FC236}">
-                <a16:creationId xmlns="" xmlns:a16="http://schemas.microsoft.com/office/drawing/2014/main" id="{277BA7B5-969F-97FA-876B-9353DE62E89F}"/>
+                <a16:creationId xmlns:a16="http://schemas.microsoft.com/office/drawing/2014/main" xmlns="" id="{277BA7B5-969F-97FA-876B-9353DE62E89F}"/>
               </a:ext>
             </a:extLst>
           </p:cNvPr>
@@ -31837,7 +29899,7 @@
           <p:cNvPr id="30" name="Rectangle 68">
             <a:extLst>
               <a:ext uri="{FF2B5EF4-FFF2-40B4-BE49-F238E27FC236}">
-                <a16:creationId xmlns="" xmlns:a16="http://schemas.microsoft.com/office/drawing/2014/main" id="{2E170935-075B-E9F1-39F5-718251B4ECCC}"/>
+                <a16:creationId xmlns:a16="http://schemas.microsoft.com/office/drawing/2014/main" xmlns="" id="{2E170935-075B-E9F1-39F5-718251B4ECCC}"/>
               </a:ext>
             </a:extLst>
           </p:cNvPr>
@@ -31934,7 +29996,7 @@
           <p:cNvPr id="8" name="Table 3">
             <a:extLst>
               <a:ext uri="{FF2B5EF4-FFF2-40B4-BE49-F238E27FC236}">
-                <a16:creationId xmlns="" xmlns:a16="http://schemas.microsoft.com/office/drawing/2014/main" id="{422A8208-A563-A55B-5344-09BD741BE766}"/>
+                <a16:creationId xmlns:a16="http://schemas.microsoft.com/office/drawing/2014/main" xmlns="" id="{422A8208-A563-A55B-5344-09BD741BE766}"/>
               </a:ext>
             </a:extLst>
           </p:cNvPr>
@@ -31963,14 +30025,14 @@
                 <a:gridCol w="4517033">
                   <a:extLst>
                     <a:ext uri="{9D8B030D-6E8A-4147-A177-3AD203B41FA5}">
-                      <a16:colId xmlns="" xmlns:a16="http://schemas.microsoft.com/office/drawing/2014/main" val="3102874728"/>
+                      <a16:colId xmlns:a16="http://schemas.microsoft.com/office/drawing/2014/main" xmlns="" val="3102874728"/>
                     </a:ext>
                   </a:extLst>
                 </a:gridCol>
                 <a:gridCol w="4517033">
                   <a:extLst>
                     <a:ext uri="{9D8B030D-6E8A-4147-A177-3AD203B41FA5}">
-                      <a16:colId xmlns="" xmlns:a16="http://schemas.microsoft.com/office/drawing/2014/main" val="3824228278"/>
+                      <a16:colId xmlns:a16="http://schemas.microsoft.com/office/drawing/2014/main" xmlns="" val="3824228278"/>
                     </a:ext>
                   </a:extLst>
                 </a:gridCol>
@@ -32116,7 +30178,7 @@
                 </a:tc>
                 <a:extLst>
                   <a:ext uri="{0D108BD9-81ED-4DB2-BD59-A6C34878D82A}">
-                    <a16:rowId xmlns="" xmlns:a16="http://schemas.microsoft.com/office/drawing/2014/main" val="4006425940"/>
+                    <a16:rowId xmlns:a16="http://schemas.microsoft.com/office/drawing/2014/main" xmlns="" val="4006425940"/>
                   </a:ext>
                 </a:extLst>
               </a:tr>
@@ -32289,7 +30351,7 @@
                 </a:tc>
                 <a:extLst>
                   <a:ext uri="{0D108BD9-81ED-4DB2-BD59-A6C34878D82A}">
-                    <a16:rowId xmlns="" xmlns:a16="http://schemas.microsoft.com/office/drawing/2014/main" val="2195307831"/>
+                    <a16:rowId xmlns:a16="http://schemas.microsoft.com/office/drawing/2014/main" xmlns="" val="2195307831"/>
                   </a:ext>
                 </a:extLst>
               </a:tr>
@@ -32302,7 +30364,7 @@
           <p:cNvPr id="9" name="Rectangle 68">
             <a:extLst>
               <a:ext uri="{FF2B5EF4-FFF2-40B4-BE49-F238E27FC236}">
-                <a16:creationId xmlns="" xmlns:a16="http://schemas.microsoft.com/office/drawing/2014/main" id="{2E170935-075B-E9F1-39F5-718251B4ECCC}"/>
+                <a16:creationId xmlns:a16="http://schemas.microsoft.com/office/drawing/2014/main" xmlns="" id="{2E170935-075B-E9F1-39F5-718251B4ECCC}"/>
               </a:ext>
             </a:extLst>
           </p:cNvPr>
@@ -32362,7 +30424,7 @@
     <a:masterClrMapping/>
   </p:clrMapOvr>
   <mc:AlternateContent xmlns:mc="http://schemas.openxmlformats.org/markup-compatibility/2006">
-    <mc:Choice xmlns:p159="http://schemas.microsoft.com/office/powerpoint/2015/09/main" xmlns="" Requires="p159">
+    <mc:Choice xmlns="" xmlns:p159="http://schemas.microsoft.com/office/powerpoint/2015/09/main" Requires="p159">
       <p:transition xmlns:p14="http://schemas.microsoft.com/office/powerpoint/2010/main" spd="slow" p14:dur="2000">
         <p159:morph option="byObject"/>
       </p:transition>
@@ -32376,136 +30438,9 @@
   <p:timing>
     <p:tnLst>
       <p:par>
-        <p:cTn id="1" dur="indefinite" restart="never" nodeType="tmRoot">
-          <p:childTnLst>
-            <p:seq concurrent="1" nextAc="seek">
-              <p:cTn id="2" dur="indefinite" nodeType="mainSeq">
-                <p:childTnLst>
-                  <p:par>
-                    <p:cTn id="3" fill="hold">
-                      <p:stCondLst>
-                        <p:cond delay="indefinite"/>
-                        <p:cond evt="onBegin" delay="0">
-                          <p:tn val="2"/>
-                        </p:cond>
-                      </p:stCondLst>
-                      <p:childTnLst>
-                        <p:par>
-                          <p:cTn id="4" fill="hold">
-                            <p:stCondLst>
-                              <p:cond delay="0"/>
-                            </p:stCondLst>
-                            <p:childTnLst>
-                              <p:par>
-                                <p:cTn id="5" presetID="22" presetClass="entr" presetSubtype="8" fill="hold" grpId="0" nodeType="afterEffect">
-                                  <p:stCondLst>
-                                    <p:cond delay="0"/>
-                                  </p:stCondLst>
-                                  <p:childTnLst>
-                                    <p:set>
-                                      <p:cBhvr>
-                                        <p:cTn id="6" dur="1" fill="hold">
-                                          <p:stCondLst>
-                                            <p:cond delay="0"/>
-                                          </p:stCondLst>
-                                        </p:cTn>
-                                        <p:tgtEl>
-                                          <p:spTgt spid="30"/>
-                                        </p:tgtEl>
-                                        <p:attrNameLst>
-                                          <p:attrName>style.visibility</p:attrName>
-                                        </p:attrNameLst>
-                                      </p:cBhvr>
-                                      <p:to>
-                                        <p:strVal val="visible"/>
-                                      </p:to>
-                                    </p:set>
-                                    <p:animEffect transition="in" filter="wipe(left)">
-                                      <p:cBhvr>
-                                        <p:cTn id="7" dur="500"/>
-                                        <p:tgtEl>
-                                          <p:spTgt spid="30"/>
-                                        </p:tgtEl>
-                                      </p:cBhvr>
-                                    </p:animEffect>
-                                  </p:childTnLst>
-                                </p:cTn>
-                              </p:par>
-                            </p:childTnLst>
-                          </p:cTn>
-                        </p:par>
-                        <p:par>
-                          <p:cTn id="8" fill="hold">
-                            <p:stCondLst>
-                              <p:cond delay="500"/>
-                            </p:stCondLst>
-                            <p:childTnLst>
-                              <p:par>
-                                <p:cTn id="9" presetID="22" presetClass="entr" presetSubtype="8" fill="hold" grpId="0" nodeType="afterEffect">
-                                  <p:stCondLst>
-                                    <p:cond delay="0"/>
-                                  </p:stCondLst>
-                                  <p:childTnLst>
-                                    <p:set>
-                                      <p:cBhvr>
-                                        <p:cTn id="10" dur="1" fill="hold">
-                                          <p:stCondLst>
-                                            <p:cond delay="0"/>
-                                          </p:stCondLst>
-                                        </p:cTn>
-                                        <p:tgtEl>
-                                          <p:spTgt spid="9"/>
-                                        </p:tgtEl>
-                                        <p:attrNameLst>
-                                          <p:attrName>style.visibility</p:attrName>
-                                        </p:attrNameLst>
-                                      </p:cBhvr>
-                                      <p:to>
-                                        <p:strVal val="visible"/>
-                                      </p:to>
-                                    </p:set>
-                                    <p:animEffect transition="in" filter="wipe(left)">
-                                      <p:cBhvr>
-                                        <p:cTn id="11" dur="500"/>
-                                        <p:tgtEl>
-                                          <p:spTgt spid="9"/>
-                                        </p:tgtEl>
-                                      </p:cBhvr>
-                                    </p:animEffect>
-                                  </p:childTnLst>
-                                </p:cTn>
-                              </p:par>
-                            </p:childTnLst>
-                          </p:cTn>
-                        </p:par>
-                      </p:childTnLst>
-                    </p:cTn>
-                  </p:par>
-                </p:childTnLst>
-              </p:cTn>
-              <p:prevCondLst>
-                <p:cond evt="onPrev" delay="0">
-                  <p:tgtEl>
-                    <p:sldTgt/>
-                  </p:tgtEl>
-                </p:cond>
-              </p:prevCondLst>
-              <p:nextCondLst>
-                <p:cond evt="onNext" delay="0">
-                  <p:tgtEl>
-                    <p:sldTgt/>
-                  </p:tgtEl>
-                </p:cond>
-              </p:nextCondLst>
-            </p:seq>
-          </p:childTnLst>
-        </p:cTn>
+        <p:cTn id="1" dur="indefinite" restart="never" nodeType="tmRoot"/>
       </p:par>
     </p:tnLst>
-    <p:bldLst>
-      <p:bldP spid="30" grpId="0"/>
-      <p:bldP spid="9" grpId="0"/>
-    </p:bldLst>
   </p:timing>
 </p:sld>
 </file>
@@ -32532,7 +30467,7 @@
           <p:cNvPr id="16" name="Título 1">
             <a:extLst>
               <a:ext uri="{FF2B5EF4-FFF2-40B4-BE49-F238E27FC236}">
-                <a16:creationId xmlns:a16="http://schemas.microsoft.com/office/drawing/2014/main" xmlns="" id="{D5FD1066-7FA1-9BF9-22F0-F52B6DDCD8D0}"/>
+                <a16:creationId xmlns="" xmlns:a16="http://schemas.microsoft.com/office/drawing/2014/main" id="{D5FD1066-7FA1-9BF9-22F0-F52B6DDCD8D0}"/>
               </a:ext>
             </a:extLst>
           </p:cNvPr>
@@ -32612,7 +30547,7 @@
           <p:cNvPr id="28" name="Rectángulo redondeado 8">
             <a:extLst>
               <a:ext uri="{FF2B5EF4-FFF2-40B4-BE49-F238E27FC236}">
-                <a16:creationId xmlns="" xmlns:a16="http://schemas.microsoft.com/office/drawing/2014/main" id="{277BA7B5-969F-97FA-876B-9353DE62E89F}"/>
+                <a16:creationId xmlns:a16="http://schemas.microsoft.com/office/drawing/2014/main" xmlns="" id="{277BA7B5-969F-97FA-876B-9353DE62E89F}"/>
               </a:ext>
             </a:extLst>
           </p:cNvPr>
@@ -32666,7 +30601,7 @@
           <p:cNvPr id="30" name="Rectangle 68">
             <a:extLst>
               <a:ext uri="{FF2B5EF4-FFF2-40B4-BE49-F238E27FC236}">
-                <a16:creationId xmlns="" xmlns:a16="http://schemas.microsoft.com/office/drawing/2014/main" id="{2E170935-075B-E9F1-39F5-718251B4ECCC}"/>
+                <a16:creationId xmlns:a16="http://schemas.microsoft.com/office/drawing/2014/main" xmlns="" id="{2E170935-075B-E9F1-39F5-718251B4ECCC}"/>
               </a:ext>
             </a:extLst>
           </p:cNvPr>
@@ -32763,7 +30698,7 @@
           <p:cNvPr id="9" name="Table 3">
             <a:extLst>
               <a:ext uri="{FF2B5EF4-FFF2-40B4-BE49-F238E27FC236}">
-                <a16:creationId xmlns="" xmlns:a16="http://schemas.microsoft.com/office/drawing/2014/main" id="{422A8208-A563-A55B-5344-09BD741BE766}"/>
+                <a16:creationId xmlns:a16="http://schemas.microsoft.com/office/drawing/2014/main" xmlns="" id="{422A8208-A563-A55B-5344-09BD741BE766}"/>
               </a:ext>
             </a:extLst>
           </p:cNvPr>
@@ -32792,14 +30727,14 @@
                 <a:gridCol w="4517033">
                   <a:extLst>
                     <a:ext uri="{9D8B030D-6E8A-4147-A177-3AD203B41FA5}">
-                      <a16:colId xmlns="" xmlns:a16="http://schemas.microsoft.com/office/drawing/2014/main" val="3102874728"/>
+                      <a16:colId xmlns:a16="http://schemas.microsoft.com/office/drawing/2014/main" xmlns="" val="3102874728"/>
                     </a:ext>
                   </a:extLst>
                 </a:gridCol>
                 <a:gridCol w="4517033">
                   <a:extLst>
                     <a:ext uri="{9D8B030D-6E8A-4147-A177-3AD203B41FA5}">
-                      <a16:colId xmlns="" xmlns:a16="http://schemas.microsoft.com/office/drawing/2014/main" val="3824228278"/>
+                      <a16:colId xmlns:a16="http://schemas.microsoft.com/office/drawing/2014/main" xmlns="" val="3824228278"/>
                     </a:ext>
                   </a:extLst>
                 </a:gridCol>
@@ -32945,7 +30880,7 @@
                 </a:tc>
                 <a:extLst>
                   <a:ext uri="{0D108BD9-81ED-4DB2-BD59-A6C34878D82A}">
-                    <a16:rowId xmlns="" xmlns:a16="http://schemas.microsoft.com/office/drawing/2014/main" val="4006425940"/>
+                    <a16:rowId xmlns:a16="http://schemas.microsoft.com/office/drawing/2014/main" xmlns="" val="4006425940"/>
                   </a:ext>
                 </a:extLst>
               </a:tr>
@@ -33155,7 +31090,7 @@
                 </a:tc>
                 <a:extLst>
                   <a:ext uri="{0D108BD9-81ED-4DB2-BD59-A6C34878D82A}">
-                    <a16:rowId xmlns="" xmlns:a16="http://schemas.microsoft.com/office/drawing/2014/main" val="2195307831"/>
+                    <a16:rowId xmlns:a16="http://schemas.microsoft.com/office/drawing/2014/main" xmlns="" val="2195307831"/>
                   </a:ext>
                 </a:extLst>
               </a:tr>
@@ -33599,7 +31534,7 @@
                 </a:tc>
                 <a:extLst>
                   <a:ext uri="{0D108BD9-81ED-4DB2-BD59-A6C34878D82A}">
-                    <a16:rowId xmlns="" xmlns:a16="http://schemas.microsoft.com/office/drawing/2014/main" val="2880154858"/>
+                    <a16:rowId xmlns:a16="http://schemas.microsoft.com/office/drawing/2014/main" xmlns="" val="2880154858"/>
                   </a:ext>
                 </a:extLst>
               </a:tr>
@@ -33809,7 +31744,7 @@
                 </a:tc>
                 <a:extLst>
                   <a:ext uri="{0D108BD9-81ED-4DB2-BD59-A6C34878D82A}">
-                    <a16:rowId xmlns="" xmlns:a16="http://schemas.microsoft.com/office/drawing/2014/main" val="941017362"/>
+                    <a16:rowId xmlns:a16="http://schemas.microsoft.com/office/drawing/2014/main" xmlns="" val="941017362"/>
                   </a:ext>
                 </a:extLst>
               </a:tr>
@@ -34028,7 +31963,7 @@
                 </a:tc>
                 <a:extLst>
                   <a:ext uri="{0D108BD9-81ED-4DB2-BD59-A6C34878D82A}">
-                    <a16:rowId xmlns="" xmlns:a16="http://schemas.microsoft.com/office/drawing/2014/main" val="762319770"/>
+                    <a16:rowId xmlns:a16="http://schemas.microsoft.com/office/drawing/2014/main" xmlns="" val="762319770"/>
                   </a:ext>
                 </a:extLst>
               </a:tr>
@@ -34255,7 +32190,7 @@
           <p:cNvPr id="7" name="Rectangle 68">
             <a:extLst>
               <a:ext uri="{FF2B5EF4-FFF2-40B4-BE49-F238E27FC236}">
-                <a16:creationId xmlns="" xmlns:a16="http://schemas.microsoft.com/office/drawing/2014/main" id="{2E170935-075B-E9F1-39F5-718251B4ECCC}"/>
+                <a16:creationId xmlns:a16="http://schemas.microsoft.com/office/drawing/2014/main" xmlns="" id="{2E170935-075B-E9F1-39F5-718251B4ECCC}"/>
               </a:ext>
             </a:extLst>
           </p:cNvPr>
@@ -34315,7 +32250,7 @@
     <a:masterClrMapping/>
   </p:clrMapOvr>
   <mc:AlternateContent xmlns:mc="http://schemas.openxmlformats.org/markup-compatibility/2006">
-    <mc:Choice xmlns:p159="http://schemas.microsoft.com/office/powerpoint/2015/09/main" xmlns="" Requires="p159">
+    <mc:Choice xmlns="" xmlns:p159="http://schemas.microsoft.com/office/powerpoint/2015/09/main" Requires="p159">
       <p:transition xmlns:p14="http://schemas.microsoft.com/office/powerpoint/2010/main" spd="slow" p14:dur="2000">
         <p159:morph option="byObject"/>
       </p:transition>
@@ -34329,136 +32264,9 @@
   <p:timing>
     <p:tnLst>
       <p:par>
-        <p:cTn id="1" dur="indefinite" restart="never" nodeType="tmRoot">
-          <p:childTnLst>
-            <p:seq concurrent="1" nextAc="seek">
-              <p:cTn id="2" dur="indefinite" nodeType="mainSeq">
-                <p:childTnLst>
-                  <p:par>
-                    <p:cTn id="3" fill="hold">
-                      <p:stCondLst>
-                        <p:cond delay="indefinite"/>
-                        <p:cond evt="onBegin" delay="0">
-                          <p:tn val="2"/>
-                        </p:cond>
-                      </p:stCondLst>
-                      <p:childTnLst>
-                        <p:par>
-                          <p:cTn id="4" fill="hold">
-                            <p:stCondLst>
-                              <p:cond delay="0"/>
-                            </p:stCondLst>
-                            <p:childTnLst>
-                              <p:par>
-                                <p:cTn id="5" presetID="22" presetClass="entr" presetSubtype="8" fill="hold" grpId="0" nodeType="afterEffect">
-                                  <p:stCondLst>
-                                    <p:cond delay="0"/>
-                                  </p:stCondLst>
-                                  <p:childTnLst>
-                                    <p:set>
-                                      <p:cBhvr>
-                                        <p:cTn id="6" dur="1" fill="hold">
-                                          <p:stCondLst>
-                                            <p:cond delay="0"/>
-                                          </p:stCondLst>
-                                        </p:cTn>
-                                        <p:tgtEl>
-                                          <p:spTgt spid="30"/>
-                                        </p:tgtEl>
-                                        <p:attrNameLst>
-                                          <p:attrName>style.visibility</p:attrName>
-                                        </p:attrNameLst>
-                                      </p:cBhvr>
-                                      <p:to>
-                                        <p:strVal val="visible"/>
-                                      </p:to>
-                                    </p:set>
-                                    <p:animEffect transition="in" filter="wipe(left)">
-                                      <p:cBhvr>
-                                        <p:cTn id="7" dur="500"/>
-                                        <p:tgtEl>
-                                          <p:spTgt spid="30"/>
-                                        </p:tgtEl>
-                                      </p:cBhvr>
-                                    </p:animEffect>
-                                  </p:childTnLst>
-                                </p:cTn>
-                              </p:par>
-                            </p:childTnLst>
-                          </p:cTn>
-                        </p:par>
-                        <p:par>
-                          <p:cTn id="8" fill="hold">
-                            <p:stCondLst>
-                              <p:cond delay="500"/>
-                            </p:stCondLst>
-                            <p:childTnLst>
-                              <p:par>
-                                <p:cTn id="9" presetID="22" presetClass="entr" presetSubtype="8" fill="hold" grpId="0" nodeType="afterEffect">
-                                  <p:stCondLst>
-                                    <p:cond delay="0"/>
-                                  </p:stCondLst>
-                                  <p:childTnLst>
-                                    <p:set>
-                                      <p:cBhvr>
-                                        <p:cTn id="10" dur="1" fill="hold">
-                                          <p:stCondLst>
-                                            <p:cond delay="0"/>
-                                          </p:stCondLst>
-                                        </p:cTn>
-                                        <p:tgtEl>
-                                          <p:spTgt spid="7"/>
-                                        </p:tgtEl>
-                                        <p:attrNameLst>
-                                          <p:attrName>style.visibility</p:attrName>
-                                        </p:attrNameLst>
-                                      </p:cBhvr>
-                                      <p:to>
-                                        <p:strVal val="visible"/>
-                                      </p:to>
-                                    </p:set>
-                                    <p:animEffect transition="in" filter="wipe(left)">
-                                      <p:cBhvr>
-                                        <p:cTn id="11" dur="500"/>
-                                        <p:tgtEl>
-                                          <p:spTgt spid="7"/>
-                                        </p:tgtEl>
-                                      </p:cBhvr>
-                                    </p:animEffect>
-                                  </p:childTnLst>
-                                </p:cTn>
-                              </p:par>
-                            </p:childTnLst>
-                          </p:cTn>
-                        </p:par>
-                      </p:childTnLst>
-                    </p:cTn>
-                  </p:par>
-                </p:childTnLst>
-              </p:cTn>
-              <p:prevCondLst>
-                <p:cond evt="onPrev" delay="0">
-                  <p:tgtEl>
-                    <p:sldTgt/>
-                  </p:tgtEl>
-                </p:cond>
-              </p:prevCondLst>
-              <p:nextCondLst>
-                <p:cond evt="onNext" delay="0">
-                  <p:tgtEl>
-                    <p:sldTgt/>
-                  </p:tgtEl>
-                </p:cond>
-              </p:nextCondLst>
-            </p:seq>
-          </p:childTnLst>
-        </p:cTn>
+        <p:cTn id="1" dur="indefinite" restart="never" nodeType="tmRoot"/>
       </p:par>
     </p:tnLst>
-    <p:bldLst>
-      <p:bldP spid="30" grpId="0"/>
-      <p:bldP spid="7" grpId="0"/>
-    </p:bldLst>
   </p:timing>
 </p:sld>
 </file>
@@ -34485,7 +32293,7 @@
           <p:cNvPr id="3" name="Imagen 4" descr="Patrón de fondo&#10;&#10;Descripción generada automáticamente">
             <a:extLst>
               <a:ext uri="{FF2B5EF4-FFF2-40B4-BE49-F238E27FC236}">
-                <a16:creationId xmlns="" xmlns:a16="http://schemas.microsoft.com/office/drawing/2014/main" id="{97C89B70-EF02-7CD2-8BA6-A8D10423ABE3}"/>
+                <a16:creationId xmlns:a16="http://schemas.microsoft.com/office/drawing/2014/main" xmlns="" id="{97C89B70-EF02-7CD2-8BA6-A8D10423ABE3}"/>
               </a:ext>
             </a:extLst>
           </p:cNvPr>
@@ -34515,7 +32323,7 @@
           <p:cNvPr id="5" name="Elipse 4">
             <a:extLst>
               <a:ext uri="{FF2B5EF4-FFF2-40B4-BE49-F238E27FC236}">
-                <a16:creationId xmlns="" xmlns:a16="http://schemas.microsoft.com/office/drawing/2014/main" id="{0F317218-5C09-7C8D-95AF-3CF18A8ADE15}"/>
+                <a16:creationId xmlns:a16="http://schemas.microsoft.com/office/drawing/2014/main" xmlns="" id="{0F317218-5C09-7C8D-95AF-3CF18A8ADE15}"/>
               </a:ext>
             </a:extLst>
           </p:cNvPr>
@@ -34670,7 +32478,7 @@
           <p:cNvPr id="2" name="Imagen 1">
             <a:extLst>
               <a:ext uri="{FF2B5EF4-FFF2-40B4-BE49-F238E27FC236}">
-                <a16:creationId xmlns="" xmlns:a16="http://schemas.microsoft.com/office/drawing/2014/main" id="{85016D0E-40C7-21A4-2C35-1FA39C6BAAFB}"/>
+                <a16:creationId xmlns:a16="http://schemas.microsoft.com/office/drawing/2014/main" xmlns="" id="{85016D0E-40C7-21A4-2C35-1FA39C6BAAFB}"/>
               </a:ext>
             </a:extLst>
           </p:cNvPr>
@@ -34700,7 +32508,7 @@
           <p:cNvPr id="7" name="Título 1">
             <a:extLst>
               <a:ext uri="{FF2B5EF4-FFF2-40B4-BE49-F238E27FC236}">
-                <a16:creationId xmlns="" xmlns:a16="http://schemas.microsoft.com/office/drawing/2014/main" id="{1D6ADDBA-23A0-3F0C-A751-4D27B1186164}"/>
+                <a16:creationId xmlns:a16="http://schemas.microsoft.com/office/drawing/2014/main" xmlns="" id="{1D6ADDBA-23A0-3F0C-A751-4D27B1186164}"/>
               </a:ext>
             </a:extLst>
           </p:cNvPr>
@@ -34767,7 +32575,7 @@
           <p:cNvPr id="9" name="Grupo 8">
             <a:extLst>
               <a:ext uri="{FF2B5EF4-FFF2-40B4-BE49-F238E27FC236}">
-                <a16:creationId xmlns="" xmlns:a16="http://schemas.microsoft.com/office/drawing/2014/main" id="{40ED7E97-64A8-D976-0F29-1DEF8801A401}"/>
+                <a16:creationId xmlns:a16="http://schemas.microsoft.com/office/drawing/2014/main" xmlns="" id="{40ED7E97-64A8-D976-0F29-1DEF8801A401}"/>
               </a:ext>
             </a:extLst>
           </p:cNvPr>
@@ -34787,7 +32595,7 @@
             <p:cNvPr id="10" name="Título 1">
               <a:extLst>
                 <a:ext uri="{FF2B5EF4-FFF2-40B4-BE49-F238E27FC236}">
-                  <a16:creationId xmlns="" xmlns:a16="http://schemas.microsoft.com/office/drawing/2014/main" id="{57AE4584-CD8A-2B27-4640-94E79BA9B4CA}"/>
+                  <a16:creationId xmlns:a16="http://schemas.microsoft.com/office/drawing/2014/main" xmlns="" id="{57AE4584-CD8A-2B27-4640-94E79BA9B4CA}"/>
                 </a:ext>
               </a:extLst>
             </p:cNvPr>
@@ -34865,7 +32673,7 @@
             <p:cNvPr id="11" name="Conector recto 10">
               <a:extLst>
                 <a:ext uri="{FF2B5EF4-FFF2-40B4-BE49-F238E27FC236}">
-                  <a16:creationId xmlns="" xmlns:a16="http://schemas.microsoft.com/office/drawing/2014/main" id="{9C4F81BE-0190-2D19-F467-34129404F5B8}"/>
+                  <a16:creationId xmlns:a16="http://schemas.microsoft.com/office/drawing/2014/main" xmlns="" id="{9C4F81BE-0190-2D19-F467-34129404F5B8}"/>
                 </a:ext>
               </a:extLst>
             </p:cNvPr>
@@ -34949,7 +32757,7 @@
           <p:cNvPr id="16" name="Título 1">
             <a:extLst>
               <a:ext uri="{FF2B5EF4-FFF2-40B4-BE49-F238E27FC236}">
-                <a16:creationId xmlns="" xmlns:a16="http://schemas.microsoft.com/office/drawing/2014/main" id="{D5FD1066-7FA1-9BF9-22F0-F52B6DDCD8D0}"/>
+                <a16:creationId xmlns:a16="http://schemas.microsoft.com/office/drawing/2014/main" xmlns="" id="{D5FD1066-7FA1-9BF9-22F0-F52B6DDCD8D0}"/>
               </a:ext>
             </a:extLst>
           </p:cNvPr>
@@ -35173,7 +32981,7 @@
             <a:effectLst/>
             <a:extLst>
               <a:ext uri="{C572A759-6A51-4108-AA02-DFA0A04FC94B}">
-                <ma14:wrappingTextBoxFlag xmlns="" xmlns:m="http://schemas.openxmlformats.org/officeDocument/2006/math" xmlns:a14="http://schemas.microsoft.com/office/drawing/2010/main" xmlns:ma14="http://schemas.microsoft.com/office/mac/drawingml/2011/main" val="1"/>
+                <ma14:wrappingTextBoxFlag xmlns:ma14="http://schemas.microsoft.com/office/mac/drawingml/2011/main" xmlns:a14="http://schemas.microsoft.com/office/drawing/2010/main" xmlns:m="http://schemas.openxmlformats.org/officeDocument/2006/math" xmlns="" val="1"/>
               </a:ext>
             </a:extLst>
           </p:spPr>
@@ -35214,7 +33022,7 @@
     <a:masterClrMapping/>
   </p:clrMapOvr>
   <mc:AlternateContent xmlns:mc="http://schemas.openxmlformats.org/markup-compatibility/2006">
-    <mc:Choice xmlns="" xmlns:p159="http://schemas.microsoft.com/office/powerpoint/2015/09/main" Requires="p159">
+    <mc:Choice xmlns:p159="http://schemas.microsoft.com/office/powerpoint/2015/09/main" xmlns="" Requires="p159">
       <p:transition xmlns:p14="http://schemas.microsoft.com/office/powerpoint/2010/main" spd="slow" p14:dur="2000">
         <p159:morph option="byObject"/>
       </p:transition>
@@ -35228,124 +33036,9 @@
   <p:timing>
     <p:tnLst>
       <p:par>
-        <p:cTn id="1" dur="indefinite" restart="never" nodeType="tmRoot">
-          <p:childTnLst>
-            <p:seq concurrent="1" nextAc="seek">
-              <p:cTn id="2" dur="indefinite" nodeType="mainSeq">
-                <p:childTnLst>
-                  <p:par>
-                    <p:cTn id="3" fill="hold">
-                      <p:stCondLst>
-                        <p:cond delay="indefinite"/>
-                      </p:stCondLst>
-                      <p:childTnLst>
-                        <p:par>
-                          <p:cTn id="4" fill="hold">
-                            <p:stCondLst>
-                              <p:cond delay="0"/>
-                            </p:stCondLst>
-                            <p:childTnLst>
-                              <p:par>
-                                <p:cTn id="5" presetID="1" presetClass="entr" presetSubtype="0" fill="hold" grpId="0" nodeType="clickEffect">
-                                  <p:stCondLst>
-                                    <p:cond delay="0"/>
-                                  </p:stCondLst>
-                                  <p:iterate>
-                                    <p:tmAbs val="0"/>
-                                  </p:iterate>
-                                  <p:childTnLst>
-                                    <p:set>
-                                      <p:cBhvr>
-                                        <p:cTn id="6" fill="hold"/>
-                                        <p:tgtEl>
-                                          <p:spTgt spid="22"/>
-                                        </p:tgtEl>
-                                        <p:attrNameLst>
-                                          <p:attrName>style.visibility</p:attrName>
-                                        </p:attrNameLst>
-                                      </p:cBhvr>
-                                      <p:to>
-                                        <p:strVal val="visible"/>
-                                      </p:to>
-                                    </p:set>
-                                  </p:childTnLst>
-                                </p:cTn>
-                              </p:par>
-                            </p:childTnLst>
-                          </p:cTn>
-                        </p:par>
-                      </p:childTnLst>
-                    </p:cTn>
-                  </p:par>
-                  <p:par>
-                    <p:cTn id="7" fill="hold">
-                      <p:stCondLst>
-                        <p:cond delay="indefinite"/>
-                      </p:stCondLst>
-                      <p:childTnLst>
-                        <p:par>
-                          <p:cTn id="8" fill="hold">
-                            <p:stCondLst>
-                              <p:cond delay="0"/>
-                            </p:stCondLst>
-                            <p:childTnLst>
-                              <p:par>
-                                <p:cTn id="9" presetID="1" presetClass="entr" presetSubtype="0" fill="hold" grpId="0" nodeType="clickEffect">
-                                  <p:stCondLst>
-                                    <p:cond delay="0"/>
-                                  </p:stCondLst>
-                                  <p:iterate>
-                                    <p:tmAbs val="0"/>
-                                  </p:iterate>
-                                  <p:childTnLst>
-                                    <p:set>
-                                      <p:cBhvr>
-                                        <p:cTn id="10" fill="hold"/>
-                                        <p:tgtEl>
-                                          <p:spTgt spid="21"/>
-                                        </p:tgtEl>
-                                        <p:attrNameLst>
-                                          <p:attrName>style.visibility</p:attrName>
-                                        </p:attrNameLst>
-                                      </p:cBhvr>
-                                      <p:to>
-                                        <p:strVal val="visible"/>
-                                      </p:to>
-                                    </p:set>
-                                  </p:childTnLst>
-                                </p:cTn>
-                              </p:par>
-                            </p:childTnLst>
-                          </p:cTn>
-                        </p:par>
-                      </p:childTnLst>
-                    </p:cTn>
-                  </p:par>
-                </p:childTnLst>
-              </p:cTn>
-              <p:prevCondLst>
-                <p:cond evt="onPrev" delay="0">
-                  <p:tgtEl>
-                    <p:sldTgt/>
-                  </p:tgtEl>
-                </p:cond>
-              </p:prevCondLst>
-              <p:nextCondLst>
-                <p:cond evt="onNext" delay="0">
-                  <p:tgtEl>
-                    <p:sldTgt/>
-                  </p:tgtEl>
-                </p:cond>
-              </p:nextCondLst>
-            </p:seq>
-          </p:childTnLst>
-        </p:cTn>
+        <p:cTn id="1" dur="indefinite" restart="never" nodeType="tmRoot"/>
       </p:par>
     </p:tnLst>
-    <p:bldLst>
-      <p:bldP spid="21" grpId="0" animBg="1" advAuto="0"/>
-      <p:bldP spid="22" grpId="0" animBg="1" advAuto="0"/>
-    </p:bldLst>
   </p:timing>
 </p:sld>
 </file>
@@ -35372,7 +33065,7 @@
           <p:cNvPr id="2" name="Marcador de número de diapositiva 1">
             <a:extLst>
               <a:ext uri="{FF2B5EF4-FFF2-40B4-BE49-F238E27FC236}">
-                <a16:creationId xmlns="" xmlns:a16="http://schemas.microsoft.com/office/drawing/2014/main" id="{B59F924D-5E9F-135F-AD9F-3317A129E302}"/>
+                <a16:creationId xmlns:a16="http://schemas.microsoft.com/office/drawing/2014/main" xmlns="" id="{B59F924D-5E9F-135F-AD9F-3317A129E302}"/>
               </a:ext>
             </a:extLst>
           </p:cNvPr>
@@ -35406,7 +33099,7 @@
           <p:cNvPr id="3" name="Imagen 2">
             <a:extLst>
               <a:ext uri="{FF2B5EF4-FFF2-40B4-BE49-F238E27FC236}">
-                <a16:creationId xmlns="" xmlns:a16="http://schemas.microsoft.com/office/drawing/2014/main" id="{3E46917C-C4C0-3976-1C0F-38456FEDD5DC}"/>
+                <a16:creationId xmlns:a16="http://schemas.microsoft.com/office/drawing/2014/main" xmlns="" id="{3E46917C-C4C0-3976-1C0F-38456FEDD5DC}"/>
               </a:ext>
             </a:extLst>
           </p:cNvPr>
@@ -35436,7 +33129,7 @@
           <p:cNvPr id="4" name="Título 1">
             <a:extLst>
               <a:ext uri="{FF2B5EF4-FFF2-40B4-BE49-F238E27FC236}">
-                <a16:creationId xmlns="" xmlns:a16="http://schemas.microsoft.com/office/drawing/2014/main" id="{3A85FA2B-91CE-EC75-C3AE-F7F8C70EBBA3}"/>
+                <a16:creationId xmlns:a16="http://schemas.microsoft.com/office/drawing/2014/main" xmlns="" id="{3A85FA2B-91CE-EC75-C3AE-F7F8C70EBBA3}"/>
               </a:ext>
             </a:extLst>
           </p:cNvPr>
@@ -35506,7 +33199,7 @@
           <p:cNvPr id="5" name="Título 1">
             <a:extLst>
               <a:ext uri="{FF2B5EF4-FFF2-40B4-BE49-F238E27FC236}">
-                <a16:creationId xmlns="" xmlns:a16="http://schemas.microsoft.com/office/drawing/2014/main" id="{570386F6-29EB-76AF-10EB-AC169D26CC9E}"/>
+                <a16:creationId xmlns:a16="http://schemas.microsoft.com/office/drawing/2014/main" xmlns="" id="{570386F6-29EB-76AF-10EB-AC169D26CC9E}"/>
               </a:ext>
             </a:extLst>
           </p:cNvPr>
@@ -35575,7 +33268,7 @@
           <p:cNvPr id="7" name="Elipse 6">
             <a:extLst>
               <a:ext uri="{FF2B5EF4-FFF2-40B4-BE49-F238E27FC236}">
-                <a16:creationId xmlns="" xmlns:a16="http://schemas.microsoft.com/office/drawing/2014/main" id="{3353EE34-6C7E-AE7E-7B20-C7E440F210E7}"/>
+                <a16:creationId xmlns:a16="http://schemas.microsoft.com/office/drawing/2014/main" xmlns="" id="{3353EE34-6C7E-AE7E-7B20-C7E440F210E7}"/>
               </a:ext>
             </a:extLst>
           </p:cNvPr>
@@ -35636,7 +33329,7 @@
           <p:cNvPr id="8" name="Table 3">
             <a:extLst>
               <a:ext uri="{FF2B5EF4-FFF2-40B4-BE49-F238E27FC236}">
-                <a16:creationId xmlns="" xmlns:a16="http://schemas.microsoft.com/office/drawing/2014/main" id="{422A8208-A563-A55B-5344-09BD741BE766}"/>
+                <a16:creationId xmlns:a16="http://schemas.microsoft.com/office/drawing/2014/main" xmlns="" id="{422A8208-A563-A55B-5344-09BD741BE766}"/>
               </a:ext>
             </a:extLst>
           </p:cNvPr>
@@ -35665,14 +33358,14 @@
                 <a:gridCol w="4517033">
                   <a:extLst>
                     <a:ext uri="{9D8B030D-6E8A-4147-A177-3AD203B41FA5}">
-                      <a16:colId xmlns="" xmlns:a16="http://schemas.microsoft.com/office/drawing/2014/main" val="3102874728"/>
+                      <a16:colId xmlns:a16="http://schemas.microsoft.com/office/drawing/2014/main" xmlns="" val="3102874728"/>
                     </a:ext>
                   </a:extLst>
                 </a:gridCol>
                 <a:gridCol w="4517033">
                   <a:extLst>
                     <a:ext uri="{9D8B030D-6E8A-4147-A177-3AD203B41FA5}">
-                      <a16:colId xmlns="" xmlns:a16="http://schemas.microsoft.com/office/drawing/2014/main" val="3824228278"/>
+                      <a16:colId xmlns:a16="http://schemas.microsoft.com/office/drawing/2014/main" xmlns="" val="3824228278"/>
                     </a:ext>
                   </a:extLst>
                 </a:gridCol>
@@ -35818,7 +33511,7 @@
                 </a:tc>
                 <a:extLst>
                   <a:ext uri="{0D108BD9-81ED-4DB2-BD59-A6C34878D82A}">
-                    <a16:rowId xmlns="" xmlns:a16="http://schemas.microsoft.com/office/drawing/2014/main" val="4006425940"/>
+                    <a16:rowId xmlns:a16="http://schemas.microsoft.com/office/drawing/2014/main" xmlns="" val="4006425940"/>
                   </a:ext>
                 </a:extLst>
               </a:tr>
@@ -35979,7 +33672,7 @@
                 </a:tc>
                 <a:extLst>
                   <a:ext uri="{0D108BD9-81ED-4DB2-BD59-A6C34878D82A}">
-                    <a16:rowId xmlns="" xmlns:a16="http://schemas.microsoft.com/office/drawing/2014/main" val="2195307831"/>
+                    <a16:rowId xmlns:a16="http://schemas.microsoft.com/office/drawing/2014/main" xmlns="" val="2195307831"/>
                   </a:ext>
                 </a:extLst>
               </a:tr>
@@ -36140,7 +33833,7 @@
                 </a:tc>
                 <a:extLst>
                   <a:ext uri="{0D108BD9-81ED-4DB2-BD59-A6C34878D82A}">
-                    <a16:rowId xmlns="" xmlns:a16="http://schemas.microsoft.com/office/drawing/2014/main" val="4228649827"/>
+                    <a16:rowId xmlns:a16="http://schemas.microsoft.com/office/drawing/2014/main" xmlns="" val="4228649827"/>
                   </a:ext>
                 </a:extLst>
               </a:tr>
@@ -36301,7 +33994,7 @@
                 </a:tc>
                 <a:extLst>
                   <a:ext uri="{0D108BD9-81ED-4DB2-BD59-A6C34878D82A}">
-                    <a16:rowId xmlns="" xmlns:a16="http://schemas.microsoft.com/office/drawing/2014/main" val="2880154858"/>
+                    <a16:rowId xmlns:a16="http://schemas.microsoft.com/office/drawing/2014/main" xmlns="" val="2880154858"/>
                   </a:ext>
                 </a:extLst>
               </a:tr>
@@ -36462,7 +34155,7 @@
                 </a:tc>
                 <a:extLst>
                   <a:ext uri="{0D108BD9-81ED-4DB2-BD59-A6C34878D82A}">
-                    <a16:rowId xmlns="" xmlns:a16="http://schemas.microsoft.com/office/drawing/2014/main" val="941017362"/>
+                    <a16:rowId xmlns:a16="http://schemas.microsoft.com/office/drawing/2014/main" xmlns="" val="941017362"/>
                   </a:ext>
                 </a:extLst>
               </a:tr>
@@ -36623,7 +34316,7 @@
                 </a:tc>
                 <a:extLst>
                   <a:ext uri="{0D108BD9-81ED-4DB2-BD59-A6C34878D82A}">
-                    <a16:rowId xmlns="" xmlns:a16="http://schemas.microsoft.com/office/drawing/2014/main" val="762319770"/>
+                    <a16:rowId xmlns:a16="http://schemas.microsoft.com/office/drawing/2014/main" xmlns="" val="762319770"/>
                   </a:ext>
                 </a:extLst>
               </a:tr>
@@ -36784,7 +34477,7 @@
                 </a:tc>
                 <a:extLst>
                   <a:ext uri="{0D108BD9-81ED-4DB2-BD59-A6C34878D82A}">
-                    <a16:rowId xmlns="" xmlns:a16="http://schemas.microsoft.com/office/drawing/2014/main" val="3100901663"/>
+                    <a16:rowId xmlns:a16="http://schemas.microsoft.com/office/drawing/2014/main" xmlns="" val="3100901663"/>
                   </a:ext>
                 </a:extLst>
               </a:tr>
@@ -36881,7 +34574,7 @@
             <a:effectLst/>
             <a:extLst>
               <a:ext uri="{C572A759-6A51-4108-AA02-DFA0A04FC94B}">
-                <ma14:wrappingTextBoxFlag xmlns="" xmlns:m="http://schemas.openxmlformats.org/officeDocument/2006/math" xmlns:a14="http://schemas.microsoft.com/office/drawing/2010/main" xmlns:ma14="http://schemas.microsoft.com/office/mac/drawingml/2011/main" val="1"/>
+                <ma14:wrappingTextBoxFlag xmlns:ma14="http://schemas.microsoft.com/office/mac/drawingml/2011/main" xmlns:a14="http://schemas.microsoft.com/office/drawing/2010/main" xmlns:m="http://schemas.openxmlformats.org/officeDocument/2006/math" xmlns="" val="1"/>
               </a:ext>
             </a:extLst>
           </p:spPr>
@@ -36930,7 +34623,7 @@
           </a:ln>
           <a:extLst>
             <a:ext uri="{C572A759-6A51-4108-AA02-DFA0A04FC94B}">
-              <ma14:wrappingTextBoxFlag xmlns="" xmlns:m="http://schemas.openxmlformats.org/officeDocument/2006/math" xmlns:a14="http://schemas.microsoft.com/office/drawing/2010/main" xmlns:ma14="http://schemas.microsoft.com/office/mac/drawingml/2011/main" val="1"/>
+              <ma14:wrappingTextBoxFlag xmlns:ma14="http://schemas.microsoft.com/office/mac/drawingml/2011/main" xmlns:a14="http://schemas.microsoft.com/office/drawing/2010/main" xmlns:m="http://schemas.openxmlformats.org/officeDocument/2006/math" xmlns="" val="1"/>
             </a:ext>
           </a:extLst>
         </p:spPr>
@@ -36978,7 +34671,7 @@
           </a:ln>
           <a:extLst>
             <a:ext uri="{C572A759-6A51-4108-AA02-DFA0A04FC94B}">
-              <ma14:wrappingTextBoxFlag xmlns="" xmlns:m="http://schemas.openxmlformats.org/officeDocument/2006/math" xmlns:a14="http://schemas.microsoft.com/office/drawing/2010/main" xmlns:ma14="http://schemas.microsoft.com/office/mac/drawingml/2011/main" val="1"/>
+              <ma14:wrappingTextBoxFlag xmlns:ma14="http://schemas.microsoft.com/office/mac/drawingml/2011/main" xmlns:a14="http://schemas.microsoft.com/office/drawing/2010/main" xmlns:m="http://schemas.openxmlformats.org/officeDocument/2006/math" xmlns="" val="1"/>
             </a:ext>
           </a:extLst>
         </p:spPr>
@@ -37182,7 +34875,7 @@
           </a:ln>
           <a:extLst>
             <a:ext uri="{C572A759-6A51-4108-AA02-DFA0A04FC94B}">
-              <ma14:wrappingTextBoxFlag xmlns="" xmlns:m="http://schemas.openxmlformats.org/officeDocument/2006/math" xmlns:a14="http://schemas.microsoft.com/office/drawing/2010/main" xmlns:ma14="http://schemas.microsoft.com/office/mac/drawingml/2011/main" val="1"/>
+              <ma14:wrappingTextBoxFlag xmlns:ma14="http://schemas.microsoft.com/office/mac/drawingml/2011/main" xmlns:a14="http://schemas.microsoft.com/office/drawing/2010/main" xmlns:m="http://schemas.openxmlformats.org/officeDocument/2006/math" xmlns="" val="1"/>
             </a:ext>
           </a:extLst>
         </p:spPr>
@@ -37230,7 +34923,7 @@
           </a:ln>
           <a:extLst>
             <a:ext uri="{C572A759-6A51-4108-AA02-DFA0A04FC94B}">
-              <ma14:wrappingTextBoxFlag xmlns="" xmlns:m="http://schemas.openxmlformats.org/officeDocument/2006/math" xmlns:a14="http://schemas.microsoft.com/office/drawing/2010/main" xmlns:ma14="http://schemas.microsoft.com/office/mac/drawingml/2011/main" val="1"/>
+              <ma14:wrappingTextBoxFlag xmlns:ma14="http://schemas.microsoft.com/office/mac/drawingml/2011/main" xmlns:a14="http://schemas.microsoft.com/office/drawing/2010/main" xmlns:m="http://schemas.openxmlformats.org/officeDocument/2006/math" xmlns="" val="1"/>
             </a:ext>
           </a:extLst>
         </p:spPr>
@@ -37278,7 +34971,7 @@
           </a:ln>
           <a:extLst>
             <a:ext uri="{C572A759-6A51-4108-AA02-DFA0A04FC94B}">
-              <ma14:wrappingTextBoxFlag xmlns="" xmlns:m="http://schemas.openxmlformats.org/officeDocument/2006/math" xmlns:a14="http://schemas.microsoft.com/office/drawing/2010/main" xmlns:ma14="http://schemas.microsoft.com/office/mac/drawingml/2011/main" val="1"/>
+              <ma14:wrappingTextBoxFlag xmlns:ma14="http://schemas.microsoft.com/office/mac/drawingml/2011/main" xmlns:a14="http://schemas.microsoft.com/office/drawing/2010/main" xmlns:m="http://schemas.openxmlformats.org/officeDocument/2006/math" xmlns="" val="1"/>
             </a:ext>
           </a:extLst>
         </p:spPr>
@@ -37326,7 +35019,7 @@
           </a:ln>
           <a:extLst>
             <a:ext uri="{C572A759-6A51-4108-AA02-DFA0A04FC94B}">
-              <ma14:wrappingTextBoxFlag xmlns="" xmlns:m="http://schemas.openxmlformats.org/officeDocument/2006/math" xmlns:a14="http://schemas.microsoft.com/office/drawing/2010/main" xmlns:ma14="http://schemas.microsoft.com/office/mac/drawingml/2011/main" val="1"/>
+              <ma14:wrappingTextBoxFlag xmlns:ma14="http://schemas.microsoft.com/office/mac/drawingml/2011/main" xmlns:a14="http://schemas.microsoft.com/office/drawing/2010/main" xmlns:m="http://schemas.openxmlformats.org/officeDocument/2006/math" xmlns="" val="1"/>
             </a:ext>
           </a:extLst>
         </p:spPr>
@@ -37409,7 +35102,7 @@
           <p:cNvPr id="2" name="Marcador de número de diapositiva 1">
             <a:extLst>
               <a:ext uri="{FF2B5EF4-FFF2-40B4-BE49-F238E27FC236}">
-                <a16:creationId xmlns="" xmlns:a16="http://schemas.microsoft.com/office/drawing/2014/main" id="{B59F924D-5E9F-135F-AD9F-3317A129E302}"/>
+                <a16:creationId xmlns:a16="http://schemas.microsoft.com/office/drawing/2014/main" xmlns="" id="{B59F924D-5E9F-135F-AD9F-3317A129E302}"/>
               </a:ext>
             </a:extLst>
           </p:cNvPr>
@@ -37443,7 +35136,7 @@
           <p:cNvPr id="3" name="Imagen 2">
             <a:extLst>
               <a:ext uri="{FF2B5EF4-FFF2-40B4-BE49-F238E27FC236}">
-                <a16:creationId xmlns="" xmlns:a16="http://schemas.microsoft.com/office/drawing/2014/main" id="{3E46917C-C4C0-3976-1C0F-38456FEDD5DC}"/>
+                <a16:creationId xmlns:a16="http://schemas.microsoft.com/office/drawing/2014/main" xmlns="" id="{3E46917C-C4C0-3976-1C0F-38456FEDD5DC}"/>
               </a:ext>
             </a:extLst>
           </p:cNvPr>
@@ -37473,7 +35166,7 @@
           <p:cNvPr id="4" name="Título 1">
             <a:extLst>
               <a:ext uri="{FF2B5EF4-FFF2-40B4-BE49-F238E27FC236}">
-                <a16:creationId xmlns="" xmlns:a16="http://schemas.microsoft.com/office/drawing/2014/main" id="{3A85FA2B-91CE-EC75-C3AE-F7F8C70EBBA3}"/>
+                <a16:creationId xmlns:a16="http://schemas.microsoft.com/office/drawing/2014/main" xmlns="" id="{3A85FA2B-91CE-EC75-C3AE-F7F8C70EBBA3}"/>
               </a:ext>
             </a:extLst>
           </p:cNvPr>
@@ -37543,7 +35236,7 @@
           <p:cNvPr id="5" name="Título 1">
             <a:extLst>
               <a:ext uri="{FF2B5EF4-FFF2-40B4-BE49-F238E27FC236}">
-                <a16:creationId xmlns="" xmlns:a16="http://schemas.microsoft.com/office/drawing/2014/main" id="{570386F6-29EB-76AF-10EB-AC169D26CC9E}"/>
+                <a16:creationId xmlns:a16="http://schemas.microsoft.com/office/drawing/2014/main" xmlns="" id="{570386F6-29EB-76AF-10EB-AC169D26CC9E}"/>
               </a:ext>
             </a:extLst>
           </p:cNvPr>
@@ -37612,7 +35305,7 @@
           <p:cNvPr id="7" name="Elipse 6">
             <a:extLst>
               <a:ext uri="{FF2B5EF4-FFF2-40B4-BE49-F238E27FC236}">
-                <a16:creationId xmlns="" xmlns:a16="http://schemas.microsoft.com/office/drawing/2014/main" id="{3353EE34-6C7E-AE7E-7B20-C7E440F210E7}"/>
+                <a16:creationId xmlns:a16="http://schemas.microsoft.com/office/drawing/2014/main" xmlns="" id="{3353EE34-6C7E-AE7E-7B20-C7E440F210E7}"/>
               </a:ext>
             </a:extLst>
           </p:cNvPr>
@@ -37673,7 +35366,7 @@
           <p:cNvPr id="8" name="Table 3">
             <a:extLst>
               <a:ext uri="{FF2B5EF4-FFF2-40B4-BE49-F238E27FC236}">
-                <a16:creationId xmlns="" xmlns:a16="http://schemas.microsoft.com/office/drawing/2014/main" id="{422A8208-A563-A55B-5344-09BD741BE766}"/>
+                <a16:creationId xmlns:a16="http://schemas.microsoft.com/office/drawing/2014/main" xmlns="" id="{422A8208-A563-A55B-5344-09BD741BE766}"/>
               </a:ext>
             </a:extLst>
           </p:cNvPr>
@@ -37702,14 +35395,14 @@
                 <a:gridCol w="4517033">
                   <a:extLst>
                     <a:ext uri="{9D8B030D-6E8A-4147-A177-3AD203B41FA5}">
-                      <a16:colId xmlns="" xmlns:a16="http://schemas.microsoft.com/office/drawing/2014/main" val="3102874728"/>
+                      <a16:colId xmlns:a16="http://schemas.microsoft.com/office/drawing/2014/main" xmlns="" val="3102874728"/>
                     </a:ext>
                   </a:extLst>
                 </a:gridCol>
                 <a:gridCol w="4517033">
                   <a:extLst>
                     <a:ext uri="{9D8B030D-6E8A-4147-A177-3AD203B41FA5}">
-                      <a16:colId xmlns="" xmlns:a16="http://schemas.microsoft.com/office/drawing/2014/main" val="3824228278"/>
+                      <a16:colId xmlns:a16="http://schemas.microsoft.com/office/drawing/2014/main" xmlns="" val="3824228278"/>
                     </a:ext>
                   </a:extLst>
                 </a:gridCol>
@@ -37855,7 +35548,7 @@
                 </a:tc>
                 <a:extLst>
                   <a:ext uri="{0D108BD9-81ED-4DB2-BD59-A6C34878D82A}">
-                    <a16:rowId xmlns="" xmlns:a16="http://schemas.microsoft.com/office/drawing/2014/main" val="4006425940"/>
+                    <a16:rowId xmlns:a16="http://schemas.microsoft.com/office/drawing/2014/main" xmlns="" val="4006425940"/>
                   </a:ext>
                 </a:extLst>
               </a:tr>
@@ -38016,7 +35709,7 @@
                 </a:tc>
                 <a:extLst>
                   <a:ext uri="{0D108BD9-81ED-4DB2-BD59-A6C34878D82A}">
-                    <a16:rowId xmlns="" xmlns:a16="http://schemas.microsoft.com/office/drawing/2014/main" val="2195307831"/>
+                    <a16:rowId xmlns:a16="http://schemas.microsoft.com/office/drawing/2014/main" xmlns="" val="2195307831"/>
                   </a:ext>
                 </a:extLst>
               </a:tr>
@@ -38333,7 +36026,7 @@
                 </a:tc>
                 <a:extLst>
                   <a:ext uri="{0D108BD9-81ED-4DB2-BD59-A6C34878D82A}">
-                    <a16:rowId xmlns="" xmlns:a16="http://schemas.microsoft.com/office/drawing/2014/main" val="4228649827"/>
+                    <a16:rowId xmlns:a16="http://schemas.microsoft.com/office/drawing/2014/main" xmlns="" val="4228649827"/>
                   </a:ext>
                 </a:extLst>
               </a:tr>
@@ -38494,7 +36187,7 @@
                 </a:tc>
                 <a:extLst>
                   <a:ext uri="{0D108BD9-81ED-4DB2-BD59-A6C34878D82A}">
-                    <a16:rowId xmlns="" xmlns:a16="http://schemas.microsoft.com/office/drawing/2014/main" val="2880154858"/>
+                    <a16:rowId xmlns:a16="http://schemas.microsoft.com/office/drawing/2014/main" xmlns="" val="2880154858"/>
                   </a:ext>
                 </a:extLst>
               </a:tr>
@@ -38655,7 +36348,7 @@
                 </a:tc>
                 <a:extLst>
                   <a:ext uri="{0D108BD9-81ED-4DB2-BD59-A6C34878D82A}">
-                    <a16:rowId xmlns="" xmlns:a16="http://schemas.microsoft.com/office/drawing/2014/main" val="941017362"/>
+                    <a16:rowId xmlns:a16="http://schemas.microsoft.com/office/drawing/2014/main" xmlns="" val="941017362"/>
                   </a:ext>
                 </a:extLst>
               </a:tr>
@@ -38816,7 +36509,7 @@
                 </a:tc>
                 <a:extLst>
                   <a:ext uri="{0D108BD9-81ED-4DB2-BD59-A6C34878D82A}">
-                    <a16:rowId xmlns="" xmlns:a16="http://schemas.microsoft.com/office/drawing/2014/main" val="762319770"/>
+                    <a16:rowId xmlns:a16="http://schemas.microsoft.com/office/drawing/2014/main" xmlns="" val="762319770"/>
                   </a:ext>
                 </a:extLst>
               </a:tr>
@@ -38977,7 +36670,7 @@
                 </a:tc>
                 <a:extLst>
                   <a:ext uri="{0D108BD9-81ED-4DB2-BD59-A6C34878D82A}">
-                    <a16:rowId xmlns="" xmlns:a16="http://schemas.microsoft.com/office/drawing/2014/main" val="3100901663"/>
+                    <a16:rowId xmlns:a16="http://schemas.microsoft.com/office/drawing/2014/main" xmlns="" val="3100901663"/>
                   </a:ext>
                 </a:extLst>
               </a:tr>
@@ -39074,7 +36767,7 @@
             <a:effectLst/>
             <a:extLst>
               <a:ext uri="{C572A759-6A51-4108-AA02-DFA0A04FC94B}">
-                <ma14:wrappingTextBoxFlag xmlns="" xmlns:m="http://schemas.openxmlformats.org/officeDocument/2006/math" xmlns:a14="http://schemas.microsoft.com/office/drawing/2010/main" xmlns:ma14="http://schemas.microsoft.com/office/mac/drawingml/2011/main" val="1"/>
+                <ma14:wrappingTextBoxFlag xmlns:ma14="http://schemas.microsoft.com/office/mac/drawingml/2011/main" xmlns:a14="http://schemas.microsoft.com/office/drawing/2010/main" xmlns:m="http://schemas.openxmlformats.org/officeDocument/2006/math" xmlns="" val="1"/>
               </a:ext>
             </a:extLst>
           </p:spPr>
@@ -39123,7 +36816,7 @@
           </a:ln>
           <a:extLst>
             <a:ext uri="{C572A759-6A51-4108-AA02-DFA0A04FC94B}">
-              <ma14:wrappingTextBoxFlag xmlns="" xmlns:m="http://schemas.openxmlformats.org/officeDocument/2006/math" xmlns:a14="http://schemas.microsoft.com/office/drawing/2010/main" xmlns:ma14="http://schemas.microsoft.com/office/mac/drawingml/2011/main" val="1"/>
+              <ma14:wrappingTextBoxFlag xmlns:ma14="http://schemas.microsoft.com/office/mac/drawingml/2011/main" xmlns:a14="http://schemas.microsoft.com/office/drawing/2010/main" xmlns:m="http://schemas.openxmlformats.org/officeDocument/2006/math" xmlns="" val="1"/>
             </a:ext>
           </a:extLst>
         </p:spPr>
@@ -39172,7 +36865,7 @@
           </a:ln>
           <a:extLst>
             <a:ext uri="{C572A759-6A51-4108-AA02-DFA0A04FC94B}">
-              <ma14:wrappingTextBoxFlag xmlns="" xmlns:m="http://schemas.openxmlformats.org/officeDocument/2006/math" xmlns:a14="http://schemas.microsoft.com/office/drawing/2010/main" xmlns:ma14="http://schemas.microsoft.com/office/mac/drawingml/2011/main" val="1"/>
+              <ma14:wrappingTextBoxFlag xmlns:ma14="http://schemas.microsoft.com/office/mac/drawingml/2011/main" xmlns:a14="http://schemas.microsoft.com/office/drawing/2010/main" xmlns:m="http://schemas.openxmlformats.org/officeDocument/2006/math" xmlns="" val="1"/>
             </a:ext>
           </a:extLst>
         </p:spPr>
@@ -39376,7 +37069,7 @@
           </a:ln>
           <a:extLst>
             <a:ext uri="{C572A759-6A51-4108-AA02-DFA0A04FC94B}">
-              <ma14:wrappingTextBoxFlag xmlns="" xmlns:m="http://schemas.openxmlformats.org/officeDocument/2006/math" xmlns:a14="http://schemas.microsoft.com/office/drawing/2010/main" xmlns:ma14="http://schemas.microsoft.com/office/mac/drawingml/2011/main" val="1"/>
+              <ma14:wrappingTextBoxFlag xmlns:ma14="http://schemas.microsoft.com/office/mac/drawingml/2011/main" xmlns:a14="http://schemas.microsoft.com/office/drawing/2010/main" xmlns:m="http://schemas.openxmlformats.org/officeDocument/2006/math" xmlns="" val="1"/>
             </a:ext>
           </a:extLst>
         </p:spPr>
@@ -39425,7 +37118,7 @@
           </a:ln>
           <a:extLst>
             <a:ext uri="{C572A759-6A51-4108-AA02-DFA0A04FC94B}">
-              <ma14:wrappingTextBoxFlag xmlns="" xmlns:m="http://schemas.openxmlformats.org/officeDocument/2006/math" xmlns:a14="http://schemas.microsoft.com/office/drawing/2010/main" xmlns:ma14="http://schemas.microsoft.com/office/mac/drawingml/2011/main" val="1"/>
+              <ma14:wrappingTextBoxFlag xmlns:ma14="http://schemas.microsoft.com/office/mac/drawingml/2011/main" xmlns:a14="http://schemas.microsoft.com/office/drawing/2010/main" xmlns:m="http://schemas.openxmlformats.org/officeDocument/2006/math" xmlns="" val="1"/>
             </a:ext>
           </a:extLst>
         </p:spPr>
@@ -39474,7 +37167,7 @@
           </a:ln>
           <a:extLst>
             <a:ext uri="{C572A759-6A51-4108-AA02-DFA0A04FC94B}">
-              <ma14:wrappingTextBoxFlag xmlns="" xmlns:m="http://schemas.openxmlformats.org/officeDocument/2006/math" xmlns:a14="http://schemas.microsoft.com/office/drawing/2010/main" xmlns:ma14="http://schemas.microsoft.com/office/mac/drawingml/2011/main" val="1"/>
+              <ma14:wrappingTextBoxFlag xmlns:ma14="http://schemas.microsoft.com/office/mac/drawingml/2011/main" xmlns:a14="http://schemas.microsoft.com/office/drawing/2010/main" xmlns:m="http://schemas.openxmlformats.org/officeDocument/2006/math" xmlns="" val="1"/>
             </a:ext>
           </a:extLst>
         </p:spPr>
@@ -39522,7 +37215,7 @@
           </a:ln>
           <a:extLst>
             <a:ext uri="{C572A759-6A51-4108-AA02-DFA0A04FC94B}">
-              <ma14:wrappingTextBoxFlag xmlns="" xmlns:m="http://schemas.openxmlformats.org/officeDocument/2006/math" xmlns:a14="http://schemas.microsoft.com/office/drawing/2010/main" xmlns:ma14="http://schemas.microsoft.com/office/mac/drawingml/2011/main" val="1"/>
+              <ma14:wrappingTextBoxFlag xmlns:ma14="http://schemas.microsoft.com/office/mac/drawingml/2011/main" xmlns:a14="http://schemas.microsoft.com/office/drawing/2010/main" xmlns:m="http://schemas.openxmlformats.org/officeDocument/2006/math" xmlns="" val="1"/>
             </a:ext>
           </a:extLst>
         </p:spPr>
@@ -39605,7 +37298,7 @@
           <p:cNvPr id="2" name="Marcador de número de diapositiva 1">
             <a:extLst>
               <a:ext uri="{FF2B5EF4-FFF2-40B4-BE49-F238E27FC236}">
-                <a16:creationId xmlns="" xmlns:a16="http://schemas.microsoft.com/office/drawing/2014/main" id="{B59F924D-5E9F-135F-AD9F-3317A129E302}"/>
+                <a16:creationId xmlns:a16="http://schemas.microsoft.com/office/drawing/2014/main" xmlns="" id="{B59F924D-5E9F-135F-AD9F-3317A129E302}"/>
               </a:ext>
             </a:extLst>
           </p:cNvPr>
@@ -39639,7 +37332,7 @@
           <p:cNvPr id="3" name="Imagen 2">
             <a:extLst>
               <a:ext uri="{FF2B5EF4-FFF2-40B4-BE49-F238E27FC236}">
-                <a16:creationId xmlns="" xmlns:a16="http://schemas.microsoft.com/office/drawing/2014/main" id="{3E46917C-C4C0-3976-1C0F-38456FEDD5DC}"/>
+                <a16:creationId xmlns:a16="http://schemas.microsoft.com/office/drawing/2014/main" xmlns="" id="{3E46917C-C4C0-3976-1C0F-38456FEDD5DC}"/>
               </a:ext>
             </a:extLst>
           </p:cNvPr>
@@ -39669,7 +37362,7 @@
           <p:cNvPr id="4" name="Título 1">
             <a:extLst>
               <a:ext uri="{FF2B5EF4-FFF2-40B4-BE49-F238E27FC236}">
-                <a16:creationId xmlns="" xmlns:a16="http://schemas.microsoft.com/office/drawing/2014/main" id="{3A85FA2B-91CE-EC75-C3AE-F7F8C70EBBA3}"/>
+                <a16:creationId xmlns:a16="http://schemas.microsoft.com/office/drawing/2014/main" xmlns="" id="{3A85FA2B-91CE-EC75-C3AE-F7F8C70EBBA3}"/>
               </a:ext>
             </a:extLst>
           </p:cNvPr>
@@ -39739,7 +37432,7 @@
           <p:cNvPr id="5" name="Título 1">
             <a:extLst>
               <a:ext uri="{FF2B5EF4-FFF2-40B4-BE49-F238E27FC236}">
-                <a16:creationId xmlns="" xmlns:a16="http://schemas.microsoft.com/office/drawing/2014/main" id="{570386F6-29EB-76AF-10EB-AC169D26CC9E}"/>
+                <a16:creationId xmlns:a16="http://schemas.microsoft.com/office/drawing/2014/main" xmlns="" id="{570386F6-29EB-76AF-10EB-AC169D26CC9E}"/>
               </a:ext>
             </a:extLst>
           </p:cNvPr>
@@ -39808,7 +37501,7 @@
           <p:cNvPr id="7" name="Elipse 6">
             <a:extLst>
               <a:ext uri="{FF2B5EF4-FFF2-40B4-BE49-F238E27FC236}">
-                <a16:creationId xmlns="" xmlns:a16="http://schemas.microsoft.com/office/drawing/2014/main" id="{3353EE34-6C7E-AE7E-7B20-C7E440F210E7}"/>
+                <a16:creationId xmlns:a16="http://schemas.microsoft.com/office/drawing/2014/main" xmlns="" id="{3353EE34-6C7E-AE7E-7B20-C7E440F210E7}"/>
               </a:ext>
             </a:extLst>
           </p:cNvPr>
@@ -39869,7 +37562,7 @@
           <p:cNvPr id="9" name="Rectángulo redondeado 8">
             <a:extLst>
               <a:ext uri="{FF2B5EF4-FFF2-40B4-BE49-F238E27FC236}">
-                <a16:creationId xmlns="" xmlns:a16="http://schemas.microsoft.com/office/drawing/2014/main" id="{277BA7B5-969F-97FA-876B-9353DE62E89F}"/>
+                <a16:creationId xmlns:a16="http://schemas.microsoft.com/office/drawing/2014/main" xmlns="" id="{277BA7B5-969F-97FA-876B-9353DE62E89F}"/>
               </a:ext>
             </a:extLst>
           </p:cNvPr>
@@ -39923,7 +37616,7 @@
           <p:cNvPr id="10" name="Rectangle 68">
             <a:extLst>
               <a:ext uri="{FF2B5EF4-FFF2-40B4-BE49-F238E27FC236}">
-                <a16:creationId xmlns="" xmlns:a16="http://schemas.microsoft.com/office/drawing/2014/main" id="{2E170935-075B-E9F1-39F5-718251B4ECCC}"/>
+                <a16:creationId xmlns:a16="http://schemas.microsoft.com/office/drawing/2014/main" xmlns="" id="{2E170935-075B-E9F1-39F5-718251B4ECCC}"/>
               </a:ext>
             </a:extLst>
           </p:cNvPr>
@@ -40061,7 +37754,7 @@
             <a:effectLst/>
             <a:extLst>
               <a:ext uri="{C572A759-6A51-4108-AA02-DFA0A04FC94B}">
-                <ma14:wrappingTextBoxFlag xmlns="" xmlns:m="http://schemas.openxmlformats.org/officeDocument/2006/math" xmlns:a14="http://schemas.microsoft.com/office/drawing/2010/main" xmlns:ma14="http://schemas.microsoft.com/office/mac/drawingml/2011/main" val="1"/>
+                <ma14:wrappingTextBoxFlag xmlns:ma14="http://schemas.microsoft.com/office/mac/drawingml/2011/main" xmlns:a14="http://schemas.microsoft.com/office/drawing/2010/main" xmlns:m="http://schemas.openxmlformats.org/officeDocument/2006/math" xmlns="" val="1"/>
               </a:ext>
             </a:extLst>
           </p:spPr>
@@ -40196,7 +37889,7 @@
             <a:effectLst/>
             <a:extLst>
               <a:ext uri="{C572A759-6A51-4108-AA02-DFA0A04FC94B}">
-                <ma14:wrappingTextBoxFlag xmlns="" xmlns:m="http://schemas.openxmlformats.org/officeDocument/2006/math" xmlns:a14="http://schemas.microsoft.com/office/drawing/2010/main" xmlns:ma14="http://schemas.microsoft.com/office/mac/drawingml/2011/main" val="1"/>
+                <ma14:wrappingTextBoxFlag xmlns:ma14="http://schemas.microsoft.com/office/mac/drawingml/2011/main" xmlns:a14="http://schemas.microsoft.com/office/drawing/2010/main" xmlns:m="http://schemas.openxmlformats.org/officeDocument/2006/math" xmlns="" val="1"/>
               </a:ext>
             </a:extLst>
           </p:spPr>
@@ -40310,94 +38003,24 @@
   <p:clrMapOvr>
     <a:masterClrMapping/>
   </p:clrMapOvr>
+  <mc:AlternateContent xmlns:mc="http://schemas.openxmlformats.org/markup-compatibility/2006">
+    <mc:Choice xmlns:p14="http://schemas.microsoft.com/office/powerpoint/2010/main" Requires="p14">
+      <p:transition spd="med" p14:dur="700">
+        <p:fade/>
+      </p:transition>
+    </mc:Choice>
+    <mc:Fallback>
+      <p:transition spd="med">
+        <p:fade/>
+      </p:transition>
+    </mc:Fallback>
+  </mc:AlternateContent>
   <p:timing>
     <p:tnLst>
       <p:par>
-        <p:cTn id="1" dur="indefinite" restart="never" nodeType="tmRoot">
-          <p:childTnLst>
-            <p:seq concurrent="1" nextAc="seek">
-              <p:cTn id="2" dur="indefinite" nodeType="mainSeq">
-                <p:childTnLst>
-                  <p:par>
-                    <p:cTn id="3" fill="hold">
-                      <p:stCondLst>
-                        <p:cond delay="indefinite"/>
-                        <p:cond evt="onBegin" delay="0">
-                          <p:tn val="2"/>
-                        </p:cond>
-                      </p:stCondLst>
-                      <p:childTnLst>
-                        <p:par>
-                          <p:cTn id="4" fill="hold">
-                            <p:stCondLst>
-                              <p:cond delay="0"/>
-                            </p:stCondLst>
-                            <p:childTnLst>
-                              <p:par>
-                                <p:cTn id="5" presetID="22" presetClass="entr" presetSubtype="8" fill="hold" grpId="0" nodeType="afterEffect">
-                                  <p:stCondLst>
-                                    <p:cond delay="0"/>
-                                  </p:stCondLst>
-                                  <p:childTnLst>
-                                    <p:set>
-                                      <p:cBhvr>
-                                        <p:cTn id="6" dur="1" fill="hold">
-                                          <p:stCondLst>
-                                            <p:cond delay="0"/>
-                                          </p:stCondLst>
-                                        </p:cTn>
-                                        <p:tgtEl>
-                                          <p:spTgt spid="10"/>
-                                        </p:tgtEl>
-                                        <p:attrNameLst>
-                                          <p:attrName>style.visibility</p:attrName>
-                                        </p:attrNameLst>
-                                      </p:cBhvr>
-                                      <p:to>
-                                        <p:strVal val="visible"/>
-                                      </p:to>
-                                    </p:set>
-                                    <p:animEffect transition="in" filter="wipe(left)">
-                                      <p:cBhvr>
-                                        <p:cTn id="7" dur="500"/>
-                                        <p:tgtEl>
-                                          <p:spTgt spid="10"/>
-                                        </p:tgtEl>
-                                      </p:cBhvr>
-                                    </p:animEffect>
-                                  </p:childTnLst>
-                                </p:cTn>
-                              </p:par>
-                            </p:childTnLst>
-                          </p:cTn>
-                        </p:par>
-                      </p:childTnLst>
-                    </p:cTn>
-                  </p:par>
-                </p:childTnLst>
-              </p:cTn>
-              <p:prevCondLst>
-                <p:cond evt="onPrev" delay="0">
-                  <p:tgtEl>
-                    <p:sldTgt/>
-                  </p:tgtEl>
-                </p:cond>
-              </p:prevCondLst>
-              <p:nextCondLst>
-                <p:cond evt="onNext" delay="0">
-                  <p:tgtEl>
-                    <p:sldTgt/>
-                  </p:tgtEl>
-                </p:cond>
-              </p:nextCondLst>
-            </p:seq>
-          </p:childTnLst>
-        </p:cTn>
+        <p:cTn id="1" dur="indefinite" restart="never" nodeType="tmRoot"/>
       </p:par>
     </p:tnLst>
-    <p:bldLst>
-      <p:bldP spid="10" grpId="0"/>
-    </p:bldLst>
   </p:timing>
 </p:sld>
 </file>
@@ -40424,7 +38047,7 @@
           <p:cNvPr id="2" name="Marcador de número de diapositiva 1">
             <a:extLst>
               <a:ext uri="{FF2B5EF4-FFF2-40B4-BE49-F238E27FC236}">
-                <a16:creationId xmlns="" xmlns:a16="http://schemas.microsoft.com/office/drawing/2014/main" id="{B59F924D-5E9F-135F-AD9F-3317A129E302}"/>
+                <a16:creationId xmlns:a16="http://schemas.microsoft.com/office/drawing/2014/main" xmlns="" id="{B59F924D-5E9F-135F-AD9F-3317A129E302}"/>
               </a:ext>
             </a:extLst>
           </p:cNvPr>
@@ -40458,7 +38081,7 @@
           <p:cNvPr id="3" name="Imagen 2">
             <a:extLst>
               <a:ext uri="{FF2B5EF4-FFF2-40B4-BE49-F238E27FC236}">
-                <a16:creationId xmlns="" xmlns:a16="http://schemas.microsoft.com/office/drawing/2014/main" id="{3E46917C-C4C0-3976-1C0F-38456FEDD5DC}"/>
+                <a16:creationId xmlns:a16="http://schemas.microsoft.com/office/drawing/2014/main" xmlns="" id="{3E46917C-C4C0-3976-1C0F-38456FEDD5DC}"/>
               </a:ext>
             </a:extLst>
           </p:cNvPr>
@@ -40488,7 +38111,7 @@
           <p:cNvPr id="4" name="Título 1">
             <a:extLst>
               <a:ext uri="{FF2B5EF4-FFF2-40B4-BE49-F238E27FC236}">
-                <a16:creationId xmlns="" xmlns:a16="http://schemas.microsoft.com/office/drawing/2014/main" id="{3A85FA2B-91CE-EC75-C3AE-F7F8C70EBBA3}"/>
+                <a16:creationId xmlns:a16="http://schemas.microsoft.com/office/drawing/2014/main" xmlns="" id="{3A85FA2B-91CE-EC75-C3AE-F7F8C70EBBA3}"/>
               </a:ext>
             </a:extLst>
           </p:cNvPr>
@@ -40558,7 +38181,7 @@
           <p:cNvPr id="5" name="Título 1">
             <a:extLst>
               <a:ext uri="{FF2B5EF4-FFF2-40B4-BE49-F238E27FC236}">
-                <a16:creationId xmlns="" xmlns:a16="http://schemas.microsoft.com/office/drawing/2014/main" id="{570386F6-29EB-76AF-10EB-AC169D26CC9E}"/>
+                <a16:creationId xmlns:a16="http://schemas.microsoft.com/office/drawing/2014/main" xmlns="" id="{570386F6-29EB-76AF-10EB-AC169D26CC9E}"/>
               </a:ext>
             </a:extLst>
           </p:cNvPr>
@@ -40627,7 +38250,7 @@
           <p:cNvPr id="7" name="Elipse 6">
             <a:extLst>
               <a:ext uri="{FF2B5EF4-FFF2-40B4-BE49-F238E27FC236}">
-                <a16:creationId xmlns="" xmlns:a16="http://schemas.microsoft.com/office/drawing/2014/main" id="{3353EE34-6C7E-AE7E-7B20-C7E440F210E7}"/>
+                <a16:creationId xmlns:a16="http://schemas.microsoft.com/office/drawing/2014/main" xmlns="" id="{3353EE34-6C7E-AE7E-7B20-C7E440F210E7}"/>
               </a:ext>
             </a:extLst>
           </p:cNvPr>
@@ -44201,7 +41824,7 @@
             <a:effectLst/>
             <a:extLst>
               <a:ext uri="{C572A759-6A51-4108-AA02-DFA0A04FC94B}">
-                <ma14:wrappingTextBoxFlag xmlns="" xmlns:m="http://schemas.openxmlformats.org/officeDocument/2006/math" xmlns:a14="http://schemas.microsoft.com/office/drawing/2010/main" xmlns:ma14="http://schemas.microsoft.com/office/mac/drawingml/2011/main" val="1"/>
+                <ma14:wrappingTextBoxFlag xmlns:ma14="http://schemas.microsoft.com/office/mac/drawingml/2011/main" xmlns:a14="http://schemas.microsoft.com/office/drawing/2010/main" xmlns:m="http://schemas.openxmlformats.org/officeDocument/2006/math" xmlns="" val="1"/>
               </a:ext>
             </a:extLst>
           </p:spPr>
@@ -44244,539 +41867,24 @@
   <p:clrMapOvr>
     <a:masterClrMapping/>
   </p:clrMapOvr>
+  <mc:AlternateContent xmlns:mc="http://schemas.openxmlformats.org/markup-compatibility/2006">
+    <mc:Choice xmlns:p14="http://schemas.microsoft.com/office/powerpoint/2010/main" Requires="p14">
+      <p:transition spd="med" p14:dur="700">
+        <p:fade/>
+      </p:transition>
+    </mc:Choice>
+    <mc:Fallback>
+      <p:transition spd="med">
+        <p:fade/>
+      </p:transition>
+    </mc:Fallback>
+  </mc:AlternateContent>
   <p:timing>
     <p:tnLst>
       <p:par>
-        <p:cTn id="1" dur="indefinite" restart="never" nodeType="tmRoot">
-          <p:childTnLst>
-            <p:seq concurrent="1" nextAc="seek">
-              <p:cTn id="2" dur="indefinite" nodeType="mainSeq">
-                <p:childTnLst>
-                  <p:par>
-                    <p:cTn id="3" fill="hold">
-                      <p:stCondLst>
-                        <p:cond delay="indefinite"/>
-                      </p:stCondLst>
-                      <p:childTnLst>
-                        <p:par>
-                          <p:cTn id="4" fill="hold">
-                            <p:stCondLst>
-                              <p:cond delay="0"/>
-                            </p:stCondLst>
-                            <p:childTnLst>
-                              <p:par>
-                                <p:cTn id="5" presetID="9" presetClass="entr" fill="hold" grpId="0" nodeType="clickEffect">
-                                  <p:stCondLst>
-                                    <p:cond delay="0"/>
-                                  </p:stCondLst>
-                                  <p:iterate>
-                                    <p:tmAbs val="0"/>
-                                  </p:iterate>
-                                  <p:childTnLst>
-                                    <p:set>
-                                      <p:cBhvr>
-                                        <p:cTn id="6" fill="hold"/>
-                                        <p:tgtEl>
-                                          <p:spTgt spid="127"/>
-                                        </p:tgtEl>
-                                        <p:attrNameLst>
-                                          <p:attrName>style.visibility</p:attrName>
-                                        </p:attrNameLst>
-                                      </p:cBhvr>
-                                      <p:to>
-                                        <p:strVal val="visible"/>
-                                      </p:to>
-                                    </p:set>
-                                    <p:animEffect transition="in" filter="dissolve">
-                                      <p:cBhvr>
-                                        <p:cTn id="7" dur="1000"/>
-                                        <p:tgtEl>
-                                          <p:spTgt spid="127"/>
-                                        </p:tgtEl>
-                                      </p:cBhvr>
-                                    </p:animEffect>
-                                  </p:childTnLst>
-                                </p:cTn>
-                              </p:par>
-                            </p:childTnLst>
-                          </p:cTn>
-                        </p:par>
-                        <p:par>
-                          <p:cTn id="8" fill="hold">
-                            <p:stCondLst>
-                              <p:cond delay="1000"/>
-                            </p:stCondLst>
-                            <p:childTnLst>
-                              <p:par>
-                                <p:cTn id="9" presetID="9" presetClass="entr" fill="hold" grpId="0" nodeType="afterEffect">
-                                  <p:stCondLst>
-                                    <p:cond delay="300"/>
-                                  </p:stCondLst>
-                                  <p:iterate>
-                                    <p:tmAbs val="0"/>
-                                  </p:iterate>
-                                  <p:childTnLst>
-                                    <p:set>
-                                      <p:cBhvr>
-                                        <p:cTn id="10" fill="hold"/>
-                                        <p:tgtEl>
-                                          <p:spTgt spid="126"/>
-                                        </p:tgtEl>
-                                        <p:attrNameLst>
-                                          <p:attrName>style.visibility</p:attrName>
-                                        </p:attrNameLst>
-                                      </p:cBhvr>
-                                      <p:to>
-                                        <p:strVal val="visible"/>
-                                      </p:to>
-                                    </p:set>
-                                    <p:animEffect transition="in" filter="dissolve">
-                                      <p:cBhvr>
-                                        <p:cTn id="11" dur="1000"/>
-                                        <p:tgtEl>
-                                          <p:spTgt spid="126"/>
-                                        </p:tgtEl>
-                                      </p:cBhvr>
-                                    </p:animEffect>
-                                  </p:childTnLst>
-                                </p:cTn>
-                              </p:par>
-                            </p:childTnLst>
-                          </p:cTn>
-                        </p:par>
-                        <p:par>
-                          <p:cTn id="12" fill="hold">
-                            <p:stCondLst>
-                              <p:cond delay="2300"/>
-                            </p:stCondLst>
-                            <p:childTnLst>
-                              <p:par>
-                                <p:cTn id="13" presetID="9" presetClass="entr" fill="hold" grpId="0" nodeType="afterEffect">
-                                  <p:stCondLst>
-                                    <p:cond delay="600"/>
-                                  </p:stCondLst>
-                                  <p:iterate>
-                                    <p:tmAbs val="0"/>
-                                  </p:iterate>
-                                  <p:childTnLst>
-                                    <p:set>
-                                      <p:cBhvr>
-                                        <p:cTn id="14" fill="hold"/>
-                                        <p:tgtEl>
-                                          <p:spTgt spid="122"/>
-                                        </p:tgtEl>
-                                        <p:attrNameLst>
-                                          <p:attrName>style.visibility</p:attrName>
-                                        </p:attrNameLst>
-                                      </p:cBhvr>
-                                      <p:to>
-                                        <p:strVal val="visible"/>
-                                      </p:to>
-                                    </p:set>
-                                    <p:animEffect transition="in" filter="dissolve">
-                                      <p:cBhvr>
-                                        <p:cTn id="15" dur="1000"/>
-                                        <p:tgtEl>
-                                          <p:spTgt spid="122"/>
-                                        </p:tgtEl>
-                                      </p:cBhvr>
-                                    </p:animEffect>
-                                  </p:childTnLst>
-                                </p:cTn>
-                              </p:par>
-                            </p:childTnLst>
-                          </p:cTn>
-                        </p:par>
-                        <p:par>
-                          <p:cTn id="16" fill="hold">
-                            <p:stCondLst>
-                              <p:cond delay="3900"/>
-                            </p:stCondLst>
-                            <p:childTnLst>
-                              <p:par>
-                                <p:cTn id="17" presetID="9" presetClass="entr" fill="hold" grpId="0" nodeType="afterEffect">
-                                  <p:stCondLst>
-                                    <p:cond delay="900"/>
-                                  </p:stCondLst>
-                                  <p:iterate>
-                                    <p:tmAbs val="0"/>
-                                  </p:iterate>
-                                  <p:childTnLst>
-                                    <p:set>
-                                      <p:cBhvr>
-                                        <p:cTn id="18" fill="hold"/>
-                                        <p:tgtEl>
-                                          <p:spTgt spid="123"/>
-                                        </p:tgtEl>
-                                        <p:attrNameLst>
-                                          <p:attrName>style.visibility</p:attrName>
-                                        </p:attrNameLst>
-                                      </p:cBhvr>
-                                      <p:to>
-                                        <p:strVal val="visible"/>
-                                      </p:to>
-                                    </p:set>
-                                    <p:animEffect transition="in" filter="dissolve">
-                                      <p:cBhvr>
-                                        <p:cTn id="19" dur="1000"/>
-                                        <p:tgtEl>
-                                          <p:spTgt spid="123"/>
-                                        </p:tgtEl>
-                                      </p:cBhvr>
-                                    </p:animEffect>
-                                  </p:childTnLst>
-                                </p:cTn>
-                              </p:par>
-                            </p:childTnLst>
-                          </p:cTn>
-                        </p:par>
-                        <p:par>
-                          <p:cTn id="20" fill="hold">
-                            <p:stCondLst>
-                              <p:cond delay="5800"/>
-                            </p:stCondLst>
-                            <p:childTnLst>
-                              <p:par>
-                                <p:cTn id="21" presetID="9" presetClass="entr" fill="hold" grpId="0" nodeType="afterEffect">
-                                  <p:stCondLst>
-                                    <p:cond delay="1200"/>
-                                  </p:stCondLst>
-                                  <p:iterate>
-                                    <p:tmAbs val="0"/>
-                                  </p:iterate>
-                                  <p:childTnLst>
-                                    <p:set>
-                                      <p:cBhvr>
-                                        <p:cTn id="22" fill="hold"/>
-                                        <p:tgtEl>
-                                          <p:spTgt spid="125"/>
-                                        </p:tgtEl>
-                                        <p:attrNameLst>
-                                          <p:attrName>style.visibility</p:attrName>
-                                        </p:attrNameLst>
-                                      </p:cBhvr>
-                                      <p:to>
-                                        <p:strVal val="visible"/>
-                                      </p:to>
-                                    </p:set>
-                                    <p:animEffect transition="in" filter="dissolve">
-                                      <p:cBhvr>
-                                        <p:cTn id="23" dur="1000"/>
-                                        <p:tgtEl>
-                                          <p:spTgt spid="125"/>
-                                        </p:tgtEl>
-                                      </p:cBhvr>
-                                    </p:animEffect>
-                                  </p:childTnLst>
-                                </p:cTn>
-                              </p:par>
-                            </p:childTnLst>
-                          </p:cTn>
-                        </p:par>
-                        <p:par>
-                          <p:cTn id="24" fill="hold">
-                            <p:stCondLst>
-                              <p:cond delay="8000"/>
-                            </p:stCondLst>
-                            <p:childTnLst>
-                              <p:par>
-                                <p:cTn id="25" presetID="9" presetClass="entr" fill="hold" grpId="0" nodeType="afterEffect">
-                                  <p:stCondLst>
-                                    <p:cond delay="1500"/>
-                                  </p:stCondLst>
-                                  <p:iterate>
-                                    <p:tmAbs val="0"/>
-                                  </p:iterate>
-                                  <p:childTnLst>
-                                    <p:set>
-                                      <p:cBhvr>
-                                        <p:cTn id="26" fill="hold"/>
-                                        <p:tgtEl>
-                                          <p:spTgt spid="124"/>
-                                        </p:tgtEl>
-                                        <p:attrNameLst>
-                                          <p:attrName>style.visibility</p:attrName>
-                                        </p:attrNameLst>
-                                      </p:cBhvr>
-                                      <p:to>
-                                        <p:strVal val="visible"/>
-                                      </p:to>
-                                    </p:set>
-                                    <p:animEffect transition="in" filter="dissolve">
-                                      <p:cBhvr>
-                                        <p:cTn id="27" dur="1000"/>
-                                        <p:tgtEl>
-                                          <p:spTgt spid="124"/>
-                                        </p:tgtEl>
-                                      </p:cBhvr>
-                                    </p:animEffect>
-                                  </p:childTnLst>
-                                </p:cTn>
-                              </p:par>
-                            </p:childTnLst>
-                          </p:cTn>
-                        </p:par>
-                        <p:par>
-                          <p:cTn id="28" fill="hold">
-                            <p:stCondLst>
-                              <p:cond delay="10500"/>
-                            </p:stCondLst>
-                            <p:childTnLst>
-                              <p:par>
-                                <p:cTn id="29" presetID="9" presetClass="entr" fill="hold" grpId="0" nodeType="afterEffect">
-                                  <p:stCondLst>
-                                    <p:cond delay="1800"/>
-                                  </p:stCondLst>
-                                  <p:iterate>
-                                    <p:tmAbs val="0"/>
-                                  </p:iterate>
-                                  <p:childTnLst>
-                                    <p:set>
-                                      <p:cBhvr>
-                                        <p:cTn id="30" fill="hold"/>
-                                        <p:tgtEl>
-                                          <p:spTgt spid="128"/>
-                                        </p:tgtEl>
-                                        <p:attrNameLst>
-                                          <p:attrName>style.visibility</p:attrName>
-                                        </p:attrNameLst>
-                                      </p:cBhvr>
-                                      <p:to>
-                                        <p:strVal val="visible"/>
-                                      </p:to>
-                                    </p:set>
-                                    <p:animEffect transition="in" filter="dissolve">
-                                      <p:cBhvr>
-                                        <p:cTn id="31" dur="1000"/>
-                                        <p:tgtEl>
-                                          <p:spTgt spid="128"/>
-                                        </p:tgtEl>
-                                      </p:cBhvr>
-                                    </p:animEffect>
-                                  </p:childTnLst>
-                                </p:cTn>
-                              </p:par>
-                            </p:childTnLst>
-                          </p:cTn>
-                        </p:par>
-                        <p:par>
-                          <p:cTn id="32" fill="hold">
-                            <p:stCondLst>
-                              <p:cond delay="13300"/>
-                            </p:stCondLst>
-                            <p:childTnLst>
-                              <p:par>
-                                <p:cTn id="33" presetID="9" presetClass="entr" fill="hold" grpId="0" nodeType="afterEffect">
-                                  <p:stCondLst>
-                                    <p:cond delay="2100"/>
-                                  </p:stCondLst>
-                                  <p:iterate>
-                                    <p:tmAbs val="0"/>
-                                  </p:iterate>
-                                  <p:childTnLst>
-                                    <p:set>
-                                      <p:cBhvr>
-                                        <p:cTn id="34" fill="hold"/>
-                                        <p:tgtEl>
-                                          <p:spTgt spid="130"/>
-                                        </p:tgtEl>
-                                        <p:attrNameLst>
-                                          <p:attrName>style.visibility</p:attrName>
-                                        </p:attrNameLst>
-                                      </p:cBhvr>
-                                      <p:to>
-                                        <p:strVal val="visible"/>
-                                      </p:to>
-                                    </p:set>
-                                    <p:animEffect transition="in" filter="dissolve">
-                                      <p:cBhvr>
-                                        <p:cTn id="35" dur="1000"/>
-                                        <p:tgtEl>
-                                          <p:spTgt spid="130"/>
-                                        </p:tgtEl>
-                                      </p:cBhvr>
-                                    </p:animEffect>
-                                  </p:childTnLst>
-                                </p:cTn>
-                              </p:par>
-                            </p:childTnLst>
-                          </p:cTn>
-                        </p:par>
-                        <p:par>
-                          <p:cTn id="36" fill="hold">
-                            <p:stCondLst>
-                              <p:cond delay="16400"/>
-                            </p:stCondLst>
-                            <p:childTnLst>
-                              <p:par>
-                                <p:cTn id="37" presetID="9" presetClass="entr" fill="hold" grpId="0" nodeType="afterEffect">
-                                  <p:stCondLst>
-                                    <p:cond delay="2400"/>
-                                  </p:stCondLst>
-                                  <p:iterate>
-                                    <p:tmAbs val="0"/>
-                                  </p:iterate>
-                                  <p:childTnLst>
-                                    <p:set>
-                                      <p:cBhvr>
-                                        <p:cTn id="38" fill="hold"/>
-                                        <p:tgtEl>
-                                          <p:spTgt spid="131"/>
-                                        </p:tgtEl>
-                                        <p:attrNameLst>
-                                          <p:attrName>style.visibility</p:attrName>
-                                        </p:attrNameLst>
-                                      </p:cBhvr>
-                                      <p:to>
-                                        <p:strVal val="visible"/>
-                                      </p:to>
-                                    </p:set>
-                                    <p:animEffect transition="in" filter="dissolve">
-                                      <p:cBhvr>
-                                        <p:cTn id="39" dur="1000"/>
-                                        <p:tgtEl>
-                                          <p:spTgt spid="131"/>
-                                        </p:tgtEl>
-                                      </p:cBhvr>
-                                    </p:animEffect>
-                                  </p:childTnLst>
-                                </p:cTn>
-                              </p:par>
-                            </p:childTnLst>
-                          </p:cTn>
-                        </p:par>
-                        <p:par>
-                          <p:cTn id="40" fill="hold">
-                            <p:stCondLst>
-                              <p:cond delay="19800"/>
-                            </p:stCondLst>
-                            <p:childTnLst>
-                              <p:par>
-                                <p:cTn id="41" presetID="9" presetClass="entr" fill="hold" grpId="0" nodeType="afterEffect">
-                                  <p:stCondLst>
-                                    <p:cond delay="2700"/>
-                                  </p:stCondLst>
-                                  <p:iterate>
-                                    <p:tmAbs val="0"/>
-                                  </p:iterate>
-                                  <p:childTnLst>
-                                    <p:set>
-                                      <p:cBhvr>
-                                        <p:cTn id="42" fill="hold"/>
-                                        <p:tgtEl>
-                                          <p:spTgt spid="129"/>
-                                        </p:tgtEl>
-                                        <p:attrNameLst>
-                                          <p:attrName>style.visibility</p:attrName>
-                                        </p:attrNameLst>
-                                      </p:cBhvr>
-                                      <p:to>
-                                        <p:strVal val="visible"/>
-                                      </p:to>
-                                    </p:set>
-                                    <p:animEffect transition="in" filter="dissolve">
-                                      <p:cBhvr>
-                                        <p:cTn id="43" dur="1000"/>
-                                        <p:tgtEl>
-                                          <p:spTgt spid="129"/>
-                                        </p:tgtEl>
-                                      </p:cBhvr>
-                                    </p:animEffect>
-                                  </p:childTnLst>
-                                </p:cTn>
-                              </p:par>
-                            </p:childTnLst>
-                          </p:cTn>
-                        </p:par>
-                      </p:childTnLst>
-                    </p:cTn>
-                  </p:par>
-                  <p:par>
-                    <p:cTn id="44" fill="hold">
-                      <p:stCondLst>
-                        <p:cond delay="indefinite"/>
-                      </p:stCondLst>
-                      <p:childTnLst>
-                        <p:par>
-                          <p:cTn id="45" fill="hold">
-                            <p:stCondLst>
-                              <p:cond delay="0"/>
-                            </p:stCondLst>
-                            <p:childTnLst>
-                              <p:par>
-                                <p:cTn id="46" presetID="9" presetClass="entr" fill="hold" grpId="0" nodeType="clickEffect">
-                                  <p:stCondLst>
-                                    <p:cond delay="0"/>
-                                  </p:stCondLst>
-                                  <p:iterate>
-                                    <p:tmAbs val="0"/>
-                                  </p:iterate>
-                                  <p:childTnLst>
-                                    <p:set>
-                                      <p:cBhvr>
-                                        <p:cTn id="47" fill="hold"/>
-                                        <p:tgtEl>
-                                          <p:spTgt spid="132"/>
-                                        </p:tgtEl>
-                                        <p:attrNameLst>
-                                          <p:attrName>style.visibility</p:attrName>
-                                        </p:attrNameLst>
-                                      </p:cBhvr>
-                                      <p:to>
-                                        <p:strVal val="visible"/>
-                                      </p:to>
-                                    </p:set>
-                                    <p:animEffect transition="in" filter="dissolve">
-                                      <p:cBhvr>
-                                        <p:cTn id="48" dur="500"/>
-                                        <p:tgtEl>
-                                          <p:spTgt spid="132"/>
-                                        </p:tgtEl>
-                                      </p:cBhvr>
-                                    </p:animEffect>
-                                  </p:childTnLst>
-                                </p:cTn>
-                              </p:par>
-                            </p:childTnLst>
-                          </p:cTn>
-                        </p:par>
-                      </p:childTnLst>
-                    </p:cTn>
-                  </p:par>
-                </p:childTnLst>
-              </p:cTn>
-              <p:prevCondLst>
-                <p:cond evt="onPrev" delay="0">
-                  <p:tgtEl>
-                    <p:sldTgt/>
-                  </p:tgtEl>
-                </p:cond>
-              </p:prevCondLst>
-              <p:nextCondLst>
-                <p:cond evt="onNext" delay="0">
-                  <p:tgtEl>
-                    <p:sldTgt/>
-                  </p:tgtEl>
-                </p:cond>
-              </p:nextCondLst>
-            </p:seq>
-          </p:childTnLst>
-        </p:cTn>
+        <p:cTn id="1" dur="indefinite" restart="never" nodeType="tmRoot"/>
       </p:par>
     </p:tnLst>
-    <p:bldLst>
-      <p:bldP spid="122" grpId="0" animBg="1" advAuto="0"/>
-      <p:bldP spid="123" grpId="0" animBg="1" advAuto="0"/>
-      <p:bldP spid="124" grpId="0" animBg="1" advAuto="0"/>
-      <p:bldP spid="125" grpId="0" animBg="1" advAuto="0"/>
-      <p:bldP spid="126" grpId="0" animBg="1" advAuto="0"/>
-      <p:bldP spid="127" grpId="0" animBg="1" advAuto="0"/>
-      <p:bldP spid="128" grpId="0" animBg="1" advAuto="0"/>
-      <p:bldP spid="129" grpId="0" animBg="1" advAuto="0"/>
-      <p:bldP spid="130" grpId="0" animBg="1" advAuto="0"/>
-      <p:bldP spid="131" grpId="0" animBg="1" advAuto="0"/>
-      <p:bldP spid="132" grpId="0" advAuto="0"/>
-    </p:bldLst>
   </p:timing>
 </p:sld>
 </file>
@@ -44803,7 +41911,7 @@
           <p:cNvPr id="2" name="Marcador de número de diapositiva 1">
             <a:extLst>
               <a:ext uri="{FF2B5EF4-FFF2-40B4-BE49-F238E27FC236}">
-                <a16:creationId xmlns="" xmlns:a16="http://schemas.microsoft.com/office/drawing/2014/main" id="{B59F924D-5E9F-135F-AD9F-3317A129E302}"/>
+                <a16:creationId xmlns:a16="http://schemas.microsoft.com/office/drawing/2014/main" xmlns="" id="{B59F924D-5E9F-135F-AD9F-3317A129E302}"/>
               </a:ext>
             </a:extLst>
           </p:cNvPr>
@@ -44837,7 +41945,7 @@
           <p:cNvPr id="3" name="Imagen 2">
             <a:extLst>
               <a:ext uri="{FF2B5EF4-FFF2-40B4-BE49-F238E27FC236}">
-                <a16:creationId xmlns="" xmlns:a16="http://schemas.microsoft.com/office/drawing/2014/main" id="{3E46917C-C4C0-3976-1C0F-38456FEDD5DC}"/>
+                <a16:creationId xmlns:a16="http://schemas.microsoft.com/office/drawing/2014/main" xmlns="" id="{3E46917C-C4C0-3976-1C0F-38456FEDD5DC}"/>
               </a:ext>
             </a:extLst>
           </p:cNvPr>
@@ -44867,7 +41975,7 @@
           <p:cNvPr id="4" name="Título 1">
             <a:extLst>
               <a:ext uri="{FF2B5EF4-FFF2-40B4-BE49-F238E27FC236}">
-                <a16:creationId xmlns="" xmlns:a16="http://schemas.microsoft.com/office/drawing/2014/main" id="{3A85FA2B-91CE-EC75-C3AE-F7F8C70EBBA3}"/>
+                <a16:creationId xmlns:a16="http://schemas.microsoft.com/office/drawing/2014/main" xmlns="" id="{3A85FA2B-91CE-EC75-C3AE-F7F8C70EBBA3}"/>
               </a:ext>
             </a:extLst>
           </p:cNvPr>
@@ -44937,7 +42045,7 @@
           <p:cNvPr id="5" name="Título 1">
             <a:extLst>
               <a:ext uri="{FF2B5EF4-FFF2-40B4-BE49-F238E27FC236}">
-                <a16:creationId xmlns="" xmlns:a16="http://schemas.microsoft.com/office/drawing/2014/main" id="{570386F6-29EB-76AF-10EB-AC169D26CC9E}"/>
+                <a16:creationId xmlns:a16="http://schemas.microsoft.com/office/drawing/2014/main" xmlns="" id="{570386F6-29EB-76AF-10EB-AC169D26CC9E}"/>
               </a:ext>
             </a:extLst>
           </p:cNvPr>
@@ -45006,7 +42114,7 @@
           <p:cNvPr id="7" name="Elipse 6">
             <a:extLst>
               <a:ext uri="{FF2B5EF4-FFF2-40B4-BE49-F238E27FC236}">
-                <a16:creationId xmlns="" xmlns:a16="http://schemas.microsoft.com/office/drawing/2014/main" id="{3353EE34-6C7E-AE7E-7B20-C7E440F210E7}"/>
+                <a16:creationId xmlns:a16="http://schemas.microsoft.com/office/drawing/2014/main" xmlns="" id="{3353EE34-6C7E-AE7E-7B20-C7E440F210E7}"/>
               </a:ext>
             </a:extLst>
           </p:cNvPr>
@@ -45067,7 +42175,7 @@
           <p:cNvPr id="9" name="Rectángulo redondeado 8">
             <a:extLst>
               <a:ext uri="{FF2B5EF4-FFF2-40B4-BE49-F238E27FC236}">
-                <a16:creationId xmlns="" xmlns:a16="http://schemas.microsoft.com/office/drawing/2014/main" id="{277BA7B5-969F-97FA-876B-9353DE62E89F}"/>
+                <a16:creationId xmlns:a16="http://schemas.microsoft.com/office/drawing/2014/main" xmlns="" id="{277BA7B5-969F-97FA-876B-9353DE62E89F}"/>
               </a:ext>
             </a:extLst>
           </p:cNvPr>
@@ -45121,7 +42229,7 @@
           <p:cNvPr id="10" name="Rectangle 68">
             <a:extLst>
               <a:ext uri="{FF2B5EF4-FFF2-40B4-BE49-F238E27FC236}">
-                <a16:creationId xmlns="" xmlns:a16="http://schemas.microsoft.com/office/drawing/2014/main" id="{2E170935-075B-E9F1-39F5-718251B4ECCC}"/>
+                <a16:creationId xmlns:a16="http://schemas.microsoft.com/office/drawing/2014/main" xmlns="" id="{2E170935-075B-E9F1-39F5-718251B4ECCC}"/>
               </a:ext>
             </a:extLst>
           </p:cNvPr>
@@ -45251,7 +42359,7 @@
             <a:effectLst/>
             <a:extLst>
               <a:ext uri="{C572A759-6A51-4108-AA02-DFA0A04FC94B}">
-                <ma14:wrappingTextBoxFlag xmlns="" xmlns:m="http://schemas.openxmlformats.org/officeDocument/2006/math" xmlns:a14="http://schemas.microsoft.com/office/drawing/2010/main" xmlns:ma14="http://schemas.microsoft.com/office/mac/drawingml/2011/main" val="1"/>
+                <ma14:wrappingTextBoxFlag xmlns:ma14="http://schemas.microsoft.com/office/mac/drawingml/2011/main" xmlns:a14="http://schemas.microsoft.com/office/drawing/2010/main" xmlns:m="http://schemas.openxmlformats.org/officeDocument/2006/math" xmlns="" val="1"/>
               </a:ext>
             </a:extLst>
           </p:spPr>
@@ -45386,7 +42494,7 @@
             <a:effectLst/>
             <a:extLst>
               <a:ext uri="{C572A759-6A51-4108-AA02-DFA0A04FC94B}">
-                <ma14:wrappingTextBoxFlag xmlns="" xmlns:m="http://schemas.openxmlformats.org/officeDocument/2006/math" xmlns:a14="http://schemas.microsoft.com/office/drawing/2010/main" xmlns:ma14="http://schemas.microsoft.com/office/mac/drawingml/2011/main" val="1"/>
+                <ma14:wrappingTextBoxFlag xmlns:ma14="http://schemas.microsoft.com/office/mac/drawingml/2011/main" xmlns:a14="http://schemas.microsoft.com/office/drawing/2010/main" xmlns:m="http://schemas.openxmlformats.org/officeDocument/2006/math" xmlns="" val="1"/>
               </a:ext>
             </a:extLst>
           </p:spPr>
@@ -45495,7 +42603,7 @@
           <p:cNvPr id="30" name="Rectangle 68">
             <a:extLst>
               <a:ext uri="{FF2B5EF4-FFF2-40B4-BE49-F238E27FC236}">
-                <a16:creationId xmlns="" xmlns:a16="http://schemas.microsoft.com/office/drawing/2014/main" id="{2E170935-075B-E9F1-39F5-718251B4ECCC}"/>
+                <a16:creationId xmlns:a16="http://schemas.microsoft.com/office/drawing/2014/main" xmlns="" id="{2E170935-075B-E9F1-39F5-718251B4ECCC}"/>
               </a:ext>
             </a:extLst>
           </p:cNvPr>
@@ -45579,139 +42687,24 @@
   <p:clrMapOvr>
     <a:masterClrMapping/>
   </p:clrMapOvr>
+  <mc:AlternateContent xmlns:mc="http://schemas.openxmlformats.org/markup-compatibility/2006">
+    <mc:Choice xmlns:p14="http://schemas.microsoft.com/office/powerpoint/2010/main" Requires="p14">
+      <p:transition spd="med" p14:dur="700">
+        <p:fade/>
+      </p:transition>
+    </mc:Choice>
+    <mc:Fallback>
+      <p:transition spd="med">
+        <p:fade/>
+      </p:transition>
+    </mc:Fallback>
+  </mc:AlternateContent>
   <p:timing>
     <p:tnLst>
       <p:par>
-        <p:cTn id="1" dur="indefinite" restart="never" nodeType="tmRoot">
-          <p:childTnLst>
-            <p:seq concurrent="1" nextAc="seek">
-              <p:cTn id="2" dur="indefinite" nodeType="mainSeq">
-                <p:childTnLst>
-                  <p:par>
-                    <p:cTn id="3" fill="hold">
-                      <p:stCondLst>
-                        <p:cond delay="indefinite"/>
-                        <p:cond evt="onBegin" delay="0">
-                          <p:tn val="2"/>
-                        </p:cond>
-                      </p:stCondLst>
-                      <p:childTnLst>
-                        <p:par>
-                          <p:cTn id="4" fill="hold">
-                            <p:stCondLst>
-                              <p:cond delay="0"/>
-                            </p:stCondLst>
-                            <p:childTnLst>
-                              <p:par>
-                                <p:cTn id="5" presetID="22" presetClass="entr" presetSubtype="8" fill="hold" grpId="0" nodeType="afterEffect">
-                                  <p:stCondLst>
-                                    <p:cond delay="0"/>
-                                  </p:stCondLst>
-                                  <p:childTnLst>
-                                    <p:set>
-                                      <p:cBhvr>
-                                        <p:cTn id="6" dur="1" fill="hold">
-                                          <p:stCondLst>
-                                            <p:cond delay="0"/>
-                                          </p:stCondLst>
-                                        </p:cTn>
-                                        <p:tgtEl>
-                                          <p:spTgt spid="10"/>
-                                        </p:tgtEl>
-                                        <p:attrNameLst>
-                                          <p:attrName>style.visibility</p:attrName>
-                                        </p:attrNameLst>
-                                      </p:cBhvr>
-                                      <p:to>
-                                        <p:strVal val="visible"/>
-                                      </p:to>
-                                    </p:set>
-                                    <p:animEffect transition="in" filter="wipe(left)">
-                                      <p:cBhvr>
-                                        <p:cTn id="7" dur="500"/>
-                                        <p:tgtEl>
-                                          <p:spTgt spid="10"/>
-                                        </p:tgtEl>
-                                      </p:cBhvr>
-                                    </p:animEffect>
-                                  </p:childTnLst>
-                                </p:cTn>
-                              </p:par>
-                            </p:childTnLst>
-                          </p:cTn>
-                        </p:par>
-                        <p:par>
-                          <p:cTn id="8" fill="hold">
-                            <p:stCondLst>
-                              <p:cond delay="500"/>
-                            </p:stCondLst>
-                            <p:childTnLst>
-                              <p:par>
-                                <p:cTn id="9" presetID="22" presetClass="entr" presetSubtype="8" fill="hold" grpId="0" nodeType="afterEffect">
-                                  <p:stCondLst>
-                                    <p:cond delay="0"/>
-                                  </p:stCondLst>
-                                  <p:childTnLst>
-                                    <p:set>
-                                      <p:cBhvr>
-                                        <p:cTn id="10" dur="1" fill="hold">
-                                          <p:stCondLst>
-                                            <p:cond delay="0"/>
-                                          </p:stCondLst>
-                                        </p:cTn>
-                                        <p:tgtEl>
-                                          <p:spTgt spid="30"/>
-                                        </p:tgtEl>
-                                        <p:attrNameLst>
-                                          <p:attrName>style.visibility</p:attrName>
-                                        </p:attrNameLst>
-                                      </p:cBhvr>
-                                      <p:to>
-                                        <p:strVal val="visible"/>
-                                      </p:to>
-                                    </p:set>
-                                    <p:animEffect transition="in" filter="wipe(left)">
-                                      <p:cBhvr>
-                                        <p:cTn id="11" dur="500"/>
-                                        <p:tgtEl>
-                                          <p:spTgt spid="30"/>
-                                        </p:tgtEl>
-                                      </p:cBhvr>
-                                    </p:animEffect>
-                                  </p:childTnLst>
-                                </p:cTn>
-                              </p:par>
-                            </p:childTnLst>
-                          </p:cTn>
-                        </p:par>
-                      </p:childTnLst>
-                    </p:cTn>
-                  </p:par>
-                </p:childTnLst>
-              </p:cTn>
-              <p:prevCondLst>
-                <p:cond evt="onPrev" delay="0">
-                  <p:tgtEl>
-                    <p:sldTgt/>
-                  </p:tgtEl>
-                </p:cond>
-              </p:prevCondLst>
-              <p:nextCondLst>
-                <p:cond evt="onNext" delay="0">
-                  <p:tgtEl>
-                    <p:sldTgt/>
-                  </p:tgtEl>
-                </p:cond>
-              </p:nextCondLst>
-            </p:seq>
-          </p:childTnLst>
-        </p:cTn>
+        <p:cTn id="1" dur="indefinite" restart="never" nodeType="tmRoot"/>
       </p:par>
     </p:tnLst>
-    <p:bldLst>
-      <p:bldP spid="10" grpId="0"/>
-      <p:bldP spid="30" grpId="0"/>
-    </p:bldLst>
   </p:timing>
 </p:sld>
 </file>
@@ -46307,79 +43300,6 @@
 </file>
 
 <file path=customXml/item1.xml><?xml version="1.0" encoding="utf-8"?>
-<p:properties xmlns:p="http://schemas.microsoft.com/office/2006/metadata/properties" xmlns:xsi="http://www.w3.org/2001/XMLSchema-instance" xmlns:pc="http://schemas.microsoft.com/office/infopath/2007/PartnerControls">
-  <documentManagement>
-    <TaxCatchAll xmlns="0d112806-a571-4b5c-9687-83175e2be7e0">
-      <Value>100</Value>
-      <Value>410</Value>
-      <Value>3</Value>
-      <Value>2</Value>
-      <Value>54</Value>
-      <Value>85</Value>
-    </TaxCatchAll>
-    <jf7e3681a28b49cbb02ac7c0053f9030 xmlns="0d112806-a571-4b5c-9687-83175e2be7e0">
-      <Terms xmlns="http://schemas.microsoft.com/office/infopath/2007/PartnerControls">
-        <TermInfo xmlns="http://schemas.microsoft.com/office/infopath/2007/PartnerControls">
-          <TermName xmlns="http://schemas.microsoft.com/office/infopath/2007/PartnerControls">Artefactos de marca</TermName>
-          <TermId xmlns="http://schemas.microsoft.com/office/infopath/2007/PartnerControls">8ee79862-260e-4ece-b336-79e88acc770f</TermId>
-        </TermInfo>
-      </Terms>
-    </jf7e3681a28b49cbb02ac7c0053f9030>
-    <EstatusVigenciaRetencion xmlns="0d112806-a571-4b5c-9687-83175e2be7e0">En proceso</EstatusVigenciaRetencion>
-    <BanderaAviso xmlns="0d112806-a571-4b5c-9687-83175e2be7e0">0</BanderaAviso>
-    <p7c0553556804494a200f658a7be40bb xmlns="0d112806-a571-4b5c-9687-83175e2be7e0">
-      <Terms xmlns="http://schemas.microsoft.com/office/infopath/2007/PartnerControls"/>
-    </p7c0553556804494a200f658a7be40bb>
-    <p99903d2540a45ee9a3299a0b877a2fa xmlns="0d112806-a571-4b5c-9687-83175e2be7e0">
-      <Terms xmlns="http://schemas.microsoft.com/office/infopath/2007/PartnerControls">
-        <TermInfo xmlns="http://schemas.microsoft.com/office/infopath/2007/PartnerControls">
-          <TermName xmlns="http://schemas.microsoft.com/office/infopath/2007/PartnerControls">Uso interno</TermName>
-          <TermId xmlns="http://schemas.microsoft.com/office/infopath/2007/PartnerControls">394084ff-5794-49bc-be44-73be0f39b062</TermId>
-        </TermInfo>
-      </Terms>
-    </p99903d2540a45ee9a3299a0b877a2fa>
-    <h4dfef7ba72949018326fb9ce4d0a291 xmlns="0d112806-a571-4b5c-9687-83175e2be7e0">
-      <Terms xmlns="http://schemas.microsoft.com/office/infopath/2007/PartnerControls">
-        <TermInfo xmlns="http://schemas.microsoft.com/office/infopath/2007/PartnerControls">
-          <TermName xmlns="http://schemas.microsoft.com/office/infopath/2007/PartnerControls">Plantilla</TermName>
-          <TermId xmlns="http://schemas.microsoft.com/office/infopath/2007/PartnerControls">d5e1061d-919e-4442-88e7-3049796b4315</TermId>
-        </TermInfo>
-      </Terms>
-    </h4dfef7ba72949018326fb9ce4d0a291>
-    <VersionDocumento xmlns="0d112806-a571-4b5c-9687-83175e2be7e0">1</VersionDocumento>
-    <PeriodoVigenciaOp xmlns="0d112806-a571-4b5c-9687-83175e2be7e0">5 años</PeriodoVigenciaOp>
-    <Acciones xmlns="0d112806-a571-4b5c-9687-83175e2be7e0" xsi:nil="true"/>
-    <ebe43492e85446a78a91ba8fc80b6dc0 xmlns="0d112806-a571-4b5c-9687-83175e2be7e0">
-      <Terms xmlns="http://schemas.microsoft.com/office/infopath/2007/PartnerControls">
-        <TermInfo xmlns="http://schemas.microsoft.com/office/infopath/2007/PartnerControls">
-          <TermName xmlns="http://schemas.microsoft.com/office/infopath/2007/PartnerControls">Marketing</TermName>
-          <TermId xmlns="http://schemas.microsoft.com/office/infopath/2007/PartnerControls">9df7ab70-40b0-4076-8e0b-a73a90c2278a</TermId>
-        </TermInfo>
-      </Terms>
-    </ebe43492e85446a78a91ba8fc80b6dc0>
-    <FechaUltimaActualizacion xmlns="0d112806-a571-4b5c-9687-83175e2be7e0">2023-04-25T05:00:00+00:00</FechaUltimaActualizacion>
-    <j14b7e14421c46c7bd9164aa7bc27f64 xmlns="0d112806-a571-4b5c-9687-83175e2be7e0">
-      <Terms xmlns="http://schemas.microsoft.com/office/infopath/2007/PartnerControls">
-        <TermInfo xmlns="http://schemas.microsoft.com/office/infopath/2007/PartnerControls">
-          <TermName xmlns="http://schemas.microsoft.com/office/infopath/2007/PartnerControls">Corporativo</TermName>
-          <TermId xmlns="http://schemas.microsoft.com/office/infopath/2007/PartnerControls">71edeffe-accb-475b-a642-bfb9a76fd90b</TermId>
-        </TermInfo>
-      </Terms>
-    </j14b7e14421c46c7bd9164aa7bc27f64>
-    <Título_x0020__x0028_CentralAxity_x0029_ xmlns="0d112806-a571-4b5c-9687-83175e2be7e0">Plantilla PowerPoint Corporativa</Título_x0020__x0028_CentralAxity_x0029_>
-    <h5ed8971cb164a0da78e87f7bb125ff3 xmlns="0d112806-a571-4b5c-9687-83175e2be7e0">
-      <Terms xmlns="http://schemas.microsoft.com/office/infopath/2007/PartnerControls">
-        <TermInfo xmlns="http://schemas.microsoft.com/office/infopath/2007/PartnerControls">
-          <TermName xmlns="http://schemas.microsoft.com/office/infopath/2007/PartnerControls">sonia.reyes@axity.com</TermName>
-          <TermId xmlns="http://schemas.microsoft.com/office/infopath/2007/PartnerControls">5ef0832a-0176-4c98-9fa8-63ba5e52a41a</TermId>
-        </TermInfo>
-      </Terms>
-    </h5ed8971cb164a0da78e87f7bb125ff3>
-  </documentManagement>
-</p:properties>
-</file>
-
-<file path=customXml/item2.xml><?xml version="1.0" encoding="utf-8"?>
 <ct:contentTypeSchema xmlns:ct="http://schemas.microsoft.com/office/2006/metadata/contentType" xmlns:ma="http://schemas.microsoft.com/office/2006/metadata/properties/metaAttributes" ct:_="" ma:_="" ma:contentTypeName="Documento CentralAxity" ma:contentTypeID="0x0101005A854A2E6B3FC44BBB7F26F86BC45764002E846109D8A79B4CB1EC976CD11B6E35" ma:contentTypeVersion="50" ma:contentTypeDescription="Documento incorporado a las directivas de la CentralAxity" ma:contentTypeScope="" ma:versionID="597f588e411d17887b088d4f21d28ad0">
   <xsd:schema xmlns:xsd="http://www.w3.org/2001/XMLSchema" xmlns:xs="http://www.w3.org/2001/XMLSchema" xmlns:p="http://schemas.microsoft.com/office/2006/metadata/properties" xmlns:ns1="http://schemas.microsoft.com/sharepoint/v3" xmlns:ns2="0d112806-a571-4b5c-9687-83175e2be7e0" xmlns:ns3="5715b14d-6155-4883-b773-4a6f0b526cee" xmlns:ns4="494b7d94-68f9-41b0-9fd8-f8ea6ae98d38" targetNamespace="http://schemas.microsoft.com/office/2006/metadata/properties" ma:root="true" ma:fieldsID="02c9543a257ef598f71b0847a18c2884" ns1:_="" ns2:_="" ns3:_="" ns4:_="">
     <xsd:import namespace="http://schemas.microsoft.com/sharepoint/v3"/>
@@ -46710,7 +43630,85 @@
 </ct:contentTypeSchema>
 </file>
 
+<file path=customXml/item2.xml><?xml version="1.0" encoding="utf-8"?>
+<p:properties xmlns:p="http://schemas.microsoft.com/office/2006/metadata/properties" xmlns:xsi="http://www.w3.org/2001/XMLSchema-instance" xmlns:pc="http://schemas.microsoft.com/office/infopath/2007/PartnerControls">
+  <documentManagement>
+    <TaxCatchAll xmlns="0d112806-a571-4b5c-9687-83175e2be7e0">
+      <Value>100</Value>
+      <Value>410</Value>
+      <Value>3</Value>
+      <Value>2</Value>
+      <Value>54</Value>
+      <Value>85</Value>
+    </TaxCatchAll>
+    <jf7e3681a28b49cbb02ac7c0053f9030 xmlns="0d112806-a571-4b5c-9687-83175e2be7e0">
+      <Terms xmlns="http://schemas.microsoft.com/office/infopath/2007/PartnerControls">
+        <TermInfo xmlns="http://schemas.microsoft.com/office/infopath/2007/PartnerControls">
+          <TermName xmlns="http://schemas.microsoft.com/office/infopath/2007/PartnerControls">Artefactos de marca</TermName>
+          <TermId xmlns="http://schemas.microsoft.com/office/infopath/2007/PartnerControls">8ee79862-260e-4ece-b336-79e88acc770f</TermId>
+        </TermInfo>
+      </Terms>
+    </jf7e3681a28b49cbb02ac7c0053f9030>
+    <EstatusVigenciaRetencion xmlns="0d112806-a571-4b5c-9687-83175e2be7e0">En proceso</EstatusVigenciaRetencion>
+    <BanderaAviso xmlns="0d112806-a571-4b5c-9687-83175e2be7e0">0</BanderaAviso>
+    <p7c0553556804494a200f658a7be40bb xmlns="0d112806-a571-4b5c-9687-83175e2be7e0">
+      <Terms xmlns="http://schemas.microsoft.com/office/infopath/2007/PartnerControls"/>
+    </p7c0553556804494a200f658a7be40bb>
+    <p99903d2540a45ee9a3299a0b877a2fa xmlns="0d112806-a571-4b5c-9687-83175e2be7e0">
+      <Terms xmlns="http://schemas.microsoft.com/office/infopath/2007/PartnerControls">
+        <TermInfo xmlns="http://schemas.microsoft.com/office/infopath/2007/PartnerControls">
+          <TermName xmlns="http://schemas.microsoft.com/office/infopath/2007/PartnerControls">Uso interno</TermName>
+          <TermId xmlns="http://schemas.microsoft.com/office/infopath/2007/PartnerControls">394084ff-5794-49bc-be44-73be0f39b062</TermId>
+        </TermInfo>
+      </Terms>
+    </p99903d2540a45ee9a3299a0b877a2fa>
+    <h4dfef7ba72949018326fb9ce4d0a291 xmlns="0d112806-a571-4b5c-9687-83175e2be7e0">
+      <Terms xmlns="http://schemas.microsoft.com/office/infopath/2007/PartnerControls">
+        <TermInfo xmlns="http://schemas.microsoft.com/office/infopath/2007/PartnerControls">
+          <TermName xmlns="http://schemas.microsoft.com/office/infopath/2007/PartnerControls">Plantilla</TermName>
+          <TermId xmlns="http://schemas.microsoft.com/office/infopath/2007/PartnerControls">d5e1061d-919e-4442-88e7-3049796b4315</TermId>
+        </TermInfo>
+      </Terms>
+    </h4dfef7ba72949018326fb9ce4d0a291>
+    <VersionDocumento xmlns="0d112806-a571-4b5c-9687-83175e2be7e0">1</VersionDocumento>
+    <PeriodoVigenciaOp xmlns="0d112806-a571-4b5c-9687-83175e2be7e0">5 años</PeriodoVigenciaOp>
+    <Acciones xmlns="0d112806-a571-4b5c-9687-83175e2be7e0" xsi:nil="true"/>
+    <ebe43492e85446a78a91ba8fc80b6dc0 xmlns="0d112806-a571-4b5c-9687-83175e2be7e0">
+      <Terms xmlns="http://schemas.microsoft.com/office/infopath/2007/PartnerControls">
+        <TermInfo xmlns="http://schemas.microsoft.com/office/infopath/2007/PartnerControls">
+          <TermName xmlns="http://schemas.microsoft.com/office/infopath/2007/PartnerControls">Marketing</TermName>
+          <TermId xmlns="http://schemas.microsoft.com/office/infopath/2007/PartnerControls">9df7ab70-40b0-4076-8e0b-a73a90c2278a</TermId>
+        </TermInfo>
+      </Terms>
+    </ebe43492e85446a78a91ba8fc80b6dc0>
+    <FechaUltimaActualizacion xmlns="0d112806-a571-4b5c-9687-83175e2be7e0">2023-04-25T05:00:00+00:00</FechaUltimaActualizacion>
+    <j14b7e14421c46c7bd9164aa7bc27f64 xmlns="0d112806-a571-4b5c-9687-83175e2be7e0">
+      <Terms xmlns="http://schemas.microsoft.com/office/infopath/2007/PartnerControls">
+        <TermInfo xmlns="http://schemas.microsoft.com/office/infopath/2007/PartnerControls">
+          <TermName xmlns="http://schemas.microsoft.com/office/infopath/2007/PartnerControls">Corporativo</TermName>
+          <TermId xmlns="http://schemas.microsoft.com/office/infopath/2007/PartnerControls">71edeffe-accb-475b-a642-bfb9a76fd90b</TermId>
+        </TermInfo>
+      </Terms>
+    </j14b7e14421c46c7bd9164aa7bc27f64>
+    <Título_x0020__x0028_CentralAxity_x0029_ xmlns="0d112806-a571-4b5c-9687-83175e2be7e0">Plantilla PowerPoint Corporativa</Título_x0020__x0028_CentralAxity_x0029_>
+    <h5ed8971cb164a0da78e87f7bb125ff3 xmlns="0d112806-a571-4b5c-9687-83175e2be7e0">
+      <Terms xmlns="http://schemas.microsoft.com/office/infopath/2007/PartnerControls">
+        <TermInfo xmlns="http://schemas.microsoft.com/office/infopath/2007/PartnerControls">
+          <TermName xmlns="http://schemas.microsoft.com/office/infopath/2007/PartnerControls">sonia.reyes@axity.com</TermName>
+          <TermId xmlns="http://schemas.microsoft.com/office/infopath/2007/PartnerControls">5ef0832a-0176-4c98-9fa8-63ba5e52a41a</TermId>
+        </TermInfo>
+      </Terms>
+    </h5ed8971cb164a0da78e87f7bb125ff3>
+  </documentManagement>
+</p:properties>
+</file>
+
 <file path=customXml/item3.xml><?xml version="1.0" encoding="utf-8"?>
+<?mso-contentType ?>
+<spe:Receivers xmlns:spe="http://schemas.microsoft.com/sharepoint/events"/>
+</file>
+
+<file path=customXml/item4.xml><?xml version="1.0" encoding="utf-8"?>
 <?mso-contentType ?>
 <FormTemplates xmlns="http://schemas.microsoft.com/sharepoint/v3/contenttype/forms">
   <Display>DocumentLibraryForm</Display>
@@ -46719,31 +43717,7 @@
 </FormTemplates>
 </file>
 
-<file path=customXml/item4.xml><?xml version="1.0" encoding="utf-8"?>
-<?mso-contentType ?>
-<spe:Receivers xmlns:spe="http://schemas.microsoft.com/sharepoint/events"/>
-</file>
-
 <file path=customXml/itemProps1.xml><?xml version="1.0" encoding="utf-8"?>
-<ds:datastoreItem xmlns:ds="http://schemas.openxmlformats.org/officeDocument/2006/customXml" ds:itemID="{2D0DF8DB-B03C-4353-B44A-DA8E261EF087}">
-  <ds:schemaRefs>
-    <ds:schemaRef ds:uri="http://purl.org/dc/terms/"/>
-    <ds:schemaRef ds:uri="http://www.w3.org/XML/1998/namespace"/>
-    <ds:schemaRef ds:uri="http://schemas.openxmlformats.org/package/2006/metadata/core-properties"/>
-    <ds:schemaRef ds:uri="0d112806-a571-4b5c-9687-83175e2be7e0"/>
-    <ds:schemaRef ds:uri="http://purl.org/dc/dcmitype/"/>
-    <ds:schemaRef ds:uri="http://schemas.microsoft.com/office/2006/documentManagement/types"/>
-    <ds:schemaRef ds:uri="5715b14d-6155-4883-b773-4a6f0b526cee"/>
-    <ds:schemaRef ds:uri="http://schemas.microsoft.com/office/infopath/2007/PartnerControls"/>
-    <ds:schemaRef ds:uri="http://purl.org/dc/elements/1.1/"/>
-    <ds:schemaRef ds:uri="494b7d94-68f9-41b0-9fd8-f8ea6ae98d38"/>
-    <ds:schemaRef ds:uri="http://schemas.microsoft.com/sharepoint/v3"/>
-    <ds:schemaRef ds:uri="http://schemas.microsoft.com/office/2006/metadata/properties"/>
-  </ds:schemaRefs>
-</ds:datastoreItem>
-</file>
-
-<file path=customXml/itemProps2.xml><?xml version="1.0" encoding="utf-8"?>
 <ds:datastoreItem xmlns:ds="http://schemas.openxmlformats.org/officeDocument/2006/customXml" ds:itemID="{F691990F-56CB-48C0-A899-B2AAEA1FE2B5}">
   <ds:schemaRefs>
     <ds:schemaRef ds:uri="http://schemas.microsoft.com/office/2006/metadata/contentType"/>
@@ -46764,18 +43738,37 @@
 </ds:datastoreItem>
 </file>
 
+<file path=customXml/itemProps2.xml><?xml version="1.0" encoding="utf-8"?>
+<ds:datastoreItem xmlns:ds="http://schemas.openxmlformats.org/officeDocument/2006/customXml" ds:itemID="{2D0DF8DB-B03C-4353-B44A-DA8E261EF087}">
+  <ds:schemaRefs>
+    <ds:schemaRef ds:uri="http://purl.org/dc/terms/"/>
+    <ds:schemaRef ds:uri="http://www.w3.org/XML/1998/namespace"/>
+    <ds:schemaRef ds:uri="http://schemas.openxmlformats.org/package/2006/metadata/core-properties"/>
+    <ds:schemaRef ds:uri="0d112806-a571-4b5c-9687-83175e2be7e0"/>
+    <ds:schemaRef ds:uri="http://purl.org/dc/dcmitype/"/>
+    <ds:schemaRef ds:uri="http://schemas.microsoft.com/office/2006/documentManagement/types"/>
+    <ds:schemaRef ds:uri="5715b14d-6155-4883-b773-4a6f0b526cee"/>
+    <ds:schemaRef ds:uri="http://schemas.microsoft.com/office/infopath/2007/PartnerControls"/>
+    <ds:schemaRef ds:uri="http://purl.org/dc/elements/1.1/"/>
+    <ds:schemaRef ds:uri="494b7d94-68f9-41b0-9fd8-f8ea6ae98d38"/>
+    <ds:schemaRef ds:uri="http://schemas.microsoft.com/sharepoint/v3"/>
+    <ds:schemaRef ds:uri="http://schemas.microsoft.com/office/2006/metadata/properties"/>
+  </ds:schemaRefs>
+</ds:datastoreItem>
+</file>
+
 <file path=customXml/itemProps3.xml><?xml version="1.0" encoding="utf-8"?>
+<ds:datastoreItem xmlns:ds="http://schemas.openxmlformats.org/officeDocument/2006/customXml" ds:itemID="{4715E428-4D5D-44BE-8CDF-D0767275E30E}">
+  <ds:schemaRefs>
+    <ds:schemaRef ds:uri="http://schemas.microsoft.com/sharepoint/events"/>
+  </ds:schemaRefs>
+</ds:datastoreItem>
+</file>
+
+<file path=customXml/itemProps4.xml><?xml version="1.0" encoding="utf-8"?>
 <ds:datastoreItem xmlns:ds="http://schemas.openxmlformats.org/officeDocument/2006/customXml" ds:itemID="{E35C8FFE-5946-45D2-8509-5F55C5B9ED1B}">
   <ds:schemaRefs>
     <ds:schemaRef ds:uri="http://schemas.microsoft.com/sharepoint/v3/contenttype/forms"/>
   </ds:schemaRefs>
 </ds:datastoreItem>
-</file>
-
-<file path=customXml/itemProps4.xml><?xml version="1.0" encoding="utf-8"?>
-<ds:datastoreItem xmlns:ds="http://schemas.openxmlformats.org/officeDocument/2006/customXml" ds:itemID="{4715E428-4D5D-44BE-8CDF-D0767275E30E}">
-  <ds:schemaRefs>
-    <ds:schemaRef ds:uri="http://schemas.microsoft.com/sharepoint/events"/>
-  </ds:schemaRefs>
-</ds:datastoreItem>
 </file>